--- a/dbflute-backstage/misc/session/jjug/jjug-bizreach-dbflute.pptx
+++ b/dbflute-backstage/misc/session/jjug/jjug-bizreach-dbflute.pptx
@@ -5,7 +5,7 @@
     <p:sldMasterId id="2147483660" r:id="rId1"/>
   </p:sldMasterIdLst>
   <p:notesMasterIdLst>
-    <p:notesMasterId r:id="rId74"/>
+    <p:notesMasterId r:id="rId79"/>
   </p:notesMasterIdLst>
   <p:sldIdLst>
     <p:sldId id="256" r:id="rId2"/>
@@ -59,27 +59,32 @@
     <p:sldId id="323" r:id="rId50"/>
     <p:sldId id="324" r:id="rId51"/>
     <p:sldId id="325" r:id="rId52"/>
-    <p:sldId id="326" r:id="rId53"/>
-    <p:sldId id="327" r:id="rId54"/>
-    <p:sldId id="343" r:id="rId55"/>
-    <p:sldId id="329" r:id="rId56"/>
-    <p:sldId id="339" r:id="rId57"/>
-    <p:sldId id="340" r:id="rId58"/>
-    <p:sldId id="342" r:id="rId59"/>
-    <p:sldId id="341" r:id="rId60"/>
-    <p:sldId id="344" r:id="rId61"/>
-    <p:sldId id="345" r:id="rId62"/>
-    <p:sldId id="346" r:id="rId63"/>
-    <p:sldId id="328" r:id="rId64"/>
-    <p:sldId id="330" r:id="rId65"/>
-    <p:sldId id="331" r:id="rId66"/>
-    <p:sldId id="332" r:id="rId67"/>
-    <p:sldId id="334" r:id="rId68"/>
-    <p:sldId id="338" r:id="rId69"/>
-    <p:sldId id="333" r:id="rId70"/>
-    <p:sldId id="337" r:id="rId71"/>
-    <p:sldId id="335" r:id="rId72"/>
-    <p:sldId id="336" r:id="rId73"/>
+    <p:sldId id="355" r:id="rId53"/>
+    <p:sldId id="356" r:id="rId54"/>
+    <p:sldId id="326" r:id="rId55"/>
+    <p:sldId id="327" r:id="rId56"/>
+    <p:sldId id="343" r:id="rId57"/>
+    <p:sldId id="329" r:id="rId58"/>
+    <p:sldId id="339" r:id="rId59"/>
+    <p:sldId id="340" r:id="rId60"/>
+    <p:sldId id="342" r:id="rId61"/>
+    <p:sldId id="341" r:id="rId62"/>
+    <p:sldId id="344" r:id="rId63"/>
+    <p:sldId id="345" r:id="rId64"/>
+    <p:sldId id="346" r:id="rId65"/>
+    <p:sldId id="328" r:id="rId66"/>
+    <p:sldId id="330" r:id="rId67"/>
+    <p:sldId id="331" r:id="rId68"/>
+    <p:sldId id="332" r:id="rId69"/>
+    <p:sldId id="334" r:id="rId70"/>
+    <p:sldId id="338" r:id="rId71"/>
+    <p:sldId id="333" r:id="rId72"/>
+    <p:sldId id="352" r:id="rId73"/>
+    <p:sldId id="353" r:id="rId74"/>
+    <p:sldId id="337" r:id="rId75"/>
+    <p:sldId id="335" r:id="rId76"/>
+    <p:sldId id="354" r:id="rId77"/>
+    <p:sldId id="336" r:id="rId78"/>
   </p:sldIdLst>
   <p:sldSz cx="9144000" cy="6858000" type="screen4x3"/>
   <p:notesSz cx="6858000" cy="9144000"/>
@@ -263,7 +268,7 @@
           <a:p>
             <a:fld id="{F9EBD145-8529-BF4A-9335-4CBDB7A2BC94}" type="datetimeFigureOut">
               <a:rPr kumimoji="1" lang="ja-JP" altLang="en-US" smtClean="0"/>
-              <a:t>2014/11/14</a:t>
+              <a:t>2014/11/15</a:t>
             </a:fld>
             <a:endParaRPr kumimoji="1" lang="ja-JP" altLang="en-US"/>
           </a:p>
@@ -724,7 +729,7 @@
           <a:p>
             <a:fld id="{DFBC53B0-44A9-484D-BB5E-FA953C15AA78}" type="slidenum">
               <a:rPr kumimoji="1" lang="ja-JP" altLang="en-US" smtClean="0"/>
-              <a:t>62</a:t>
+              <a:t>64</a:t>
             </a:fld>
             <a:endParaRPr kumimoji="1" lang="ja-JP" altLang="en-US"/>
           </a:p>
@@ -816,7 +821,7 @@
           <a:p>
             <a:fld id="{DFBC53B0-44A9-484D-BB5E-FA953C15AA78}" type="slidenum">
               <a:rPr kumimoji="1" lang="ja-JP" altLang="en-US" smtClean="0"/>
-              <a:t>65</a:t>
+              <a:t>67</a:t>
             </a:fld>
             <a:endParaRPr kumimoji="1" lang="ja-JP" altLang="en-US"/>
           </a:p>
@@ -904,7 +909,7 @@
           <a:p>
             <a:fld id="{DFBC53B0-44A9-484D-BB5E-FA953C15AA78}" type="slidenum">
               <a:rPr kumimoji="1" lang="ja-JP" altLang="en-US" smtClean="0"/>
-              <a:t>70</a:t>
+              <a:t>73</a:t>
             </a:fld>
             <a:endParaRPr kumimoji="1" lang="ja-JP" altLang="en-US"/>
           </a:p>
@@ -969,7 +974,7 @@
           <a:p>
             <a:r>
               <a:rPr kumimoji="1" lang="ja-JP" altLang="en-US" dirty="0" smtClean="0"/>
-              <a:t>ご清聴ですよー</a:t>
+              <a:t>もう、まとめ</a:t>
             </a:r>
             <a:endParaRPr kumimoji="1" lang="ja-JP" altLang="en-US" dirty="0"/>
           </a:p>
@@ -992,7 +997,183 @@
           <a:p>
             <a:fld id="{DFBC53B0-44A9-484D-BB5E-FA953C15AA78}" type="slidenum">
               <a:rPr kumimoji="1" lang="ja-JP" altLang="en-US" smtClean="0"/>
-              <a:t>71</a:t>
+              <a:t>74</a:t>
+            </a:fld>
+            <a:endParaRPr kumimoji="1" lang="ja-JP" altLang="en-US"/>
+          </a:p>
+        </p:txBody>
+      </p:sp>
+    </p:spTree>
+    <p:extLst>
+      <p:ext uri="{BB962C8B-B14F-4D97-AF65-F5344CB8AC3E}">
+        <p14:creationId xmlns:p14="http://schemas.microsoft.com/office/powerpoint/2010/main" val="3334261544"/>
+      </p:ext>
+    </p:extLst>
+  </p:cSld>
+  <p:clrMapOvr>
+    <a:masterClrMapping/>
+  </p:clrMapOvr>
+</p:notes>
+</file>
+
+<file path=ppt/notesSlides/notesSlide14.xml><?xml version="1.0" encoding="utf-8"?>
+<p:notes xmlns:a="http://schemas.openxmlformats.org/drawingml/2006/main" xmlns:r="http://schemas.openxmlformats.org/officeDocument/2006/relationships" xmlns:p="http://schemas.openxmlformats.org/presentationml/2006/main">
+  <p:cSld>
+    <p:spTree>
+      <p:nvGrpSpPr>
+        <p:cNvPr id="1" name=""/>
+        <p:cNvGrpSpPr/>
+        <p:nvPr/>
+      </p:nvGrpSpPr>
+      <p:grpSpPr>
+        <a:xfrm>
+          <a:off x="0" y="0"/>
+          <a:ext cx="0" cy="0"/>
+          <a:chOff x="0" y="0"/>
+          <a:chExt cx="0" cy="0"/>
+        </a:xfrm>
+      </p:grpSpPr>
+      <p:sp>
+        <p:nvSpPr>
+          <p:cNvPr id="2" name="スライド イメージ プレースホルダー 1"/>
+          <p:cNvSpPr>
+            <a:spLocks noGrp="1" noRot="1" noChangeAspect="1"/>
+          </p:cNvSpPr>
+          <p:nvPr>
+            <p:ph type="sldImg"/>
+          </p:nvPr>
+        </p:nvSpPr>
+        <p:spPr/>
+      </p:sp>
+      <p:sp>
+        <p:nvSpPr>
+          <p:cNvPr id="3" name="ノート プレースホルダー 2"/>
+          <p:cNvSpPr>
+            <a:spLocks noGrp="1"/>
+          </p:cNvSpPr>
+          <p:nvPr>
+            <p:ph type="body" idx="1"/>
+          </p:nvPr>
+        </p:nvSpPr>
+        <p:spPr/>
+        <p:txBody>
+          <a:bodyPr/>
+          <a:lstStyle/>
+          <a:p>
+            <a:r>
+              <a:rPr kumimoji="1" lang="ja-JP" altLang="en-US" dirty="0" smtClean="0"/>
+              <a:t>ご清聴ですよー</a:t>
+            </a:r>
+            <a:endParaRPr kumimoji="1" lang="ja-JP" altLang="en-US" dirty="0"/>
+          </a:p>
+        </p:txBody>
+      </p:sp>
+      <p:sp>
+        <p:nvSpPr>
+          <p:cNvPr id="4" name="スライド番号プレースホルダー 3"/>
+          <p:cNvSpPr>
+            <a:spLocks noGrp="1"/>
+          </p:cNvSpPr>
+          <p:nvPr>
+            <p:ph type="sldNum" sz="quarter" idx="10"/>
+          </p:nvPr>
+        </p:nvSpPr>
+        <p:spPr/>
+        <p:txBody>
+          <a:bodyPr/>
+          <a:lstStyle/>
+          <a:p>
+            <a:fld id="{DFBC53B0-44A9-484D-BB5E-FA953C15AA78}" type="slidenum">
+              <a:rPr kumimoji="1" lang="ja-JP" altLang="en-US" smtClean="0"/>
+              <a:t>75</a:t>
+            </a:fld>
+            <a:endParaRPr kumimoji="1" lang="ja-JP" altLang="en-US"/>
+          </a:p>
+        </p:txBody>
+      </p:sp>
+    </p:spTree>
+    <p:extLst>
+      <p:ext uri="{BB962C8B-B14F-4D97-AF65-F5344CB8AC3E}">
+        <p14:creationId xmlns:p14="http://schemas.microsoft.com/office/powerpoint/2010/main" val="2093764921"/>
+      </p:ext>
+    </p:extLst>
+  </p:cSld>
+  <p:clrMapOvr>
+    <a:masterClrMapping/>
+  </p:clrMapOvr>
+</p:notes>
+</file>
+
+<file path=ppt/notesSlides/notesSlide15.xml><?xml version="1.0" encoding="utf-8"?>
+<p:notes xmlns:a="http://schemas.openxmlformats.org/drawingml/2006/main" xmlns:r="http://schemas.openxmlformats.org/officeDocument/2006/relationships" xmlns:p="http://schemas.openxmlformats.org/presentationml/2006/main">
+  <p:cSld>
+    <p:spTree>
+      <p:nvGrpSpPr>
+        <p:cNvPr id="1" name=""/>
+        <p:cNvGrpSpPr/>
+        <p:nvPr/>
+      </p:nvGrpSpPr>
+      <p:grpSpPr>
+        <a:xfrm>
+          <a:off x="0" y="0"/>
+          <a:ext cx="0" cy="0"/>
+          <a:chOff x="0" y="0"/>
+          <a:chExt cx="0" cy="0"/>
+        </a:xfrm>
+      </p:grpSpPr>
+      <p:sp>
+        <p:nvSpPr>
+          <p:cNvPr id="2" name="スライド イメージ プレースホルダー 1"/>
+          <p:cNvSpPr>
+            <a:spLocks noGrp="1" noRot="1" noChangeAspect="1"/>
+          </p:cNvSpPr>
+          <p:nvPr>
+            <p:ph type="sldImg"/>
+          </p:nvPr>
+        </p:nvSpPr>
+        <p:spPr/>
+      </p:sp>
+      <p:sp>
+        <p:nvSpPr>
+          <p:cNvPr id="3" name="ノート プレースホルダー 2"/>
+          <p:cNvSpPr>
+            <a:spLocks noGrp="1"/>
+          </p:cNvSpPr>
+          <p:nvPr>
+            <p:ph type="body" idx="1"/>
+          </p:nvPr>
+        </p:nvSpPr>
+        <p:spPr/>
+        <p:txBody>
+          <a:bodyPr/>
+          <a:lstStyle/>
+          <a:p>
+            <a:r>
+              <a:rPr kumimoji="1" lang="ja-JP" altLang="en-US" dirty="0" smtClean="0"/>
+              <a:t>ご清聴ですよー</a:t>
+            </a:r>
+            <a:endParaRPr kumimoji="1" lang="ja-JP" altLang="en-US" dirty="0"/>
+          </a:p>
+        </p:txBody>
+      </p:sp>
+      <p:sp>
+        <p:nvSpPr>
+          <p:cNvPr id="4" name="スライド番号プレースホルダー 3"/>
+          <p:cNvSpPr>
+            <a:spLocks noGrp="1"/>
+          </p:cNvSpPr>
+          <p:nvPr>
+            <p:ph type="sldNum" sz="quarter" idx="10"/>
+          </p:nvPr>
+        </p:nvSpPr>
+        <p:spPr/>
+        <p:txBody>
+          <a:bodyPr/>
+          <a:lstStyle/>
+          <a:p>
+            <a:fld id="{DFBC53B0-44A9-484D-BB5E-FA953C15AA78}" type="slidenum">
+              <a:rPr kumimoji="1" lang="ja-JP" altLang="en-US" smtClean="0"/>
+              <a:t>76</a:t>
             </a:fld>
             <a:endParaRPr kumimoji="1" lang="ja-JP" altLang="en-US"/>
           </a:p>
@@ -1608,7 +1789,7 @@
           <a:p>
             <a:fld id="{DFBC53B0-44A9-484D-BB5E-FA953C15AA78}" type="slidenum">
               <a:rPr kumimoji="1" lang="ja-JP" altLang="en-US" smtClean="0"/>
-              <a:t>52</a:t>
+              <a:t>54</a:t>
             </a:fld>
             <a:endParaRPr kumimoji="1" lang="ja-JP" altLang="en-US"/>
           </a:p>
@@ -1696,7 +1877,7 @@
           <a:p>
             <a:fld id="{DFBC53B0-44A9-484D-BB5E-FA953C15AA78}" type="slidenum">
               <a:rPr kumimoji="1" lang="ja-JP" altLang="en-US" smtClean="0"/>
-              <a:t>61</a:t>
+              <a:t>63</a:t>
             </a:fld>
             <a:endParaRPr kumimoji="1" lang="ja-JP" altLang="en-US"/>
           </a:p>
@@ -1948,7 +2129,7 @@
           <a:p>
             <a:fld id="{2DF66AD8-BC4A-4004-9882-414398D930CA}" type="datetimeFigureOut">
               <a:rPr lang="en-US" smtClean="0"/>
-              <a:t>2014/11/13</a:t>
+              <a:t>2014/11/15</a:t>
             </a:fld>
             <a:endParaRPr lang="en-US"/>
           </a:p>
@@ -2093,7 +2274,7 @@
           <a:p>
             <a:fld id="{2DF66AD8-BC4A-4004-9882-414398D930CA}" type="datetimeFigureOut">
               <a:rPr lang="en-US" smtClean="0"/>
-              <a:t>2014/11/13</a:t>
+              <a:t>2014/11/15</a:t>
             </a:fld>
             <a:endParaRPr lang="en-US"/>
           </a:p>
@@ -2678,7 +2859,7 @@
           <a:p>
             <a:fld id="{2DF66AD8-BC4A-4004-9882-414398D930CA}" type="datetimeFigureOut">
               <a:rPr lang="en-US" smtClean="0"/>
-              <a:t>2014/11/13</a:t>
+              <a:t>2014/11/15</a:t>
             </a:fld>
             <a:endParaRPr lang="en-US"/>
           </a:p>
@@ -3142,7 +3323,7 @@
           <a:p>
             <a:fld id="{2DF66AD8-BC4A-4004-9882-414398D930CA}" type="datetimeFigureOut">
               <a:rPr lang="en-US" smtClean="0"/>
-              <a:t>2014/11/13</a:t>
+              <a:t>2014/11/15</a:t>
             </a:fld>
             <a:endParaRPr lang="en-US"/>
           </a:p>
@@ -3232,7 +3413,7 @@
           <a:p>
             <a:fld id="{2DF66AD8-BC4A-4004-9882-414398D930CA}" type="datetimeFigureOut">
               <a:rPr lang="en-US" smtClean="0"/>
-              <a:t>2014/11/13</a:t>
+              <a:t>2014/11/15</a:t>
             </a:fld>
             <a:endParaRPr lang="en-US"/>
           </a:p>
@@ -3542,7 +3723,7 @@
           <a:p>
             <a:fld id="{2DF66AD8-BC4A-4004-9882-414398D930CA}" type="datetimeFigureOut">
               <a:rPr lang="en-US" smtClean="0"/>
-              <a:t>2014/11/13</a:t>
+              <a:t>2014/11/15</a:t>
             </a:fld>
             <a:endParaRPr lang="en-US"/>
           </a:p>
@@ -3735,7 +3916,7 @@
           <a:p>
             <a:fld id="{2DF66AD8-BC4A-4004-9882-414398D930CA}" type="datetimeFigureOut">
               <a:rPr lang="en-US" smtClean="0"/>
-              <a:t>2014/11/13</a:t>
+              <a:t>2014/11/15</a:t>
             </a:fld>
             <a:endParaRPr lang="en-US"/>
           </a:p>
@@ -4477,7 +4658,7 @@
           <a:p>
             <a:fld id="{2DF66AD8-BC4A-4004-9882-414398D930CA}" type="datetimeFigureOut">
               <a:rPr lang="en-US" smtClean="0"/>
-              <a:t>2014/11/13</a:t>
+              <a:t>2014/11/15</a:t>
             </a:fld>
             <a:endParaRPr lang="en-US"/>
           </a:p>
@@ -4815,7 +4996,7 @@
           <a:p>
             <a:fld id="{2DF66AD8-BC4A-4004-9882-414398D930CA}" type="datetimeFigureOut">
               <a:rPr lang="en-US" smtClean="0"/>
-              <a:t>2014/11/13</a:t>
+              <a:t>2014/11/15</a:t>
             </a:fld>
             <a:endParaRPr lang="en-US"/>
           </a:p>
@@ -5412,7 +5593,7 @@
           <a:p>
             <a:fld id="{2DF66AD8-BC4A-4004-9882-414398D930CA}" type="datetimeFigureOut">
               <a:rPr lang="en-US" smtClean="0"/>
-              <a:t>2014/11/13</a:t>
+              <a:t>2014/11/15</a:t>
             </a:fld>
             <a:endParaRPr lang="en-US"/>
           </a:p>
@@ -5627,7 +5808,7 @@
           <a:p>
             <a:fld id="{2DF66AD8-BC4A-4004-9882-414398D930CA}" type="datetimeFigureOut">
               <a:rPr lang="en-US" smtClean="0"/>
-              <a:t>2014/11/13</a:t>
+              <a:t>2014/11/15</a:t>
             </a:fld>
             <a:endParaRPr lang="en-US"/>
           </a:p>
@@ -5828,7 +6009,7 @@
           <a:p>
             <a:fld id="{2DF66AD8-BC4A-4004-9882-414398D930CA}" type="datetimeFigureOut">
               <a:rPr lang="en-US" smtClean="0"/>
-              <a:t>2014/11/13</a:t>
+              <a:t>2014/11/15</a:t>
             </a:fld>
             <a:endParaRPr lang="en-US"/>
           </a:p>
@@ -6053,7 +6234,7 @@
           <a:p>
             <a:fld id="{2DF66AD8-BC4A-4004-9882-414398D930CA}" type="datetimeFigureOut">
               <a:rPr lang="en-US" smtClean="0"/>
-              <a:t>2014/11/13</a:t>
+              <a:t>2014/11/15</a:t>
             </a:fld>
             <a:endParaRPr lang="en-US"/>
           </a:p>
@@ -6472,7 +6653,7 @@
           <a:p>
             <a:fld id="{2DF66AD8-BC4A-4004-9882-414398D930CA}" type="datetimeFigureOut">
               <a:rPr lang="en-US" smtClean="0"/>
-              <a:t>2014/11/13</a:t>
+              <a:t>2014/11/15</a:t>
             </a:fld>
             <a:endParaRPr lang="en-US"/>
           </a:p>
@@ -6770,7 +6951,7 @@
           <a:p>
             <a:fld id="{2DF66AD8-BC4A-4004-9882-414398D930CA}" type="datetimeFigureOut">
               <a:rPr lang="en-US" smtClean="0"/>
-              <a:t>2014/11/13</a:t>
+              <a:t>2014/11/15</a:t>
             </a:fld>
             <a:endParaRPr lang="en-US"/>
           </a:p>
@@ -7171,7 +7352,7 @@
           <a:p>
             <a:fld id="{2DF66AD8-BC4A-4004-9882-414398D930CA}" type="datetimeFigureOut">
               <a:rPr lang="en-US" smtClean="0"/>
-              <a:t>2014/11/13</a:t>
+              <a:t>2014/11/15</a:t>
             </a:fld>
             <a:endParaRPr lang="en-US"/>
           </a:p>
@@ -7561,7 +7742,7 @@
           <a:p>
             <a:fld id="{2DF66AD8-BC4A-4004-9882-414398D930CA}" type="datetimeFigureOut">
               <a:rPr lang="en-US" smtClean="0"/>
-              <a:t>2014/11/13</a:t>
+              <a:t>2014/11/15</a:t>
             </a:fld>
             <a:endParaRPr lang="en-US"/>
           </a:p>
@@ -7908,7 +8089,7 @@
           <a:p>
             <a:fld id="{2DF66AD8-BC4A-4004-9882-414398D930CA}" type="datetimeFigureOut">
               <a:rPr lang="en-US" smtClean="0"/>
-              <a:t>2014/11/13</a:t>
+              <a:t>2014/11/15</a:t>
             </a:fld>
             <a:endParaRPr lang="en-US"/>
           </a:p>
@@ -8411,7 +8592,7 @@
           <a:p>
             <a:fld id="{2DF66AD8-BC4A-4004-9882-414398D930CA}" type="datetimeFigureOut">
               <a:rPr lang="en-US" smtClean="0"/>
-              <a:t>2014/11/13</a:t>
+              <a:t>2014/11/15</a:t>
             </a:fld>
             <a:endParaRPr lang="en-US"/>
           </a:p>
@@ -8737,7 +8918,7 @@
           <a:p>
             <a:fld id="{2DF66AD8-BC4A-4004-9882-414398D930CA}" type="datetimeFigureOut">
               <a:rPr lang="en-US" smtClean="0"/>
-              <a:t>2014/11/13</a:t>
+              <a:t>2014/11/15</a:t>
             </a:fld>
             <a:endParaRPr lang="en-US"/>
           </a:p>
@@ -9093,7 +9274,7 @@
           <a:p>
             <a:fld id="{2DF66AD8-BC4A-4004-9882-414398D930CA}" type="datetimeFigureOut">
               <a:rPr lang="en-US" smtClean="0"/>
-              <a:t>2014/11/13</a:t>
+              <a:t>2014/11/15</a:t>
             </a:fld>
             <a:endParaRPr lang="en-US"/>
           </a:p>
@@ -10126,6 +10307,13 @@
   <p:clrMapOvr>
     <a:masterClrMapping/>
   </p:clrMapOvr>
+  <p:timing>
+    <p:tnLst>
+      <p:par>
+        <p:cTn xmlns:p14="http://schemas.microsoft.com/office/powerpoint/2010/main" id="1" dur="indefinite" restart="never" nodeType="tmRoot"/>
+      </p:par>
+    </p:tnLst>
+  </p:timing>
 </p:sld>
 </file>
 
@@ -10238,6 +10426,13 @@
   <p:clrMapOvr>
     <a:masterClrMapping/>
   </p:clrMapOvr>
+  <p:timing>
+    <p:tnLst>
+      <p:par>
+        <p:cTn xmlns:p14="http://schemas.microsoft.com/office/powerpoint/2010/main" id="1" dur="indefinite" restart="never" nodeType="tmRoot"/>
+      </p:par>
+    </p:tnLst>
+  </p:timing>
 </p:sld>
 </file>
 
@@ -10432,6 +10627,13 @@
   <p:clrMapOvr>
     <a:masterClrMapping/>
   </p:clrMapOvr>
+  <p:timing>
+    <p:tnLst>
+      <p:par>
+        <p:cTn xmlns:p14="http://schemas.microsoft.com/office/powerpoint/2010/main" id="1" dur="indefinite" restart="never" nodeType="tmRoot"/>
+      </p:par>
+    </p:tnLst>
+  </p:timing>
 </p:sld>
 </file>
 
@@ -10528,6 +10730,13 @@
   <p:clrMapOvr>
     <a:masterClrMapping/>
   </p:clrMapOvr>
+  <p:timing>
+    <p:tnLst>
+      <p:par>
+        <p:cTn xmlns:p14="http://schemas.microsoft.com/office/powerpoint/2010/main" id="1" dur="indefinite" restart="never" nodeType="tmRoot"/>
+      </p:par>
+    </p:tnLst>
+  </p:timing>
 </p:sld>
 </file>
 
@@ -10636,15 +10845,7 @@
                   <a:srgbClr val="800000"/>
                 </a:solidFill>
               </a:rPr>
-              <a:t>　　　</a:t>
-            </a:r>
-            <a:r>
-              <a:rPr lang="ja-JP" altLang="en-US" sz="4800" dirty="0" smtClean="0">
-                <a:solidFill>
-                  <a:srgbClr val="800000"/>
-                </a:solidFill>
-              </a:rPr>
-              <a:t>タイプセーフ</a:t>
+              <a:t>　　　タイプセーフ</a:t>
             </a:r>
             <a:endParaRPr kumimoji="1" lang="ja-JP" altLang="en-US" sz="4800" dirty="0">
               <a:solidFill>
@@ -10664,6 +10865,13 @@
   <p:clrMapOvr>
     <a:masterClrMapping/>
   </p:clrMapOvr>
+  <p:timing>
+    <p:tnLst>
+      <p:par>
+        <p:cTn xmlns:p14="http://schemas.microsoft.com/office/powerpoint/2010/main" id="1" dur="indefinite" restart="never" nodeType="tmRoot"/>
+      </p:par>
+    </p:tnLst>
+  </p:timing>
 </p:sld>
 </file>
 
@@ -10751,6 +10959,13 @@
   <p:clrMapOvr>
     <a:masterClrMapping/>
   </p:clrMapOvr>
+  <p:timing>
+    <p:tnLst>
+      <p:par>
+        <p:cTn xmlns:p14="http://schemas.microsoft.com/office/powerpoint/2010/main" id="1" dur="indefinite" restart="never" nodeType="tmRoot"/>
+      </p:par>
+    </p:tnLst>
+  </p:timing>
 </p:sld>
 </file>
 
@@ -10943,6 +11158,13 @@
   <p:clrMapOvr>
     <a:masterClrMapping/>
   </p:clrMapOvr>
+  <p:timing>
+    <p:tnLst>
+      <p:par>
+        <p:cTn xmlns:p14="http://schemas.microsoft.com/office/powerpoint/2010/main" id="1" dur="indefinite" restart="never" nodeType="tmRoot"/>
+      </p:par>
+    </p:tnLst>
+  </p:timing>
 </p:sld>
 </file>
 
@@ -11143,6 +11365,13 @@
   <p:clrMapOvr>
     <a:masterClrMapping/>
   </p:clrMapOvr>
+  <p:timing>
+    <p:tnLst>
+      <p:par>
+        <p:cTn xmlns:p14="http://schemas.microsoft.com/office/powerpoint/2010/main" id="1" dur="indefinite" restart="never" nodeType="tmRoot"/>
+      </p:par>
+    </p:tnLst>
+  </p:timing>
 </p:sld>
 </file>
 
@@ -11572,6 +11801,13 @@
   <p:clrMapOvr>
     <a:masterClrMapping/>
   </p:clrMapOvr>
+  <p:timing>
+    <p:tnLst>
+      <p:par>
+        <p:cTn xmlns:p14="http://schemas.microsoft.com/office/powerpoint/2010/main" id="1" dur="indefinite" restart="never" nodeType="tmRoot"/>
+      </p:par>
+    </p:tnLst>
+  </p:timing>
 </p:sld>
 </file>
 
@@ -11706,6 +11942,13 @@
   <p:clrMapOvr>
     <a:masterClrMapping/>
   </p:clrMapOvr>
+  <p:timing>
+    <p:tnLst>
+      <p:par>
+        <p:cTn xmlns:p14="http://schemas.microsoft.com/office/powerpoint/2010/main" id="1" dur="indefinite" restart="never" nodeType="tmRoot"/>
+      </p:par>
+    </p:tnLst>
+  </p:timing>
 </p:sld>
 </file>
 
@@ -11838,6 +12081,13 @@
   <p:clrMapOvr>
     <a:masterClrMapping/>
   </p:clrMapOvr>
+  <p:timing>
+    <p:tnLst>
+      <p:par>
+        <p:cTn xmlns:p14="http://schemas.microsoft.com/office/powerpoint/2010/main" id="1" dur="indefinite" restart="never" nodeType="tmRoot"/>
+      </p:par>
+    </p:tnLst>
+  </p:timing>
 </p:sld>
 </file>
 
@@ -11934,6 +12184,13 @@
   <p:clrMapOvr>
     <a:masterClrMapping/>
   </p:clrMapOvr>
+  <p:timing>
+    <p:tnLst>
+      <p:par>
+        <p:cTn xmlns:p14="http://schemas.microsoft.com/office/powerpoint/2010/main" id="1" dur="indefinite" restart="never" nodeType="tmRoot"/>
+      </p:par>
+    </p:tnLst>
+  </p:timing>
 </p:sld>
 </file>
 
@@ -12084,6 +12341,13 @@
   <p:clrMapOvr>
     <a:masterClrMapping/>
   </p:clrMapOvr>
+  <p:timing>
+    <p:tnLst>
+      <p:par>
+        <p:cTn xmlns:p14="http://schemas.microsoft.com/office/powerpoint/2010/main" id="1" dur="indefinite" restart="never" nodeType="tmRoot"/>
+      </p:par>
+    </p:tnLst>
+  </p:timing>
 </p:sld>
 </file>
 
@@ -12234,6 +12498,13 @@
   <p:clrMapOvr>
     <a:masterClrMapping/>
   </p:clrMapOvr>
+  <p:timing>
+    <p:tnLst>
+      <p:par>
+        <p:cTn xmlns:p14="http://schemas.microsoft.com/office/powerpoint/2010/main" id="1" dur="indefinite" restart="never" nodeType="tmRoot"/>
+      </p:par>
+    </p:tnLst>
+  </p:timing>
 </p:sld>
 </file>
 
@@ -12447,6 +12718,13 @@
   <p:clrMapOvr>
     <a:masterClrMapping/>
   </p:clrMapOvr>
+  <p:timing>
+    <p:tnLst>
+      <p:par>
+        <p:cTn xmlns:p14="http://schemas.microsoft.com/office/powerpoint/2010/main" id="1" dur="indefinite" restart="never" nodeType="tmRoot"/>
+      </p:par>
+    </p:tnLst>
+  </p:timing>
 </p:sld>
 </file>
 
@@ -12581,6 +12859,13 @@
   <p:clrMapOvr>
     <a:masterClrMapping/>
   </p:clrMapOvr>
+  <p:timing>
+    <p:tnLst>
+      <p:par>
+        <p:cTn xmlns:p14="http://schemas.microsoft.com/office/powerpoint/2010/main" id="1" dur="indefinite" restart="never" nodeType="tmRoot"/>
+      </p:par>
+    </p:tnLst>
+  </p:timing>
 </p:sld>
 </file>
 
@@ -12706,6 +12991,13 @@
   <p:clrMapOvr>
     <a:masterClrMapping/>
   </p:clrMapOvr>
+  <p:timing>
+    <p:tnLst>
+      <p:par>
+        <p:cTn xmlns:p14="http://schemas.microsoft.com/office/powerpoint/2010/main" id="1" dur="indefinite" restart="never" nodeType="tmRoot"/>
+      </p:par>
+    </p:tnLst>
+  </p:timing>
 </p:sld>
 </file>
 
@@ -12806,6 +13098,13 @@
   <p:clrMapOvr>
     <a:masterClrMapping/>
   </p:clrMapOvr>
+  <p:timing>
+    <p:tnLst>
+      <p:par>
+        <p:cTn xmlns:p14="http://schemas.microsoft.com/office/powerpoint/2010/main" id="1" dur="indefinite" restart="never" nodeType="tmRoot"/>
+      </p:par>
+    </p:tnLst>
+  </p:timing>
 </p:sld>
 </file>
 
@@ -12876,11 +13175,7 @@
             </a:pPr>
             <a:r>
               <a:rPr lang="ja-JP" altLang="en-US" sz="3600" dirty="0" smtClean="0"/>
-              <a:t>久保　</a:t>
-            </a:r>
-            <a:r>
-              <a:rPr lang="ja-JP" altLang="en-US" sz="3600" dirty="0" smtClean="0"/>
-              <a:t>雅彦</a:t>
+              <a:t>久保　雅彦</a:t>
             </a:r>
             <a:r>
               <a:rPr lang="en-US" altLang="ja-JP" sz="3600" dirty="0" smtClean="0"/>
@@ -12998,17 +13293,7 @@
                   </a:schemeClr>
                 </a:solidFill>
               </a:rPr>
-              <a:t>の</a:t>
-            </a:r>
-            <a:r>
-              <a:rPr kumimoji="1" lang="ja-JP" altLang="en-US" sz="2900" dirty="0" smtClean="0">
-                <a:solidFill>
-                  <a:schemeClr val="accent4">
-                    <a:lumMod val="50000"/>
-                  </a:schemeClr>
-                </a:solidFill>
-              </a:rPr>
-              <a:t>日記</a:t>
+              <a:t>の日記</a:t>
             </a:r>
             <a:r>
               <a:rPr kumimoji="1" lang="en-US" altLang="ja-JP" sz="2900" dirty="0" smtClean="0">
@@ -13097,47 +13382,27 @@
                   </a:schemeClr>
                 </a:solidFill>
               </a:rPr>
-              <a:t>Twitter: </a:t>
-            </a:r>
-            <a:r>
-              <a:rPr lang="en-US" altLang="ja-JP" sz="2900" dirty="0" smtClean="0">
+              <a:t>Twitter: @</a:t>
+            </a:r>
+            <a:r>
+              <a:rPr lang="en-US" altLang="ja-JP" sz="2900" dirty="0" err="1" smtClean="0">
                 <a:solidFill>
                   <a:schemeClr val="accent4">
                     <a:lumMod val="50000"/>
                   </a:schemeClr>
                 </a:solidFill>
               </a:rPr>
-              <a:t>@</a:t>
-            </a:r>
-            <a:r>
-              <a:rPr lang="en-US" altLang="ja-JP" sz="2900" dirty="0" err="1" smtClean="0">
+              <a:t>jflute</a:t>
+            </a:r>
+            <a:r>
+              <a:rPr lang="en-US" altLang="ja-JP" sz="2900" dirty="0" smtClean="0">
                 <a:solidFill>
                   <a:schemeClr val="accent4">
                     <a:lumMod val="50000"/>
                   </a:schemeClr>
                 </a:solidFill>
               </a:rPr>
-              <a:t>jflute</a:t>
-            </a:r>
-            <a:r>
-              <a:rPr lang="en-US" altLang="ja-JP" sz="2900" dirty="0" smtClean="0">
-                <a:solidFill>
-                  <a:schemeClr val="accent4">
-                    <a:lumMod val="50000"/>
-                  </a:schemeClr>
-                </a:solidFill>
-              </a:rPr>
-              <a:t> </a:t>
-            </a:r>
-            <a:r>
-              <a:rPr lang="en-US" altLang="ja-JP" sz="2900" dirty="0" smtClean="0">
-                <a:solidFill>
-                  <a:schemeClr val="accent4">
-                    <a:lumMod val="50000"/>
-                  </a:schemeClr>
-                </a:solidFill>
-              </a:rPr>
-              <a:t>/ Facebook: </a:t>
+              <a:t> / Facebook: </a:t>
             </a:r>
             <a:r>
               <a:rPr lang="en-US" altLang="ja-JP" sz="2900" dirty="0" err="1" smtClean="0">
@@ -13348,6 +13613,13 @@
   <p:clrMapOvr>
     <a:masterClrMapping/>
   </p:clrMapOvr>
+  <p:timing>
+    <p:tnLst>
+      <p:par>
+        <p:cTn xmlns:p14="http://schemas.microsoft.com/office/powerpoint/2010/main" id="1" dur="indefinite" restart="never" nodeType="tmRoot"/>
+      </p:par>
+    </p:tnLst>
+  </p:timing>
 </p:sld>
 </file>
 
@@ -13470,6 +13742,13 @@
   <p:clrMapOvr>
     <a:masterClrMapping/>
   </p:clrMapOvr>
+  <p:timing>
+    <p:tnLst>
+      <p:par>
+        <p:cTn xmlns:p14="http://schemas.microsoft.com/office/powerpoint/2010/main" id="1" dur="indefinite" restart="never" nodeType="tmRoot"/>
+      </p:par>
+    </p:tnLst>
+  </p:timing>
 </p:sld>
 </file>
 
@@ -13726,6 +14005,13 @@
   <p:clrMapOvr>
     <a:masterClrMapping/>
   </p:clrMapOvr>
+  <p:timing>
+    <p:tnLst>
+      <p:par>
+        <p:cTn xmlns:p14="http://schemas.microsoft.com/office/powerpoint/2010/main" id="1" dur="indefinite" restart="never" nodeType="tmRoot"/>
+      </p:par>
+    </p:tnLst>
+  </p:timing>
 </p:sld>
 </file>
 
@@ -13852,6 +14138,13 @@
   <p:clrMapOvr>
     <a:masterClrMapping/>
   </p:clrMapOvr>
+  <p:timing>
+    <p:tnLst>
+      <p:par>
+        <p:cTn xmlns:p14="http://schemas.microsoft.com/office/powerpoint/2010/main" id="1" dur="indefinite" restart="never" nodeType="tmRoot"/>
+      </p:par>
+    </p:tnLst>
+  </p:timing>
 </p:sld>
 </file>
 
@@ -14015,6 +14308,13 @@
   <p:clrMapOvr>
     <a:masterClrMapping/>
   </p:clrMapOvr>
+  <p:timing>
+    <p:tnLst>
+      <p:par>
+        <p:cTn xmlns:p14="http://schemas.microsoft.com/office/powerpoint/2010/main" id="1" dur="indefinite" restart="never" nodeType="tmRoot"/>
+      </p:par>
+    </p:tnLst>
+  </p:timing>
 </p:sld>
 </file>
 
@@ -14115,6 +14415,13 @@
   <p:clrMapOvr>
     <a:masterClrMapping/>
   </p:clrMapOvr>
+  <p:timing>
+    <p:tnLst>
+      <p:par>
+        <p:cTn xmlns:p14="http://schemas.microsoft.com/office/powerpoint/2010/main" id="1" dur="indefinite" restart="never" nodeType="tmRoot"/>
+      </p:par>
+    </p:tnLst>
+  </p:timing>
 </p:sld>
 </file>
 
@@ -14215,6 +14522,13 @@
   <p:clrMapOvr>
     <a:masterClrMapping/>
   </p:clrMapOvr>
+  <p:timing>
+    <p:tnLst>
+      <p:par>
+        <p:cTn xmlns:p14="http://schemas.microsoft.com/office/powerpoint/2010/main" id="1" dur="indefinite" restart="never" nodeType="tmRoot"/>
+      </p:par>
+    </p:tnLst>
+  </p:timing>
 </p:sld>
 </file>
 
@@ -14310,6 +14624,13 @@
   <p:clrMapOvr>
     <a:masterClrMapping/>
   </p:clrMapOvr>
+  <p:timing>
+    <p:tnLst>
+      <p:par>
+        <p:cTn xmlns:p14="http://schemas.microsoft.com/office/powerpoint/2010/main" id="1" dur="indefinite" restart="never" nodeType="tmRoot"/>
+      </p:par>
+    </p:tnLst>
+  </p:timing>
 </p:sld>
 </file>
 
@@ -14396,6 +14717,13 @@
   <p:clrMapOvr>
     <a:masterClrMapping/>
   </p:clrMapOvr>
+  <p:timing>
+    <p:tnLst>
+      <p:par>
+        <p:cTn xmlns:p14="http://schemas.microsoft.com/office/powerpoint/2010/main" id="1" dur="indefinite" restart="never" nodeType="tmRoot"/>
+      </p:par>
+    </p:tnLst>
+  </p:timing>
 </p:sld>
 </file>
 
@@ -14520,11 +14848,7 @@
             </a:r>
             <a:r>
               <a:rPr lang="ja-JP" altLang="en-US" sz="4800" dirty="0" smtClean="0"/>
-              <a:t>をさわれる</a:t>
-            </a:r>
-            <a:r>
-              <a:rPr lang="ja-JP" altLang="en-US" sz="4800" dirty="0" smtClean="0"/>
-              <a:t>！</a:t>
+              <a:t>をさわれる！</a:t>
             </a:r>
             <a:endParaRPr lang="en-US" altLang="ja-JP" sz="4800" dirty="0" smtClean="0"/>
           </a:p>
@@ -14554,6 +14878,13 @@
   <p:clrMapOvr>
     <a:masterClrMapping/>
   </p:clrMapOvr>
+  <p:timing>
+    <p:tnLst>
+      <p:par>
+        <p:cTn xmlns:p14="http://schemas.microsoft.com/office/powerpoint/2010/main" id="1" dur="indefinite" restart="never" nodeType="tmRoot"/>
+      </p:par>
+    </p:tnLst>
+  </p:timing>
 </p:sld>
 </file>
 
@@ -14642,11 +14973,7 @@
             </a:r>
             <a:r>
               <a:rPr lang="ja-JP" altLang="en-US" sz="4800" dirty="0" smtClean="0"/>
-              <a:t>変更</a:t>
-            </a:r>
-            <a:r>
-              <a:rPr lang="ja-JP" altLang="en-US" sz="4800" dirty="0" smtClean="0"/>
-              <a:t>、</a:t>
+              <a:t>変更、</a:t>
             </a:r>
             <a:endParaRPr lang="en-US" altLang="ja-JP" sz="4800" dirty="0" smtClean="0"/>
           </a:p>
@@ -14849,6 +15176,13 @@
   <p:clrMapOvr>
     <a:masterClrMapping/>
   </p:clrMapOvr>
+  <p:timing>
+    <p:tnLst>
+      <p:par>
+        <p:cTn xmlns:p14="http://schemas.microsoft.com/office/powerpoint/2010/main" id="1" dur="indefinite" restart="never" nodeType="tmRoot"/>
+      </p:par>
+    </p:tnLst>
+  </p:timing>
 </p:sld>
 </file>
 
@@ -14975,6 +15309,13 @@
   <p:clrMapOvr>
     <a:masterClrMapping/>
   </p:clrMapOvr>
+  <p:timing>
+    <p:tnLst>
+      <p:par>
+        <p:cTn xmlns:p14="http://schemas.microsoft.com/office/powerpoint/2010/main" id="1" dur="indefinite" restart="never" nodeType="tmRoot"/>
+      </p:par>
+    </p:tnLst>
+  </p:timing>
 </p:sld>
 </file>
 
@@ -15093,6 +15434,13 @@
   <p:clrMapOvr>
     <a:masterClrMapping/>
   </p:clrMapOvr>
+  <p:timing>
+    <p:tnLst>
+      <p:par>
+        <p:cTn xmlns:p14="http://schemas.microsoft.com/office/powerpoint/2010/main" id="1" dur="indefinite" restart="never" nodeType="tmRoot"/>
+      </p:par>
+    </p:tnLst>
+  </p:timing>
 </p:sld>
 </file>
 
@@ -15217,6 +15565,13 @@
   <p:clrMapOvr>
     <a:masterClrMapping/>
   </p:clrMapOvr>
+  <p:timing>
+    <p:tnLst>
+      <p:par>
+        <p:cTn xmlns:p14="http://schemas.microsoft.com/office/powerpoint/2010/main" id="1" dur="indefinite" restart="never" nodeType="tmRoot"/>
+      </p:par>
+    </p:tnLst>
+  </p:timing>
 </p:sld>
 </file>
 
@@ -15368,6 +15723,13 @@
   <p:clrMapOvr>
     <a:masterClrMapping/>
   </p:clrMapOvr>
+  <p:timing>
+    <p:tnLst>
+      <p:par>
+        <p:cTn xmlns:p14="http://schemas.microsoft.com/office/powerpoint/2010/main" id="1" dur="indefinite" restart="never" nodeType="tmRoot"/>
+      </p:par>
+    </p:tnLst>
+  </p:timing>
 </p:sld>
 </file>
 
@@ -15511,6 +15873,13 @@
   <p:clrMapOvr>
     <a:masterClrMapping/>
   </p:clrMapOvr>
+  <p:timing>
+    <p:tnLst>
+      <p:par>
+        <p:cTn xmlns:p14="http://schemas.microsoft.com/office/powerpoint/2010/main" id="1" dur="indefinite" restart="never" nodeType="tmRoot"/>
+      </p:par>
+    </p:tnLst>
+  </p:timing>
 </p:sld>
 </file>
 
@@ -15685,6 +16054,13 @@
   <p:clrMapOvr>
     <a:masterClrMapping/>
   </p:clrMapOvr>
+  <p:timing>
+    <p:tnLst>
+      <p:par>
+        <p:cTn xmlns:p14="http://schemas.microsoft.com/office/powerpoint/2010/main" id="1" dur="indefinite" restart="never" nodeType="tmRoot"/>
+      </p:par>
+    </p:tnLst>
+  </p:timing>
 </p:sld>
 </file>
 
@@ -15883,6 +16259,13 @@
   <p:clrMapOvr>
     <a:masterClrMapping/>
   </p:clrMapOvr>
+  <p:timing>
+    <p:tnLst>
+      <p:par>
+        <p:cTn xmlns:p14="http://schemas.microsoft.com/office/powerpoint/2010/main" id="1" dur="indefinite" restart="never" nodeType="tmRoot"/>
+      </p:par>
+    </p:tnLst>
+  </p:timing>
 </p:sld>
 </file>
 
@@ -16001,6 +16384,13 @@
   <p:clrMapOvr>
     <a:masterClrMapping/>
   </p:clrMapOvr>
+  <p:timing>
+    <p:tnLst>
+      <p:par>
+        <p:cTn xmlns:p14="http://schemas.microsoft.com/office/powerpoint/2010/main" id="1" dur="indefinite" restart="never" nodeType="tmRoot"/>
+      </p:par>
+    </p:tnLst>
+  </p:timing>
 </p:sld>
 </file>
 
@@ -16097,6 +16487,13 @@
   <p:clrMapOvr>
     <a:masterClrMapping/>
   </p:clrMapOvr>
+  <p:timing>
+    <p:tnLst>
+      <p:par>
+        <p:cTn xmlns:p14="http://schemas.microsoft.com/office/powerpoint/2010/main" id="1" dur="indefinite" restart="never" nodeType="tmRoot"/>
+      </p:par>
+    </p:tnLst>
+  </p:timing>
 </p:sld>
 </file>
 
@@ -16196,11 +16593,7 @@
             </a:r>
             <a:r>
               <a:rPr lang="ja-JP" altLang="en-US" sz="3600" dirty="0" smtClean="0"/>
-              <a:t>　</a:t>
-            </a:r>
-            <a:r>
-              <a:rPr lang="ja-JP" altLang="en-US" sz="3600" dirty="0" smtClean="0"/>
-              <a:t>生きて</a:t>
+              <a:t>　生きて</a:t>
             </a:r>
             <a:r>
               <a:rPr lang="ja-JP" altLang="en-US" sz="3600" dirty="0"/>
@@ -16400,6 +16793,13 @@
   <p:clrMapOvr>
     <a:masterClrMapping/>
   </p:clrMapOvr>
+  <p:timing>
+    <p:tnLst>
+      <p:par>
+        <p:cTn xmlns:p14="http://schemas.microsoft.com/office/powerpoint/2010/main" id="1" dur="indefinite" restart="never" nodeType="tmRoot"/>
+      </p:par>
+    </p:tnLst>
+  </p:timing>
 </p:sld>
 </file>
 
@@ -16563,6 +16963,13 @@
   <p:clrMapOvr>
     <a:masterClrMapping/>
   </p:clrMapOvr>
+  <p:timing>
+    <p:tnLst>
+      <p:par>
+        <p:cTn xmlns:p14="http://schemas.microsoft.com/office/powerpoint/2010/main" id="1" dur="indefinite" restart="never" nodeType="tmRoot"/>
+      </p:par>
+    </p:tnLst>
+  </p:timing>
 </p:sld>
 </file>
 
@@ -16599,12 +17006,8 @@
           <a:lstStyle/>
           <a:p>
             <a:r>
-              <a:rPr kumimoji="1" lang="en-US" altLang="ja-JP" dirty="0" err="1" smtClean="0"/>
-              <a:t>LoadDataReverse</a:t>
-            </a:r>
-            <a:r>
               <a:rPr kumimoji="1" lang="ja-JP" altLang="en-US" dirty="0" smtClean="0"/>
-              <a:t>運用</a:t>
+              <a:t>疑問</a:t>
             </a:r>
             <a:endParaRPr kumimoji="1" lang="ja-JP" altLang="en-US" dirty="0"/>
           </a:p>
@@ -16623,7 +17026,7 @@
         <p:spPr>
           <a:xfrm>
             <a:off x="656456" y="1735138"/>
-            <a:ext cx="7891739" cy="4056062"/>
+            <a:ext cx="7906010" cy="4056062"/>
           </a:xfrm>
         </p:spPr>
         <p:txBody>
@@ -16638,64 +17041,49 @@
             <a:pPr marL="0" indent="0">
               <a:buNone/>
             </a:pPr>
-            <a:r>
-              <a:rPr lang="ja-JP" altLang="ja-JP" sz="3200" dirty="0"/>
+            <a:endParaRPr lang="en-US" altLang="ja-JP" sz="3200" dirty="0" smtClean="0"/>
+          </a:p>
+          <a:p>
+            <a:pPr marL="0" indent="0">
+              <a:buNone/>
+            </a:pPr>
+            <a:r>
+              <a:rPr lang="ja-JP" altLang="en-US" sz="3200" dirty="0" smtClean="0"/>
               <a:t>　</a:t>
             </a:r>
             <a:r>
-              <a:rPr lang="ja-JP" altLang="en-US" sz="3200" dirty="0" smtClean="0"/>
-              <a:t>画面で登録データを、みんなで共有</a:t>
-            </a:r>
-            <a:endParaRPr lang="en-US" altLang="ja-JP" sz="3200" dirty="0" smtClean="0"/>
-          </a:p>
-          <a:p>
-            <a:pPr marL="0" indent="0">
-              <a:buNone/>
-            </a:pPr>
-            <a:r>
-              <a:rPr lang="ja-JP" altLang="ja-JP" sz="3200" dirty="0"/>
-              <a:t>　</a:t>
-            </a:r>
-            <a:r>
-              <a:rPr lang="ja-JP" altLang="en-US" sz="3200" dirty="0" smtClean="0"/>
-              <a:t>ちょっと手で修正することもできる</a:t>
-            </a:r>
-            <a:endParaRPr lang="en-US" altLang="ja-JP" sz="3200" dirty="0" smtClean="0"/>
-          </a:p>
-          <a:p>
-            <a:pPr marL="0" indent="0">
-              <a:buNone/>
-            </a:pPr>
-            <a:r>
-              <a:rPr lang="ja-JP" altLang="en-US" sz="4800" dirty="0" smtClean="0"/>
-              <a:t>　</a:t>
-            </a:r>
-            <a:r>
-              <a:rPr lang="ja-JP" altLang="en-US" sz="4000" dirty="0" smtClean="0">
-                <a:solidFill>
-                  <a:srgbClr val="800000"/>
-                </a:solidFill>
-              </a:rPr>
-              <a:t>循環型テストデータ運用！</a:t>
-            </a:r>
-            <a:endParaRPr lang="en-US" altLang="ja-JP" sz="4000" dirty="0" smtClean="0">
-              <a:solidFill>
-                <a:srgbClr val="800000"/>
-              </a:solidFill>
-            </a:endParaRPr>
+              <a:rPr lang="ja-JP" altLang="en-US" sz="4000" dirty="0" smtClean="0"/>
+              <a:t>「</a:t>
+            </a:r>
+            <a:r>
+              <a:rPr lang="en-US" altLang="ja-JP" sz="4000" dirty="0" smtClean="0"/>
+              <a:t>FK</a:t>
+            </a:r>
+            <a:r>
+              <a:rPr lang="ja-JP" altLang="en-US" sz="4000" dirty="0" smtClean="0"/>
+              <a:t>制約違反にならないの？」</a:t>
+            </a:r>
+            <a:endParaRPr lang="en-US" altLang="ja-JP" sz="4000" dirty="0" smtClean="0"/>
           </a:p>
         </p:txBody>
       </p:sp>
     </p:spTree>
     <p:extLst>
       <p:ext uri="{BB962C8B-B14F-4D97-AF65-F5344CB8AC3E}">
-        <p14:creationId xmlns:p14="http://schemas.microsoft.com/office/powerpoint/2010/main" val="3710167826"/>
+        <p14:creationId xmlns:p14="http://schemas.microsoft.com/office/powerpoint/2010/main" val="3958530031"/>
       </p:ext>
     </p:extLst>
   </p:cSld>
   <p:clrMapOvr>
     <a:masterClrMapping/>
   </p:clrMapOvr>
+  <p:timing>
+    <p:tnLst>
+      <p:par>
+        <p:cTn xmlns:p14="http://schemas.microsoft.com/office/powerpoint/2010/main" id="1" dur="indefinite" restart="never" nodeType="tmRoot"/>
+      </p:par>
+    </p:tnLst>
+  </p:timing>
 </p:sld>
 </file>
 
@@ -16732,88 +17120,408 @@
           <a:lstStyle/>
           <a:p>
             <a:r>
-              <a:rPr kumimoji="1" lang="ja-JP" altLang="en-US" b="1" dirty="0" smtClean="0">
-                <a:solidFill>
-                  <a:srgbClr val="000090"/>
-                </a:solidFill>
-              </a:rPr>
-              <a:t>むっつ！</a:t>
-            </a:r>
-            <a:endParaRPr kumimoji="1" lang="ja-JP" altLang="en-US" b="1" dirty="0">
+              <a:rPr kumimoji="1" lang="ja-JP" altLang="en-US" dirty="0" smtClean="0"/>
+              <a:t>回答</a:t>
+            </a:r>
+            <a:endParaRPr kumimoji="1" lang="ja-JP" altLang="en-US" dirty="0"/>
+          </a:p>
+        </p:txBody>
+      </p:sp>
+      <p:sp>
+        <p:nvSpPr>
+          <p:cNvPr id="3" name="コンテンツ プレースホルダー 2"/>
+          <p:cNvSpPr>
+            <a:spLocks noGrp="1"/>
+          </p:cNvSpPr>
+          <p:nvPr>
+            <p:ph idx="1"/>
+          </p:nvPr>
+        </p:nvSpPr>
+        <p:spPr>
+          <a:xfrm>
+            <a:off x="656456" y="1925292"/>
+            <a:ext cx="7906010" cy="3865908"/>
+          </a:xfrm>
+        </p:spPr>
+        <p:txBody>
+          <a:bodyPr>
+            <a:normAutofit/>
+          </a:bodyPr>
+          <a:lstStyle/>
+          <a:p>
+            <a:pPr marL="0" indent="0">
+              <a:buNone/>
+            </a:pPr>
+            <a:r>
+              <a:rPr lang="ja-JP" altLang="en-US" sz="3200" dirty="0" smtClean="0"/>
+              <a:t>　</a:t>
+            </a:r>
+            <a:r>
+              <a:rPr lang="ja-JP" altLang="en-US" sz="4000" dirty="0" smtClean="0"/>
+              <a:t>「</a:t>
+            </a:r>
+            <a:r>
+              <a:rPr lang="en-US" altLang="ja-JP" sz="4000" dirty="0" smtClean="0"/>
+              <a:t>FK</a:t>
+            </a:r>
+            <a:r>
+              <a:rPr lang="ja-JP" altLang="en-US" sz="4000" dirty="0" smtClean="0"/>
+              <a:t>ピラミッド通りに出力</a:t>
+            </a:r>
+            <a:r>
+              <a:rPr lang="ja-JP" altLang="en-US" sz="4000" dirty="0" smtClean="0"/>
+              <a:t>」</a:t>
+            </a:r>
+            <a:endParaRPr lang="en-US" altLang="ja-JP" sz="4000" dirty="0" smtClean="0"/>
+          </a:p>
+        </p:txBody>
+      </p:sp>
+      <p:cxnSp>
+        <p:nvCxnSpPr>
+          <p:cNvPr id="5" name="直線コネクタ 4"/>
+          <p:cNvCxnSpPr/>
+          <p:nvPr/>
+        </p:nvCxnSpPr>
+        <p:spPr>
+          <a:xfrm flipH="1">
+            <a:off x="2362385" y="2826493"/>
+            <a:ext cx="2157554" cy="2992548"/>
+          </a:xfrm>
+          <a:prstGeom prst="line">
+            <a:avLst/>
+          </a:prstGeom>
+        </p:spPr>
+        <p:style>
+          <a:lnRef idx="2">
+            <a:schemeClr val="accent1"/>
+          </a:lnRef>
+          <a:fillRef idx="0">
+            <a:schemeClr val="accent1"/>
+          </a:fillRef>
+          <a:effectRef idx="1">
+            <a:schemeClr val="accent1"/>
+          </a:effectRef>
+          <a:fontRef idx="minor">
+            <a:schemeClr val="tx1"/>
+          </a:fontRef>
+        </p:style>
+      </p:cxnSp>
+      <p:cxnSp>
+        <p:nvCxnSpPr>
+          <p:cNvPr id="7" name="直線コネクタ 6"/>
+          <p:cNvCxnSpPr/>
+          <p:nvPr/>
+        </p:nvCxnSpPr>
+        <p:spPr>
+          <a:xfrm>
+            <a:off x="4519939" y="2826493"/>
+            <a:ext cx="2157554" cy="2992548"/>
+          </a:xfrm>
+          <a:prstGeom prst="line">
+            <a:avLst/>
+          </a:prstGeom>
+        </p:spPr>
+        <p:style>
+          <a:lnRef idx="2">
+            <a:schemeClr val="accent1"/>
+          </a:lnRef>
+          <a:fillRef idx="0">
+            <a:schemeClr val="accent1"/>
+          </a:fillRef>
+          <a:effectRef idx="1">
+            <a:schemeClr val="accent1"/>
+          </a:effectRef>
+          <a:fontRef idx="minor">
+            <a:schemeClr val="tx1"/>
+          </a:fontRef>
+        </p:style>
+      </p:cxnSp>
+      <p:cxnSp>
+        <p:nvCxnSpPr>
+          <p:cNvPr id="9" name="直線コネクタ 8"/>
+          <p:cNvCxnSpPr/>
+          <p:nvPr/>
+        </p:nvCxnSpPr>
+        <p:spPr>
+          <a:xfrm flipV="1">
+            <a:off x="3831138" y="3836930"/>
+            <a:ext cx="1377601" cy="13654"/>
+          </a:xfrm>
+          <a:prstGeom prst="line">
+            <a:avLst/>
+          </a:prstGeom>
+        </p:spPr>
+        <p:style>
+          <a:lnRef idx="2">
+            <a:schemeClr val="accent1"/>
+          </a:lnRef>
+          <a:fillRef idx="0">
+            <a:schemeClr val="accent1"/>
+          </a:fillRef>
+          <a:effectRef idx="1">
+            <a:schemeClr val="accent1"/>
+          </a:effectRef>
+          <a:fontRef idx="minor">
+            <a:schemeClr val="tx1"/>
+          </a:fontRef>
+        </p:style>
+      </p:cxnSp>
+      <p:cxnSp>
+        <p:nvCxnSpPr>
+          <p:cNvPr id="11" name="直線コネクタ 10"/>
+          <p:cNvCxnSpPr/>
+          <p:nvPr/>
+        </p:nvCxnSpPr>
+        <p:spPr>
+          <a:xfrm>
+            <a:off x="3058811" y="4874676"/>
+            <a:ext cx="2881290" cy="0"/>
+          </a:xfrm>
+          <a:prstGeom prst="line">
+            <a:avLst/>
+          </a:prstGeom>
+        </p:spPr>
+        <p:style>
+          <a:lnRef idx="2">
+            <a:schemeClr val="accent1"/>
+          </a:lnRef>
+          <a:fillRef idx="0">
+            <a:schemeClr val="accent1"/>
+          </a:fillRef>
+          <a:effectRef idx="1">
+            <a:schemeClr val="accent1"/>
+          </a:effectRef>
+          <a:fontRef idx="minor">
+            <a:schemeClr val="tx1"/>
+          </a:fontRef>
+        </p:style>
+      </p:cxnSp>
+      <p:sp>
+        <p:nvSpPr>
+          <p:cNvPr id="12" name="テキスト ボックス 11"/>
+          <p:cNvSpPr txBox="1"/>
+          <p:nvPr/>
+        </p:nvSpPr>
+        <p:spPr>
+          <a:xfrm>
+            <a:off x="4061971" y="3345366"/>
+            <a:ext cx="997188" cy="707886"/>
+          </a:xfrm>
+          <a:prstGeom prst="rect">
+            <a:avLst/>
+          </a:prstGeom>
+          <a:noFill/>
+          <a:ln>
+            <a:noFill/>
+          </a:ln>
+        </p:spPr>
+        <p:txBody>
+          <a:bodyPr wrap="none" rtlCol="0">
+            <a:spAutoFit/>
+          </a:bodyPr>
+          <a:lstStyle/>
+          <a:p>
+            <a:r>
+              <a:rPr kumimoji="1" lang="en-US" altLang="ja-JP" sz="2000" dirty="0" smtClean="0"/>
+              <a:t>FK</a:t>
+            </a:r>
+            <a:r>
+              <a:rPr kumimoji="1" lang="ja-JP" altLang="en-US" sz="2000" dirty="0" smtClean="0"/>
+              <a:t>なし</a:t>
+            </a:r>
+            <a:endParaRPr kumimoji="1" lang="en-US" altLang="ja-JP" sz="2000" dirty="0" smtClean="0"/>
+          </a:p>
+          <a:p>
+            <a:endParaRPr kumimoji="1" lang="ja-JP" altLang="en-US" sz="2000" dirty="0"/>
+          </a:p>
+        </p:txBody>
+      </p:sp>
+      <p:sp>
+        <p:nvSpPr>
+          <p:cNvPr id="13" name="テキスト ボックス 12"/>
+          <p:cNvSpPr txBox="1"/>
+          <p:nvPr/>
+        </p:nvSpPr>
+        <p:spPr>
+          <a:xfrm>
+            <a:off x="3831138" y="4219257"/>
+            <a:ext cx="1510149" cy="400110"/>
+          </a:xfrm>
+          <a:prstGeom prst="rect">
+            <a:avLst/>
+          </a:prstGeom>
+          <a:noFill/>
+        </p:spPr>
+        <p:txBody>
+          <a:bodyPr wrap="none" rtlCol="0">
+            <a:spAutoFit/>
+          </a:bodyPr>
+          <a:lstStyle/>
+          <a:p>
+            <a:r>
+              <a:rPr kumimoji="1" lang="en-US" altLang="ja-JP" sz="2000" dirty="0" smtClean="0"/>
+              <a:t>FK</a:t>
+            </a:r>
+            <a:r>
+              <a:rPr kumimoji="1" lang="ja-JP" altLang="en-US" sz="2000" dirty="0" smtClean="0"/>
+              <a:t>もってる</a:t>
+            </a:r>
+            <a:endParaRPr kumimoji="1" lang="ja-JP" altLang="en-US" sz="2000" dirty="0"/>
+          </a:p>
+        </p:txBody>
+      </p:sp>
+      <p:cxnSp>
+        <p:nvCxnSpPr>
+          <p:cNvPr id="14" name="直線コネクタ 13"/>
+          <p:cNvCxnSpPr/>
+          <p:nvPr/>
+        </p:nvCxnSpPr>
+        <p:spPr>
+          <a:xfrm flipV="1">
+            <a:off x="2362385" y="5791200"/>
+            <a:ext cx="4315108" cy="27841"/>
+          </a:xfrm>
+          <a:prstGeom prst="line">
+            <a:avLst/>
+          </a:prstGeom>
+        </p:spPr>
+        <p:style>
+          <a:lnRef idx="2">
+            <a:schemeClr val="accent1"/>
+          </a:lnRef>
+          <a:fillRef idx="0">
+            <a:schemeClr val="accent1"/>
+          </a:fillRef>
+          <a:effectRef idx="1">
+            <a:schemeClr val="accent1"/>
+          </a:effectRef>
+          <a:fontRef idx="minor">
+            <a:schemeClr val="tx1"/>
+          </a:fontRef>
+        </p:style>
+      </p:cxnSp>
+      <p:sp>
+        <p:nvSpPr>
+          <p:cNvPr id="20" name="テキスト ボックス 19"/>
+          <p:cNvSpPr txBox="1"/>
+          <p:nvPr/>
+        </p:nvSpPr>
+        <p:spPr>
+          <a:xfrm>
+            <a:off x="3482128" y="5137450"/>
+            <a:ext cx="2279590" cy="400110"/>
+          </a:xfrm>
+          <a:prstGeom prst="rect">
+            <a:avLst/>
+          </a:prstGeom>
+          <a:noFill/>
+        </p:spPr>
+        <p:txBody>
+          <a:bodyPr wrap="none" rtlCol="0">
+            <a:spAutoFit/>
+          </a:bodyPr>
+          <a:lstStyle/>
+          <a:p>
+            <a:r>
+              <a:rPr kumimoji="1" lang="en-US" altLang="ja-JP" sz="2000" dirty="0" smtClean="0"/>
+              <a:t>FK</a:t>
+            </a:r>
+            <a:r>
+              <a:rPr kumimoji="1" lang="ja-JP" altLang="en-US" sz="2000" dirty="0" smtClean="0"/>
+              <a:t>ちょーもってる</a:t>
+            </a:r>
+            <a:endParaRPr kumimoji="1" lang="ja-JP" altLang="en-US" sz="2000" dirty="0"/>
+          </a:p>
+        </p:txBody>
+      </p:sp>
+      <p:sp>
+        <p:nvSpPr>
+          <p:cNvPr id="34" name="テキスト ボックス 33"/>
+          <p:cNvSpPr txBox="1"/>
+          <p:nvPr/>
+        </p:nvSpPr>
+        <p:spPr>
+          <a:xfrm>
+            <a:off x="5761718" y="3005933"/>
+            <a:ext cx="2749471" cy="1015663"/>
+          </a:xfrm>
+          <a:prstGeom prst="rect">
+            <a:avLst/>
+          </a:prstGeom>
+          <a:noFill/>
+        </p:spPr>
+        <p:txBody>
+          <a:bodyPr wrap="none" rtlCol="0">
+            <a:spAutoFit/>
+          </a:bodyPr>
+          <a:lstStyle/>
+          <a:p>
+            <a:r>
+              <a:rPr kumimoji="1" lang="ja-JP" altLang="en-US" sz="2000" dirty="0" smtClean="0">
+                <a:solidFill>
+                  <a:srgbClr val="008000"/>
+                </a:solidFill>
+              </a:rPr>
+              <a:t>まあ、ダメなケース</a:t>
+            </a:r>
+            <a:endParaRPr kumimoji="1" lang="en-US" altLang="ja-JP" sz="2000" dirty="0" smtClean="0">
               <a:solidFill>
-                <a:srgbClr val="000090"/>
+                <a:srgbClr val="008000"/>
               </a:solidFill>
             </a:endParaRPr>
           </a:p>
-        </p:txBody>
-      </p:sp>
-      <p:sp>
-        <p:nvSpPr>
-          <p:cNvPr id="3" name="コンテンツ プレースホルダー 2"/>
-          <p:cNvSpPr>
-            <a:spLocks noGrp="1"/>
-          </p:cNvSpPr>
-          <p:nvPr>
-            <p:ph idx="1"/>
-          </p:nvPr>
-        </p:nvSpPr>
-        <p:spPr>
-          <a:xfrm>
-            <a:off x="556560" y="1735138"/>
-            <a:ext cx="8005906" cy="4056062"/>
-          </a:xfrm>
-        </p:spPr>
-        <p:txBody>
-          <a:bodyPr>
-            <a:noAutofit/>
-          </a:bodyPr>
-          <a:lstStyle/>
-          <a:p>
-            <a:pPr marL="0" indent="0">
-              <a:buNone/>
-            </a:pPr>
-            <a:endParaRPr lang="en-US" altLang="ja-JP" sz="4800" dirty="0" smtClean="0"/>
-          </a:p>
-          <a:p>
-            <a:pPr marL="0" indent="0">
-              <a:buNone/>
-            </a:pPr>
-            <a:r>
-              <a:rPr lang="ja-JP" altLang="ja-JP" sz="4800" dirty="0" smtClean="0"/>
-              <a:t>　</a:t>
-            </a:r>
-            <a:r>
-              <a:rPr lang="ja-JP" altLang="en-US" sz="4800" dirty="0" smtClean="0"/>
-              <a:t>スロークエリさん、</a:t>
-            </a:r>
-            <a:endParaRPr lang="en-US" altLang="ja-JP" sz="4800" dirty="0" smtClean="0"/>
-          </a:p>
-          <a:p>
-            <a:pPr marL="0" indent="0">
-              <a:buNone/>
-            </a:pPr>
-            <a:r>
-              <a:rPr lang="ja-JP" altLang="ja-JP" sz="4800" dirty="0"/>
-              <a:t>　</a:t>
-            </a:r>
-            <a:r>
-              <a:rPr lang="ja-JP" altLang="en-US" sz="4800" dirty="0" smtClean="0"/>
-              <a:t>　　　　こんにちは</a:t>
-            </a:r>
-            <a:endParaRPr lang="en-US" altLang="ja-JP" sz="4800" dirty="0" smtClean="0"/>
+          <a:p>
+            <a:r>
+              <a:rPr kumimoji="1" lang="ja-JP" altLang="en-US" sz="2000" dirty="0" smtClean="0">
+                <a:solidFill>
+                  <a:srgbClr val="008000"/>
+                </a:solidFill>
+              </a:rPr>
+              <a:t>もあるけど</a:t>
+            </a:r>
+            <a:r>
+              <a:rPr kumimoji="1" lang="en-US" altLang="ja-JP" sz="2000" dirty="0" smtClean="0">
+                <a:solidFill>
+                  <a:srgbClr val="008000"/>
+                </a:solidFill>
+              </a:rPr>
+              <a:t>…</a:t>
+            </a:r>
+          </a:p>
+          <a:p>
+            <a:r>
+              <a:rPr kumimoji="1" lang="ja-JP" altLang="en-US" sz="2000" dirty="0" smtClean="0">
+                <a:solidFill>
+                  <a:srgbClr val="008000"/>
+                </a:solidFill>
+              </a:rPr>
+              <a:t>そのときは手で微調整</a:t>
+            </a:r>
+            <a:endParaRPr kumimoji="1" lang="ja-JP" altLang="en-US" sz="2000" dirty="0">
+              <a:solidFill>
+                <a:srgbClr val="008000"/>
+              </a:solidFill>
+            </a:endParaRPr>
           </a:p>
         </p:txBody>
       </p:sp>
     </p:spTree>
     <p:extLst>
       <p:ext uri="{BB962C8B-B14F-4D97-AF65-F5344CB8AC3E}">
-        <p14:creationId xmlns:p14="http://schemas.microsoft.com/office/powerpoint/2010/main" val="3431835612"/>
+        <p14:creationId xmlns:p14="http://schemas.microsoft.com/office/powerpoint/2010/main" val="2040118628"/>
       </p:ext>
     </p:extLst>
   </p:cSld>
   <p:clrMapOvr>
     <a:masterClrMapping/>
   </p:clrMapOvr>
+  <p:timing>
+    <p:tnLst>
+      <p:par>
+        <p:cTn xmlns:p14="http://schemas.microsoft.com/office/powerpoint/2010/main" id="1" dur="indefinite" restart="never" nodeType="tmRoot"/>
+      </p:par>
+    </p:tnLst>
+  </p:timing>
 </p:sld>
 </file>
 
@@ -16850,14 +17558,10 @@
           <a:lstStyle/>
           <a:p>
             <a:r>
-              <a:rPr lang="ja-JP" altLang="en-US" sz="3600" dirty="0" smtClean="0"/>
-              <a:t>プレゼン資料作りながら心配に</a:t>
-            </a:r>
-            <a:r>
-              <a:rPr lang="en-US" altLang="ja-JP" sz="3600" dirty="0" smtClean="0"/>
-              <a:t>…</a:t>
-            </a:r>
-            <a:endParaRPr kumimoji="1" lang="ja-JP" altLang="en-US" sz="3600" dirty="0"/>
+              <a:rPr kumimoji="1" lang="ja-JP" altLang="en-US" dirty="0" smtClean="0"/>
+              <a:t>循環できるデータ</a:t>
+            </a:r>
+            <a:endParaRPr kumimoji="1" lang="ja-JP" altLang="en-US" dirty="0"/>
           </a:p>
         </p:txBody>
       </p:sp>
@@ -16873,47 +17577,87 @@
         </p:nvSpPr>
         <p:spPr>
           <a:xfrm>
-            <a:off x="556560" y="1735138"/>
-            <a:ext cx="8005906" cy="4056062"/>
+            <a:off x="656456" y="1735138"/>
+            <a:ext cx="7891739" cy="4056062"/>
           </a:xfrm>
         </p:spPr>
         <p:txBody>
           <a:bodyPr>
-            <a:noAutofit/>
+            <a:normAutofit/>
           </a:bodyPr>
           <a:lstStyle/>
           <a:p>
+            <a:endParaRPr kumimoji="1" lang="en-US" altLang="ja-JP" dirty="0" smtClean="0"/>
+          </a:p>
+          <a:p>
             <a:pPr marL="0" indent="0">
               <a:buNone/>
             </a:pPr>
-            <a:endParaRPr lang="en-US" altLang="ja-JP" sz="4800" dirty="0" smtClean="0"/>
+            <a:r>
+              <a:rPr lang="ja-JP" altLang="ja-JP" sz="3200" dirty="0"/>
+              <a:t>　</a:t>
+            </a:r>
+            <a:r>
+              <a:rPr lang="ja-JP" altLang="en-US" sz="3200" dirty="0" smtClean="0"/>
+              <a:t>画面で登録データを、みんなで共有</a:t>
+            </a:r>
+            <a:endParaRPr lang="en-US" altLang="ja-JP" sz="3200" dirty="0" smtClean="0"/>
           </a:p>
           <a:p>
             <a:pPr marL="0" indent="0">
               <a:buNone/>
             </a:pPr>
             <a:r>
-              <a:rPr lang="ja-JP" altLang="ja-JP" sz="4800" dirty="0" smtClean="0"/>
+              <a:rPr lang="ja-JP" altLang="ja-JP" sz="3200" dirty="0"/>
               <a:t>　</a:t>
             </a:r>
             <a:r>
-              <a:rPr lang="ja-JP" altLang="en-US" sz="5200" dirty="0" smtClean="0"/>
-              <a:t>まだ、時間あります？</a:t>
-            </a:r>
-            <a:endParaRPr lang="en-US" altLang="ja-JP" sz="5200" dirty="0" smtClean="0"/>
+              <a:rPr lang="ja-JP" altLang="en-US" sz="3200" dirty="0" smtClean="0"/>
+              <a:t>ちょっと手で修正することもできる</a:t>
+            </a:r>
+            <a:endParaRPr lang="en-US" altLang="ja-JP" sz="3200" dirty="0" smtClean="0"/>
+          </a:p>
+          <a:p>
+            <a:pPr marL="0" indent="0">
+              <a:buNone/>
+            </a:pPr>
+            <a:r>
+              <a:rPr lang="ja-JP" altLang="en-US" sz="4800" dirty="0" smtClean="0"/>
+              <a:t>　</a:t>
+            </a:r>
+            <a:r>
+              <a:rPr lang="ja-JP" altLang="en-US" sz="4000" dirty="0" smtClean="0">
+                <a:solidFill>
+                  <a:srgbClr val="800000"/>
+                </a:solidFill>
+              </a:rPr>
+              <a:t>循環型テストデータ運用！</a:t>
+            </a:r>
+            <a:endParaRPr lang="en-US" altLang="ja-JP" sz="4000" dirty="0" smtClean="0">
+              <a:solidFill>
+                <a:srgbClr val="800000"/>
+              </a:solidFill>
+            </a:endParaRPr>
           </a:p>
         </p:txBody>
       </p:sp>
     </p:spTree>
     <p:extLst>
       <p:ext uri="{BB962C8B-B14F-4D97-AF65-F5344CB8AC3E}">
-        <p14:creationId xmlns:p14="http://schemas.microsoft.com/office/powerpoint/2010/main" val="1052561434"/>
+        <p14:creationId xmlns:p14="http://schemas.microsoft.com/office/powerpoint/2010/main" val="3710167826"/>
       </p:ext>
     </p:extLst>
   </p:cSld>
   <p:clrMapOvr>
     <a:masterClrMapping/>
   </p:clrMapOvr>
+  <p:timing>
+    <p:tnLst>
+      <p:par>
+        <p:cTn xmlns:p14="http://schemas.microsoft.com/office/powerpoint/2010/main" id="1" dur="indefinite" restart="never" nodeType="tmRoot"/>
+      </p:par>
+    </p:tnLst>
+  </p:timing>
 </p:sld>
 </file>
 
@@ -16950,10 +17694,18 @@
           <a:lstStyle/>
           <a:p>
             <a:r>
-              <a:rPr kumimoji="1" lang="ja-JP" altLang="en-US" dirty="0" smtClean="0"/>
-              <a:t>ジレンマ</a:t>
-            </a:r>
-            <a:endParaRPr kumimoji="1" lang="ja-JP" altLang="en-US" dirty="0"/>
+              <a:rPr kumimoji="1" lang="ja-JP" altLang="en-US" b="1" dirty="0" smtClean="0">
+                <a:solidFill>
+                  <a:srgbClr val="000090"/>
+                </a:solidFill>
+              </a:rPr>
+              <a:t>むっつ！</a:t>
+            </a:r>
+            <a:endParaRPr kumimoji="1" lang="ja-JP" altLang="en-US" b="1" dirty="0">
+              <a:solidFill>
+                <a:srgbClr val="000090"/>
+              </a:solidFill>
+            </a:endParaRPr>
           </a:p>
         </p:txBody>
       </p:sp>
@@ -16982,85 +17734,55 @@
             <a:pPr marL="0" indent="0">
               <a:buNone/>
             </a:pPr>
-            <a:endParaRPr lang="en-US" altLang="ja-JP" sz="4000" dirty="0" smtClean="0"/>
+            <a:endParaRPr lang="en-US" altLang="ja-JP" sz="4800" dirty="0" smtClean="0"/>
           </a:p>
           <a:p>
             <a:pPr marL="0" indent="0">
               <a:buNone/>
             </a:pPr>
             <a:r>
-              <a:rPr lang="ja-JP" altLang="ja-JP" sz="4000" dirty="0"/>
+              <a:rPr lang="ja-JP" altLang="ja-JP" sz="4800" dirty="0" smtClean="0"/>
               <a:t>　</a:t>
             </a:r>
             <a:r>
-              <a:rPr lang="ja-JP" altLang="en-US" sz="4000" dirty="0" smtClean="0"/>
-              <a:t>設計が積み上げなので、</a:t>
-            </a:r>
-            <a:endParaRPr lang="en-US" altLang="ja-JP" sz="4000" dirty="0" smtClean="0"/>
+              <a:rPr lang="ja-JP" altLang="en-US" sz="4800" dirty="0" smtClean="0"/>
+              <a:t>スロークエリさん、</a:t>
+            </a:r>
+            <a:endParaRPr lang="en-US" altLang="ja-JP" sz="4800" dirty="0" smtClean="0"/>
           </a:p>
           <a:p>
             <a:pPr marL="0" indent="0">
               <a:buNone/>
             </a:pPr>
             <a:r>
-              <a:rPr lang="ja-JP" altLang="ja-JP" sz="4000" dirty="0"/>
+              <a:rPr lang="ja-JP" altLang="ja-JP" sz="4800" dirty="0"/>
               <a:t>　</a:t>
             </a:r>
             <a:r>
-              <a:rPr lang="ja-JP" altLang="en-US" sz="4000" dirty="0" smtClean="0"/>
-              <a:t>　データ量がなかなか読めない</a:t>
-            </a:r>
-            <a:endParaRPr lang="en-US" altLang="ja-JP" sz="4000" dirty="0" smtClean="0"/>
-          </a:p>
-          <a:p>
-            <a:pPr marL="0" indent="0">
-              <a:buNone/>
-            </a:pPr>
-            <a:r>
-              <a:rPr lang="ja-JP" altLang="ja-JP" sz="4000" dirty="0"/>
-              <a:t>　</a:t>
-            </a:r>
-            <a:r>
-              <a:rPr lang="ja-JP" altLang="en-US" sz="4000" dirty="0" smtClean="0"/>
-              <a:t>　</a:t>
-            </a:r>
-            <a:r>
-              <a:rPr lang="en-US" altLang="ja-JP" dirty="0">
-                <a:solidFill>
-                  <a:srgbClr val="008000"/>
-                </a:solidFill>
-              </a:rPr>
-              <a:t>※</a:t>
-            </a:r>
-            <a:r>
-              <a:rPr lang="ja-JP" altLang="en-US" dirty="0" smtClean="0">
-                <a:solidFill>
-                  <a:srgbClr val="008000"/>
-                </a:solidFill>
-              </a:rPr>
-              <a:t>スロークエリは嬉しい悲鳴ではありますが</a:t>
-            </a:r>
-            <a:r>
-              <a:rPr lang="en-US" altLang="ja-JP" dirty="0" smtClean="0">
-                <a:solidFill>
-                  <a:srgbClr val="008000"/>
-                </a:solidFill>
-              </a:rPr>
-              <a:t>…</a:t>
-            </a:r>
+              <a:rPr lang="ja-JP" altLang="en-US" sz="4800" dirty="0" smtClean="0"/>
+              <a:t>　　　　こんにちは</a:t>
+            </a:r>
+            <a:endParaRPr lang="en-US" altLang="ja-JP" sz="4800" dirty="0" smtClean="0"/>
           </a:p>
         </p:txBody>
       </p:sp>
     </p:spTree>
     <p:extLst>
       <p:ext uri="{BB962C8B-B14F-4D97-AF65-F5344CB8AC3E}">
-        <p14:creationId xmlns:p14="http://schemas.microsoft.com/office/powerpoint/2010/main" val="2950225610"/>
+        <p14:creationId xmlns:p14="http://schemas.microsoft.com/office/powerpoint/2010/main" val="3431835612"/>
       </p:ext>
     </p:extLst>
   </p:cSld>
   <p:clrMapOvr>
     <a:masterClrMapping/>
   </p:clrMapOvr>
+  <p:timing>
+    <p:tnLst>
+      <p:par>
+        <p:cTn xmlns:p14="http://schemas.microsoft.com/office/powerpoint/2010/main" id="1" dur="indefinite" restart="never" nodeType="tmRoot"/>
+      </p:par>
+    </p:tnLst>
+  </p:timing>
 </p:sld>
 </file>
 
@@ -17097,10 +17819,14 @@
           <a:lstStyle/>
           <a:p>
             <a:r>
-              <a:rPr kumimoji="1" lang="ja-JP" altLang="en-US" dirty="0" smtClean="0"/>
-              <a:t>もいっこジレンマ</a:t>
-            </a:r>
-            <a:endParaRPr kumimoji="1" lang="ja-JP" altLang="en-US" dirty="0"/>
+              <a:rPr lang="ja-JP" altLang="en-US" sz="3600" dirty="0" smtClean="0"/>
+              <a:t>プレゼン資料作りながら心配に</a:t>
+            </a:r>
+            <a:r>
+              <a:rPr lang="en-US" altLang="ja-JP" sz="3600" dirty="0" smtClean="0"/>
+              <a:t>…</a:t>
+            </a:r>
+            <a:endParaRPr kumimoji="1" lang="ja-JP" altLang="en-US" sz="3600" dirty="0"/>
           </a:p>
         </p:txBody>
       </p:sp>
@@ -17129,70 +17855,41 @@
             <a:pPr marL="0" indent="0">
               <a:buNone/>
             </a:pPr>
-            <a:endParaRPr lang="en-US" altLang="ja-JP" sz="4000" dirty="0" smtClean="0"/>
+            <a:endParaRPr lang="en-US" altLang="ja-JP" sz="4800" dirty="0" smtClean="0"/>
           </a:p>
           <a:p>
             <a:pPr marL="0" indent="0">
               <a:buNone/>
             </a:pPr>
             <a:r>
-              <a:rPr lang="ja-JP" altLang="ja-JP" sz="4000" dirty="0"/>
+              <a:rPr lang="ja-JP" altLang="ja-JP" sz="4800" dirty="0" smtClean="0"/>
               <a:t>　</a:t>
             </a:r>
             <a:r>
-              <a:rPr lang="ja-JP" altLang="en-US" sz="4000" dirty="0" smtClean="0"/>
-              <a:t>スロークエリ出ても、</a:t>
-            </a:r>
-            <a:endParaRPr lang="en-US" altLang="ja-JP" sz="4000" dirty="0" smtClean="0"/>
-          </a:p>
-          <a:p>
-            <a:pPr marL="0" indent="0">
-              <a:buNone/>
-            </a:pPr>
-            <a:r>
-              <a:rPr lang="ja-JP" altLang="ja-JP" sz="4000" dirty="0"/>
-              <a:t>　</a:t>
-            </a:r>
-            <a:r>
-              <a:rPr lang="ja-JP" altLang="en-US" sz="4000" dirty="0" smtClean="0"/>
-              <a:t>　「それ、どの画面の</a:t>
-            </a:r>
-            <a:r>
-              <a:rPr lang="en-US" altLang="ja-JP" sz="4000" dirty="0" smtClean="0"/>
-              <a:t>SQL</a:t>
-            </a:r>
-            <a:r>
-              <a:rPr lang="ja-JP" altLang="en-US" sz="4000" dirty="0" smtClean="0"/>
-              <a:t>？」　　　　　</a:t>
-            </a:r>
-            <a:endParaRPr lang="en-US" altLang="ja-JP" sz="4000" dirty="0" smtClean="0"/>
-          </a:p>
-          <a:p>
-            <a:pPr marL="0" indent="0">
-              <a:buNone/>
-            </a:pPr>
-            <a:r>
-              <a:rPr lang="ja-JP" altLang="ja-JP" sz="4000" dirty="0"/>
-              <a:t>　</a:t>
-            </a:r>
-            <a:r>
-              <a:rPr lang="ja-JP" altLang="en-US" sz="4000" dirty="0" smtClean="0"/>
-              <a:t>　って、意外にわからない</a:t>
-            </a:r>
-            <a:endParaRPr lang="en-US" altLang="ja-JP" sz="4000" dirty="0" smtClean="0"/>
+              <a:rPr lang="ja-JP" altLang="en-US" sz="5200" dirty="0" smtClean="0"/>
+              <a:t>まだ、時間あります？</a:t>
+            </a:r>
+            <a:endParaRPr lang="en-US" altLang="ja-JP" sz="5200" dirty="0" smtClean="0"/>
           </a:p>
         </p:txBody>
       </p:sp>
     </p:spTree>
     <p:extLst>
       <p:ext uri="{BB962C8B-B14F-4D97-AF65-F5344CB8AC3E}">
-        <p14:creationId xmlns:p14="http://schemas.microsoft.com/office/powerpoint/2010/main" val="231048749"/>
+        <p14:creationId xmlns:p14="http://schemas.microsoft.com/office/powerpoint/2010/main" val="1052561434"/>
       </p:ext>
     </p:extLst>
   </p:cSld>
   <p:clrMapOvr>
     <a:masterClrMapping/>
   </p:clrMapOvr>
+  <p:timing>
+    <p:tnLst>
+      <p:par>
+        <p:cTn xmlns:p14="http://schemas.microsoft.com/office/powerpoint/2010/main" id="1" dur="indefinite" restart="never" nodeType="tmRoot"/>
+      </p:par>
+    </p:tnLst>
+  </p:timing>
 </p:sld>
 </file>
 
@@ -17229,18 +17926,10 @@
           <a:lstStyle/>
           <a:p>
             <a:r>
-              <a:rPr lang="ja-JP" altLang="en-US" sz="3200" dirty="0" smtClean="0"/>
-              <a:t>そこで、</a:t>
-            </a:r>
-            <a:r>
-              <a:rPr lang="en-US" altLang="ja-JP" sz="3200" dirty="0" smtClean="0"/>
-              <a:t>SQL</a:t>
-            </a:r>
-            <a:r>
-              <a:rPr lang="ja-JP" altLang="en-US" sz="3200" dirty="0" smtClean="0"/>
-              <a:t>とアプリのマッピング</a:t>
-            </a:r>
-            <a:endParaRPr kumimoji="1" lang="ja-JP" altLang="en-US" sz="3200" dirty="0"/>
+              <a:rPr kumimoji="1" lang="ja-JP" altLang="en-US" dirty="0" smtClean="0"/>
+              <a:t>ジレンマ</a:t>
+            </a:r>
+            <a:endParaRPr kumimoji="1" lang="ja-JP" altLang="en-US" dirty="0"/>
           </a:p>
         </p:txBody>
       </p:sp>
@@ -17269,36 +17958,50 @@
             <a:pPr marL="0" indent="0">
               <a:buNone/>
             </a:pPr>
-            <a:endParaRPr lang="en-US" altLang="ja-JP" sz="6000" dirty="0"/>
+            <a:endParaRPr lang="en-US" altLang="ja-JP" sz="4000" dirty="0" smtClean="0"/>
           </a:p>
           <a:p>
             <a:pPr marL="0" indent="0">
               <a:buNone/>
             </a:pPr>
             <a:r>
-              <a:rPr kumimoji="1" lang="ja-JP" altLang="ja-JP" sz="6000" dirty="0" smtClean="0"/>
+              <a:rPr lang="ja-JP" altLang="ja-JP" sz="4000" dirty="0"/>
               <a:t>　</a:t>
             </a:r>
             <a:r>
-              <a:rPr kumimoji="1" lang="ja-JP" altLang="en-US" sz="6000" dirty="0" smtClean="0"/>
-              <a:t>　　（デモ）</a:t>
-            </a:r>
-            <a:endParaRPr kumimoji="1" lang="en-US" altLang="ja-JP" sz="6000" dirty="0" smtClean="0"/>
+              <a:rPr lang="ja-JP" altLang="en-US" sz="4000" dirty="0" smtClean="0"/>
+              <a:t>設計が積み上げなので、</a:t>
+            </a:r>
+            <a:endParaRPr lang="en-US" altLang="ja-JP" sz="4000" dirty="0" smtClean="0"/>
           </a:p>
           <a:p>
             <a:pPr marL="0" indent="0">
               <a:buNone/>
             </a:pPr>
             <a:r>
-              <a:rPr lang="en-US" altLang="ja-JP" sz="6000" dirty="0"/>
+              <a:rPr lang="ja-JP" altLang="ja-JP" sz="4000" dirty="0"/>
               <a:t>　</a:t>
             </a:r>
             <a:r>
-              <a:rPr lang="ja-JP" altLang="en-US" sz="6000" dirty="0" smtClean="0"/>
+              <a:rPr lang="ja-JP" altLang="en-US" sz="4000" dirty="0" smtClean="0"/>
+              <a:t>　データ量がなかなか読めない</a:t>
+            </a:r>
+            <a:endParaRPr lang="en-US" altLang="ja-JP" sz="4000" dirty="0" smtClean="0"/>
+          </a:p>
+          <a:p>
+            <a:pPr marL="0" indent="0">
+              <a:buNone/>
+            </a:pPr>
+            <a:r>
+              <a:rPr lang="ja-JP" altLang="ja-JP" sz="4000" dirty="0"/>
               <a:t>　</a:t>
             </a:r>
             <a:r>
-              <a:rPr lang="en-US" altLang="ja-JP" sz="3600" dirty="0" smtClean="0">
+              <a:rPr lang="ja-JP" altLang="en-US" sz="4000" dirty="0" smtClean="0"/>
+              <a:t>　</a:t>
+            </a:r>
+            <a:r>
+              <a:rPr lang="en-US" altLang="ja-JP" dirty="0">
                 <a:solidFill>
                   <a:srgbClr val="008000"/>
                 </a:solidFill>
@@ -17306,39 +18009,41 @@
               <a:t>※</a:t>
             </a:r>
             <a:r>
-              <a:rPr lang="ja-JP" altLang="en-US" sz="3600" dirty="0" smtClean="0">
+              <a:rPr lang="ja-JP" altLang="en-US" dirty="0" smtClean="0">
                 <a:solidFill>
                   <a:srgbClr val="008000"/>
                 </a:solidFill>
               </a:rPr>
-              <a:t>時間があれば</a:t>
-            </a:r>
-            <a:r>
-              <a:rPr lang="en-US" altLang="ja-JP" sz="3600" dirty="0" smtClean="0">
+              <a:t>スロークエリは嬉しい悲鳴ではありますが</a:t>
+            </a:r>
+            <a:r>
+              <a:rPr lang="en-US" altLang="ja-JP" dirty="0" smtClean="0">
                 <a:solidFill>
                   <a:srgbClr val="008000"/>
                 </a:solidFill>
               </a:rPr>
-              <a:t>…m(_ _)m</a:t>
-            </a:r>
-            <a:endParaRPr lang="en-US" altLang="ja-JP" sz="3600" dirty="0">
-              <a:solidFill>
-                <a:srgbClr val="008000"/>
-              </a:solidFill>
-            </a:endParaRPr>
+              <a:t>…</a:t>
+            </a:r>
           </a:p>
         </p:txBody>
       </p:sp>
     </p:spTree>
     <p:extLst>
       <p:ext uri="{BB962C8B-B14F-4D97-AF65-F5344CB8AC3E}">
-        <p14:creationId xmlns:p14="http://schemas.microsoft.com/office/powerpoint/2010/main" val="2624550353"/>
+        <p14:creationId xmlns:p14="http://schemas.microsoft.com/office/powerpoint/2010/main" val="2950225610"/>
       </p:ext>
     </p:extLst>
   </p:cSld>
   <p:clrMapOvr>
     <a:masterClrMapping/>
   </p:clrMapOvr>
+  <p:timing>
+    <p:tnLst>
+      <p:par>
+        <p:cTn xmlns:p14="http://schemas.microsoft.com/office/powerpoint/2010/main" id="1" dur="indefinite" restart="never" nodeType="tmRoot"/>
+      </p:par>
+    </p:tnLst>
+  </p:timing>
 </p:sld>
 </file>
 
@@ -17375,10 +18080,10 @@
           <a:lstStyle/>
           <a:p>
             <a:r>
-              <a:rPr kumimoji="1" lang="ja-JP" altLang="en-US" sz="3200" dirty="0" smtClean="0"/>
-              <a:t>グラフ化されたもの！</a:t>
-            </a:r>
-            <a:endParaRPr kumimoji="1" lang="ja-JP" altLang="en-US" sz="3200" dirty="0"/>
+              <a:rPr kumimoji="1" lang="ja-JP" altLang="en-US" dirty="0" smtClean="0"/>
+              <a:t>もいっこジレンマ</a:t>
+            </a:r>
+            <a:endParaRPr kumimoji="1" lang="ja-JP" altLang="en-US" dirty="0"/>
           </a:p>
         </p:txBody>
       </p:sp>
@@ -17407,72 +18112,77 @@
             <a:pPr marL="0" indent="0">
               <a:buNone/>
             </a:pPr>
-            <a:endParaRPr lang="en-US" altLang="ja-JP" sz="6000" dirty="0"/>
+            <a:endParaRPr lang="en-US" altLang="ja-JP" sz="4000" dirty="0" smtClean="0"/>
           </a:p>
           <a:p>
             <a:pPr marL="0" indent="0">
               <a:buNone/>
             </a:pPr>
             <a:r>
-              <a:rPr kumimoji="1" lang="ja-JP" altLang="en-US" sz="3200" dirty="0" smtClean="0"/>
-              <a:t>（会場の方にだけちょっとお見せします）</a:t>
-            </a:r>
-            <a:endParaRPr kumimoji="1" lang="en-US" altLang="ja-JP" sz="3200" dirty="0" smtClean="0"/>
+              <a:rPr lang="ja-JP" altLang="ja-JP" sz="4000" dirty="0"/>
+              <a:t>　</a:t>
+            </a:r>
+            <a:r>
+              <a:rPr lang="ja-JP" altLang="en-US" sz="4000" dirty="0" smtClean="0"/>
+              <a:t>スロークエリ出ても、</a:t>
+            </a:r>
+            <a:endParaRPr lang="en-US" altLang="ja-JP" sz="4000" dirty="0" smtClean="0"/>
           </a:p>
           <a:p>
             <a:pPr marL="0" indent="0">
               <a:buNone/>
             </a:pPr>
             <a:r>
-              <a:rPr lang="en-US" altLang="ja-JP" sz="6000" dirty="0"/>
+              <a:rPr lang="ja-JP" altLang="ja-JP" sz="4000" dirty="0"/>
               <a:t>　</a:t>
             </a:r>
             <a:r>
-              <a:rPr lang="ja-JP" altLang="en-US" sz="6000" dirty="0"/>
+              <a:rPr lang="ja-JP" altLang="en-US" sz="4000" dirty="0" smtClean="0"/>
+              <a:t>　「それ、どの画面の</a:t>
+            </a:r>
+            <a:r>
+              <a:rPr lang="en-US" altLang="ja-JP" sz="4000" dirty="0" smtClean="0"/>
+              <a:t>SQL</a:t>
+            </a:r>
+            <a:r>
+              <a:rPr lang="ja-JP" altLang="en-US" sz="4000" dirty="0" smtClean="0"/>
+              <a:t>？」　　　　　</a:t>
+            </a:r>
+            <a:endParaRPr lang="en-US" altLang="ja-JP" sz="4000" dirty="0" smtClean="0"/>
+          </a:p>
+          <a:p>
+            <a:pPr marL="0" indent="0">
+              <a:buNone/>
+            </a:pPr>
+            <a:r>
+              <a:rPr lang="ja-JP" altLang="ja-JP" sz="4000" dirty="0"/>
               <a:t>　</a:t>
             </a:r>
             <a:r>
-              <a:rPr lang="en-US" altLang="ja-JP" sz="3600" dirty="0" smtClean="0">
-                <a:solidFill>
-                  <a:srgbClr val="008000"/>
-                </a:solidFill>
-              </a:rPr>
-              <a:t>※</a:t>
-            </a:r>
-            <a:r>
-              <a:rPr lang="ja-JP" altLang="en-US" sz="3600" dirty="0" smtClean="0">
-                <a:solidFill>
-                  <a:srgbClr val="008000"/>
-                </a:solidFill>
-              </a:rPr>
-              <a:t>時間があれば</a:t>
-            </a:r>
-            <a:r>
-              <a:rPr lang="en-US" altLang="ja-JP" sz="3600" dirty="0" smtClean="0">
-                <a:solidFill>
-                  <a:srgbClr val="008000"/>
-                </a:solidFill>
-              </a:rPr>
-              <a:t>…m(_ _)m</a:t>
-            </a:r>
-            <a:endParaRPr lang="en-US" altLang="ja-JP" sz="3600" dirty="0">
-              <a:solidFill>
-                <a:srgbClr val="008000"/>
-              </a:solidFill>
-            </a:endParaRPr>
+              <a:rPr lang="ja-JP" altLang="en-US" sz="4000" dirty="0" smtClean="0"/>
+              <a:t>　って、意外にわからない</a:t>
+            </a:r>
+            <a:endParaRPr lang="en-US" altLang="ja-JP" sz="4000" dirty="0" smtClean="0"/>
           </a:p>
         </p:txBody>
       </p:sp>
     </p:spTree>
     <p:extLst>
       <p:ext uri="{BB962C8B-B14F-4D97-AF65-F5344CB8AC3E}">
-        <p14:creationId xmlns:p14="http://schemas.microsoft.com/office/powerpoint/2010/main" val="1504205621"/>
+        <p14:creationId xmlns:p14="http://schemas.microsoft.com/office/powerpoint/2010/main" val="231048749"/>
       </p:ext>
     </p:extLst>
   </p:cSld>
   <p:clrMapOvr>
     <a:masterClrMapping/>
   </p:clrMapOvr>
+  <p:timing>
+    <p:tnLst>
+      <p:par>
+        <p:cTn xmlns:p14="http://schemas.microsoft.com/office/powerpoint/2010/main" id="1" dur="indefinite" restart="never" nodeType="tmRoot"/>
+      </p:par>
+    </p:tnLst>
+  </p:timing>
 </p:sld>
 </file>
 
@@ -17509,241 +18219,123 @@
           <a:lstStyle/>
           <a:p>
             <a:r>
-              <a:rPr kumimoji="1" lang="ja-JP" altLang="en-US" dirty="0" smtClean="0"/>
-              <a:t>スロークエリ管理</a:t>
-            </a:r>
-            <a:endParaRPr kumimoji="1" lang="ja-JP" altLang="en-US" dirty="0"/>
-          </a:p>
-        </p:txBody>
-      </p:sp>
-      <p:sp>
-        <p:nvSpPr>
-          <p:cNvPr id="3" name="コンテンツ プレースホルダー 2"/>
-          <p:cNvSpPr>
-            <a:spLocks noGrp="1"/>
-          </p:cNvSpPr>
-          <p:nvPr>
-            <p:ph idx="1"/>
-          </p:nvPr>
-        </p:nvSpPr>
-        <p:spPr/>
-        <p:txBody>
-          <a:bodyPr>
-            <a:normAutofit lnSpcReduction="10000"/>
-          </a:bodyPr>
-          <a:lstStyle/>
-          <a:p>
-            <a:endParaRPr kumimoji="1" lang="en-US" altLang="ja-JP" dirty="0" smtClean="0"/>
-          </a:p>
-          <a:p>
+              <a:rPr lang="ja-JP" altLang="en-US" sz="3200" dirty="0" smtClean="0"/>
+              <a:t>そこで、</a:t>
+            </a:r>
             <a:r>
               <a:rPr lang="en-US" altLang="ja-JP" sz="3200" dirty="0" smtClean="0"/>
               <a:t>SQL</a:t>
             </a:r>
             <a:r>
               <a:rPr lang="ja-JP" altLang="en-US" sz="3200" dirty="0" smtClean="0"/>
-              <a:t>に、実行クラス名が入る</a:t>
-            </a:r>
-            <a:r>
-              <a:rPr lang="en-US" altLang="ja-JP" dirty="0" smtClean="0">
+              <a:t>とアプリのマッピング</a:t>
+            </a:r>
+            <a:endParaRPr kumimoji="1" lang="ja-JP" altLang="en-US" sz="3200" dirty="0"/>
+          </a:p>
+        </p:txBody>
+      </p:sp>
+      <p:sp>
+        <p:nvSpPr>
+          <p:cNvPr id="3" name="コンテンツ プレースホルダー 2"/>
+          <p:cNvSpPr>
+            <a:spLocks noGrp="1"/>
+          </p:cNvSpPr>
+          <p:nvPr>
+            <p:ph idx="1"/>
+          </p:nvPr>
+        </p:nvSpPr>
+        <p:spPr>
+          <a:xfrm>
+            <a:off x="556560" y="1735138"/>
+            <a:ext cx="8005906" cy="4056062"/>
+          </a:xfrm>
+        </p:spPr>
+        <p:txBody>
+          <a:bodyPr>
+            <a:noAutofit/>
+          </a:bodyPr>
+          <a:lstStyle/>
+          <a:p>
+            <a:pPr marL="0" indent="0">
+              <a:buNone/>
+            </a:pPr>
+            <a:endParaRPr lang="en-US" altLang="ja-JP" sz="6000" dirty="0"/>
+          </a:p>
+          <a:p>
+            <a:pPr marL="0" indent="0">
+              <a:buNone/>
+            </a:pPr>
+            <a:r>
+              <a:rPr kumimoji="1" lang="ja-JP" altLang="ja-JP" sz="6000" dirty="0" smtClean="0"/>
+              <a:t>　</a:t>
+            </a:r>
+            <a:r>
+              <a:rPr kumimoji="1" lang="ja-JP" altLang="en-US" sz="6000" dirty="0" smtClean="0"/>
+              <a:t>　　（デモ）</a:t>
+            </a:r>
+            <a:endParaRPr kumimoji="1" lang="en-US" altLang="ja-JP" sz="6000" dirty="0" smtClean="0"/>
+          </a:p>
+          <a:p>
+            <a:pPr marL="0" indent="0">
+              <a:buNone/>
+            </a:pPr>
+            <a:r>
+              <a:rPr lang="en-US" altLang="ja-JP" sz="6000" dirty="0"/>
+              <a:t>　</a:t>
+            </a:r>
+            <a:r>
+              <a:rPr lang="ja-JP" altLang="en-US" sz="6000" dirty="0" smtClean="0"/>
+              <a:t>　</a:t>
+            </a:r>
+            <a:r>
+              <a:rPr lang="en-US" altLang="ja-JP" sz="3600" dirty="0" smtClean="0">
                 <a:solidFill>
                   <a:srgbClr val="008000"/>
                 </a:solidFill>
               </a:rPr>
-              <a:t>(</a:t>
-            </a:r>
-            <a:r>
-              <a:rPr lang="en-US" altLang="ja-JP" dirty="0" err="1" smtClean="0">
+              <a:t>※</a:t>
+            </a:r>
+            <a:r>
+              <a:rPr lang="ja-JP" altLang="en-US" sz="3600" dirty="0" smtClean="0">
                 <a:solidFill>
                   <a:srgbClr val="008000"/>
                 </a:solidFill>
               </a:rPr>
-              <a:t>DBFlute</a:t>
-            </a:r>
-            <a:r>
-              <a:rPr lang="en-US" altLang="ja-JP" dirty="0" smtClean="0">
+              <a:t>時間があれば</a:t>
+            </a:r>
+            <a:r>
+              <a:rPr lang="en-US" altLang="ja-JP" sz="3600" dirty="0" smtClean="0">
                 <a:solidFill>
                   <a:srgbClr val="008000"/>
                 </a:solidFill>
               </a:rPr>
-              <a:t>)</a:t>
-            </a:r>
-          </a:p>
-          <a:p>
-            <a:r>
-              <a:rPr lang="en-US" altLang="ja-JP" sz="3200" dirty="0" err="1" smtClean="0"/>
-              <a:t>Fluentd</a:t>
-            </a:r>
-            <a:r>
-              <a:rPr lang="ja-JP" altLang="en-US" sz="3200" dirty="0" smtClean="0"/>
-              <a:t>で抽出</a:t>
-            </a:r>
-            <a:r>
-              <a:rPr lang="en-US" altLang="ja-JP" sz="3200" dirty="0" smtClean="0"/>
-              <a:t> to </a:t>
-            </a:r>
-            <a:r>
-              <a:rPr lang="en-US" altLang="ja-JP" sz="3200" dirty="0" err="1" smtClean="0"/>
-              <a:t>ElasticSearch</a:t>
-            </a:r>
-            <a:endParaRPr lang="en-US" altLang="ja-JP" sz="3200" dirty="0" smtClean="0"/>
-          </a:p>
-          <a:p>
-            <a:r>
-              <a:rPr lang="en-US" altLang="ja-JP" sz="3200" dirty="0" err="1" smtClean="0"/>
-              <a:t>Kibana</a:t>
-            </a:r>
-            <a:r>
-              <a:rPr lang="ja-JP" altLang="en-US" sz="3200" dirty="0" smtClean="0"/>
-              <a:t>グラフ化</a:t>
-            </a:r>
-            <a:r>
-              <a:rPr lang="en-US" altLang="ja-JP" sz="3200" dirty="0" smtClean="0"/>
-              <a:t> </a:t>
-            </a:r>
-            <a:r>
-              <a:rPr lang="en-US" altLang="ja-JP" dirty="0" smtClean="0">
-                <a:solidFill>
-                  <a:srgbClr val="008000"/>
-                </a:solidFill>
-              </a:rPr>
-              <a:t>=&gt; </a:t>
-            </a:r>
-            <a:r>
-              <a:rPr lang="ja-JP" altLang="en-US" dirty="0" smtClean="0">
-                <a:solidFill>
-                  <a:srgbClr val="008000"/>
-                </a:solidFill>
-              </a:rPr>
-              <a:t>メソッドのトップ</a:t>
-            </a:r>
-            <a:r>
-              <a:rPr lang="en-US" altLang="ja-JP" dirty="0" smtClean="0">
-                <a:solidFill>
-                  <a:srgbClr val="008000"/>
-                </a:solidFill>
-              </a:rPr>
-              <a:t>10</a:t>
-            </a:r>
-          </a:p>
-          <a:p>
-            <a:pPr marL="457200" lvl="1" indent="0">
-              <a:buNone/>
-            </a:pPr>
-            <a:endParaRPr lang="en-US" altLang="ja-JP" dirty="0" smtClean="0">
+              <a:t>…m(_ _)m</a:t>
+            </a:r>
+            <a:endParaRPr lang="en-US" altLang="ja-JP" sz="3600" dirty="0">
               <a:solidFill>
                 <a:srgbClr val="008000"/>
               </a:solidFill>
             </a:endParaRPr>
           </a:p>
-          <a:p>
-            <a:pPr marL="457200" lvl="1" indent="0">
-              <a:buNone/>
-            </a:pPr>
-            <a:r>
-              <a:rPr lang="ja-JP" altLang="en-US" dirty="0" smtClean="0">
-                <a:solidFill>
-                  <a:srgbClr val="000000"/>
-                </a:solidFill>
-              </a:rPr>
-              <a:t>「</a:t>
-            </a:r>
-            <a:r>
-              <a:rPr lang="en-US" altLang="ja-JP" b="1" dirty="0">
-                <a:solidFill>
-                  <a:srgbClr val="000000"/>
-                </a:solidFill>
-              </a:rPr>
-              <a:t>SQL</a:t>
-            </a:r>
-            <a:r>
-              <a:rPr lang="ja-JP" altLang="en-US" b="1" dirty="0">
-                <a:solidFill>
-                  <a:srgbClr val="000000"/>
-                </a:solidFill>
-              </a:rPr>
-              <a:t>に呼び出し</a:t>
-            </a:r>
-            <a:r>
-              <a:rPr lang="en-US" altLang="ja-JP" b="1" dirty="0">
-                <a:solidFill>
-                  <a:srgbClr val="000000"/>
-                </a:solidFill>
-              </a:rPr>
-              <a:t>Action</a:t>
-            </a:r>
-            <a:r>
-              <a:rPr lang="ja-JP" altLang="en-US" b="1" dirty="0">
-                <a:solidFill>
-                  <a:srgbClr val="000000"/>
-                </a:solidFill>
-              </a:rPr>
-              <a:t>を埋め込み</a:t>
-            </a:r>
-            <a:r>
-              <a:rPr lang="ja-JP" altLang="en-US" dirty="0" smtClean="0">
-                <a:solidFill>
-                  <a:srgbClr val="000000"/>
-                </a:solidFill>
-              </a:rPr>
-              <a:t>」</a:t>
-            </a:r>
-            <a:endParaRPr lang="en-US" altLang="ja-JP" dirty="0" smtClean="0">
-              <a:solidFill>
-                <a:srgbClr val="000000"/>
-              </a:solidFill>
-            </a:endParaRPr>
-          </a:p>
-          <a:p>
-            <a:pPr marL="457200" lvl="1" indent="0">
-              <a:buNone/>
-            </a:pPr>
-            <a:r>
-              <a:rPr lang="en-US" altLang="ja-JP" dirty="0">
-                <a:solidFill>
-                  <a:srgbClr val="008000"/>
-                </a:solidFill>
-                <a:hlinkClick r:id="rId2"/>
-              </a:rPr>
-              <a:t>http://dbflute.seasar.org/ja/manual/function/helper/saflute/friendlylogging.html#</a:t>
-            </a:r>
-            <a:r>
-              <a:rPr lang="en-US" altLang="ja-JP" dirty="0" smtClean="0">
-                <a:solidFill>
-                  <a:srgbClr val="008000"/>
-                </a:solidFill>
-                <a:hlinkClick r:id="rId2"/>
-              </a:rPr>
-              <a:t>calllersqllog</a:t>
-            </a:r>
-            <a:endParaRPr lang="en-US" altLang="ja-JP" dirty="0" smtClean="0">
-              <a:solidFill>
-                <a:srgbClr val="008000"/>
-              </a:solidFill>
-            </a:endParaRPr>
-          </a:p>
-          <a:p>
-            <a:pPr marL="457200" lvl="1" indent="0">
-              <a:buNone/>
-            </a:pPr>
-            <a:endParaRPr lang="en-US" altLang="ja-JP" dirty="0" smtClean="0">
-              <a:solidFill>
-                <a:srgbClr val="008000"/>
-              </a:solidFill>
-            </a:endParaRPr>
-          </a:p>
         </p:txBody>
       </p:sp>
     </p:spTree>
     <p:extLst>
       <p:ext uri="{BB962C8B-B14F-4D97-AF65-F5344CB8AC3E}">
-        <p14:creationId xmlns:p14="http://schemas.microsoft.com/office/powerpoint/2010/main" val="657548793"/>
+        <p14:creationId xmlns:p14="http://schemas.microsoft.com/office/powerpoint/2010/main" val="2624550353"/>
       </p:ext>
     </p:extLst>
   </p:cSld>
   <p:clrMapOvr>
     <a:masterClrMapping/>
   </p:clrMapOvr>
+  <p:timing>
+    <p:tnLst>
+      <p:par>
+        <p:cTn xmlns:p14="http://schemas.microsoft.com/office/powerpoint/2010/main" id="1" dur="indefinite" restart="never" nodeType="tmRoot"/>
+      </p:par>
+    </p:tnLst>
+  </p:timing>
 </p:sld>
 </file>
 
@@ -17825,11 +18417,7 @@
             </a:r>
             <a:r>
               <a:rPr lang="ja-JP" altLang="en-US" sz="3600" dirty="0" smtClean="0"/>
-              <a:t>変更</a:t>
-            </a:r>
-            <a:r>
-              <a:rPr lang="ja-JP" altLang="en-US" sz="3600" dirty="0" smtClean="0"/>
-              <a:t>して会員が喜ぶなら</a:t>
+              <a:t>変更して会員が喜ぶなら</a:t>
             </a:r>
             <a:r>
               <a:rPr lang="en-US" altLang="ja-JP" sz="3600" dirty="0" smtClean="0"/>
@@ -17937,14 +18525,10 @@
           <a:lstStyle/>
           <a:p>
             <a:r>
-              <a:rPr kumimoji="1" lang="en-US" altLang="ja-JP" dirty="0" smtClean="0"/>
-              <a:t>SQL</a:t>
-            </a:r>
-            <a:r>
-              <a:rPr kumimoji="1" lang="ja-JP" altLang="en-US" dirty="0" smtClean="0"/>
-              <a:t>発行回数管理</a:t>
-            </a:r>
-            <a:endParaRPr kumimoji="1" lang="ja-JP" altLang="en-US" dirty="0"/>
+              <a:rPr kumimoji="1" lang="ja-JP" altLang="en-US" sz="3200" dirty="0" smtClean="0"/>
+              <a:t>グラフ化されたもの！</a:t>
+            </a:r>
+            <a:endParaRPr kumimoji="1" lang="ja-JP" altLang="en-US" sz="3200" dirty="0"/>
           </a:p>
         </p:txBody>
       </p:sp>
@@ -17960,191 +18544,92 @@
         </p:nvSpPr>
         <p:spPr>
           <a:xfrm>
-            <a:off x="627914" y="1735138"/>
-            <a:ext cx="8077260" cy="4056062"/>
+            <a:off x="556560" y="1735138"/>
+            <a:ext cx="8005906" cy="4056062"/>
           </a:xfrm>
         </p:spPr>
         <p:txBody>
           <a:bodyPr>
-            <a:normAutofit lnSpcReduction="10000"/>
+            <a:noAutofit/>
           </a:bodyPr>
           <a:lstStyle/>
           <a:p>
             <a:pPr marL="0" indent="0">
               <a:buNone/>
             </a:pPr>
-            <a:endParaRPr lang="en-US" altLang="ja-JP" sz="3200" dirty="0" smtClean="0"/>
-          </a:p>
-          <a:p>
-            <a:r>
-              <a:rPr lang="en-US" altLang="ja-JP" sz="3200" dirty="0" smtClean="0"/>
-              <a:t>SQL</a:t>
-            </a:r>
-            <a:r>
-              <a:rPr lang="ja-JP" altLang="en-US" sz="3200" dirty="0" smtClean="0"/>
-              <a:t>の発行回数を数える</a:t>
-            </a:r>
-            <a:r>
-              <a:rPr lang="en-US" altLang="ja-JP" dirty="0">
+            <a:endParaRPr lang="en-US" altLang="ja-JP" sz="6000" dirty="0"/>
+          </a:p>
+          <a:p>
+            <a:pPr marL="0" indent="0">
+              <a:buNone/>
+            </a:pPr>
+            <a:r>
+              <a:rPr kumimoji="1" lang="ja-JP" altLang="en-US" sz="3200" dirty="0" smtClean="0"/>
+              <a:t>（会場の方にだけちょっとお見せします）</a:t>
+            </a:r>
+            <a:endParaRPr kumimoji="1" lang="en-US" altLang="ja-JP" sz="3200" dirty="0" smtClean="0"/>
+          </a:p>
+          <a:p>
+            <a:pPr marL="0" indent="0">
+              <a:buNone/>
+            </a:pPr>
+            <a:r>
+              <a:rPr lang="en-US" altLang="ja-JP" sz="6000" dirty="0"/>
+              <a:t>　</a:t>
+            </a:r>
+            <a:r>
+              <a:rPr lang="ja-JP" altLang="en-US" sz="6000" dirty="0"/>
+              <a:t>　</a:t>
+            </a:r>
+            <a:r>
+              <a:rPr lang="en-US" altLang="ja-JP" sz="3600" dirty="0" smtClean="0">
                 <a:solidFill>
                   <a:srgbClr val="008000"/>
                 </a:solidFill>
               </a:rPr>
-              <a:t>(</a:t>
-            </a:r>
-            <a:r>
-              <a:rPr lang="en-US" altLang="ja-JP" dirty="0" err="1">
+              <a:t>※</a:t>
+            </a:r>
+            <a:r>
+              <a:rPr lang="ja-JP" altLang="en-US" sz="3600" dirty="0" smtClean="0">
                 <a:solidFill>
                   <a:srgbClr val="008000"/>
                 </a:solidFill>
               </a:rPr>
-              <a:t>DBFlute</a:t>
-            </a:r>
-            <a:r>
-              <a:rPr lang="en-US" altLang="ja-JP" dirty="0">
+              <a:t>時間があれば</a:t>
+            </a:r>
+            <a:r>
+              <a:rPr lang="en-US" altLang="ja-JP" sz="3600" dirty="0" smtClean="0">
                 <a:solidFill>
                   <a:srgbClr val="008000"/>
                 </a:solidFill>
               </a:rPr>
-              <a:t>)</a:t>
-            </a:r>
-            <a:endParaRPr lang="en-US" altLang="ja-JP" dirty="0" smtClean="0"/>
-          </a:p>
-          <a:p>
-            <a:r>
-              <a:rPr lang="en-US" altLang="ja-JP" sz="3200" dirty="0" smtClean="0"/>
-              <a:t>1</a:t>
-            </a:r>
-            <a:r>
-              <a:rPr lang="ja-JP" altLang="en-US" sz="3200" dirty="0" smtClean="0"/>
-              <a:t>リクエスト</a:t>
-            </a:r>
-            <a:r>
-              <a:rPr lang="en-US" altLang="ja-JP" sz="3200" dirty="0" smtClean="0"/>
-              <a:t>30</a:t>
-            </a:r>
-            <a:r>
-              <a:rPr lang="ja-JP" altLang="en-US" sz="3200" dirty="0" smtClean="0"/>
-              <a:t>回以上で警告ログ</a:t>
-            </a:r>
-            <a:endParaRPr lang="en-US" altLang="ja-JP" dirty="0" smtClean="0"/>
-          </a:p>
-          <a:p>
-            <a:r>
-              <a:rPr lang="ja-JP" altLang="en-US" sz="3200" dirty="0"/>
-              <a:t>まだ、</a:t>
-            </a:r>
-            <a:r>
-              <a:rPr lang="en-US" altLang="ja-JP" sz="3200" dirty="0" err="1"/>
-              <a:t>Kibana</a:t>
-            </a:r>
-            <a:r>
-              <a:rPr lang="ja-JP" altLang="en-US" sz="3200" dirty="0"/>
-              <a:t>に載ってないが</a:t>
-            </a:r>
-            <a:r>
-              <a:rPr lang="en-US" altLang="ja-JP" sz="3200" dirty="0" smtClean="0"/>
-              <a:t>…</a:t>
-            </a:r>
-            <a:r>
-              <a:rPr lang="ja-JP" altLang="en-US" sz="3200" dirty="0" smtClean="0"/>
-              <a:t>いつか</a:t>
-            </a:r>
-            <a:endParaRPr lang="en-US" altLang="ja-JP" sz="3200" dirty="0" smtClean="0"/>
-          </a:p>
-          <a:p>
-            <a:pPr marL="457200" lvl="1" indent="0">
-              <a:buNone/>
-            </a:pPr>
-            <a:endParaRPr lang="en-US" altLang="ja-JP" dirty="0" smtClean="0">
+              <a:t>…m(_ _)m</a:t>
+            </a:r>
+            <a:endParaRPr lang="en-US" altLang="ja-JP" sz="3600" dirty="0">
               <a:solidFill>
                 <a:srgbClr val="008000"/>
               </a:solidFill>
             </a:endParaRPr>
           </a:p>
-          <a:p>
-            <a:pPr marL="457200" lvl="1" indent="0">
-              <a:buNone/>
-            </a:pPr>
-            <a:r>
-              <a:rPr lang="ja-JP" altLang="en-US" dirty="0" smtClean="0"/>
-              <a:t>「</a:t>
-            </a:r>
-            <a:r>
-              <a:rPr lang="en-US" altLang="ja-JP" b="1" dirty="0"/>
-              <a:t>Request</a:t>
-            </a:r>
-            <a:r>
-              <a:rPr lang="ja-JP" altLang="en-US" b="1" dirty="0"/>
-              <a:t>ごとの</a:t>
-            </a:r>
-            <a:r>
-              <a:rPr lang="en-US" altLang="ja-JP" b="1" dirty="0"/>
-              <a:t>SQL</a:t>
-            </a:r>
-            <a:r>
-              <a:rPr lang="ja-JP" altLang="en-US" b="1" dirty="0"/>
-              <a:t>の発行回数</a:t>
-            </a:r>
-            <a:r>
-              <a:rPr lang="ja-JP" altLang="en-US" dirty="0" smtClean="0"/>
-              <a:t>」</a:t>
-            </a:r>
-            <a:r>
-              <a:rPr lang="en-US" altLang="ja-JP" dirty="0" smtClean="0">
-                <a:solidFill>
-                  <a:srgbClr val="008000"/>
-                </a:solidFill>
-                <a:hlinkClick r:id="rId2"/>
-              </a:rPr>
-              <a:t>http</a:t>
-            </a:r>
-            <a:r>
-              <a:rPr lang="en-US" altLang="ja-JP" dirty="0">
-                <a:solidFill>
-                  <a:srgbClr val="008000"/>
-                </a:solidFill>
-                <a:hlinkClick r:id="rId2"/>
-              </a:rPr>
-              <a:t>://dbflute.seasar.org/ja/manual/function/helper/saflute/friendlylogging.html#</a:t>
-            </a:r>
-            <a:r>
-              <a:rPr lang="en-US" altLang="ja-JP" dirty="0" smtClean="0">
-                <a:solidFill>
-                  <a:srgbClr val="008000"/>
-                </a:solidFill>
-                <a:hlinkClick r:id="rId2"/>
-              </a:rPr>
-              <a:t>sqlcountlog</a:t>
-            </a:r>
-            <a:endParaRPr lang="en-US" altLang="ja-JP" dirty="0" smtClean="0">
-              <a:solidFill>
-                <a:srgbClr val="008000"/>
-              </a:solidFill>
-            </a:endParaRPr>
-          </a:p>
-          <a:p>
-            <a:pPr marL="457200" lvl="1" indent="0">
-              <a:buNone/>
-            </a:pPr>
-            <a:endParaRPr lang="en-US" altLang="ja-JP" dirty="0" smtClean="0">
-              <a:solidFill>
-                <a:srgbClr val="008000"/>
-              </a:solidFill>
-            </a:endParaRPr>
-          </a:p>
         </p:txBody>
       </p:sp>
     </p:spTree>
     <p:extLst>
       <p:ext uri="{BB962C8B-B14F-4D97-AF65-F5344CB8AC3E}">
-        <p14:creationId xmlns:p14="http://schemas.microsoft.com/office/powerpoint/2010/main" val="3574763070"/>
+        <p14:creationId xmlns:p14="http://schemas.microsoft.com/office/powerpoint/2010/main" val="1504205621"/>
       </p:ext>
     </p:extLst>
   </p:cSld>
   <p:clrMapOvr>
     <a:masterClrMapping/>
   </p:clrMapOvr>
+  <p:timing>
+    <p:tnLst>
+      <p:par>
+        <p:cTn xmlns:p14="http://schemas.microsoft.com/office/powerpoint/2010/main" id="1" dur="indefinite" restart="never" nodeType="tmRoot"/>
+      </p:par>
+    </p:tnLst>
+  </p:timing>
 </p:sld>
 </file>
 
@@ -18181,12 +18666,8 @@
           <a:lstStyle/>
           <a:p>
             <a:r>
-              <a:rPr kumimoji="1" lang="en-US" altLang="ja-JP" dirty="0" err="1" smtClean="0"/>
-              <a:t>DBFlute</a:t>
-            </a:r>
-            <a:r>
               <a:rPr kumimoji="1" lang="ja-JP" altLang="en-US" dirty="0" smtClean="0"/>
-              <a:t>がやっていること</a:t>
+              <a:t>スロークエリ管理</a:t>
             </a:r>
             <a:endParaRPr kumimoji="1" lang="ja-JP" altLang="en-US" dirty="0"/>
           </a:p>
@@ -18202,76 +18683,105 @@
             <p:ph idx="1"/>
           </p:nvPr>
         </p:nvSpPr>
-        <p:spPr>
-          <a:xfrm>
-            <a:off x="627914" y="1735138"/>
-            <a:ext cx="8077260" cy="4056062"/>
-          </a:xfrm>
-        </p:spPr>
+        <p:spPr/>
         <p:txBody>
           <a:bodyPr>
-            <a:normAutofit/>
+            <a:normAutofit lnSpcReduction="10000"/>
           </a:bodyPr>
           <a:lstStyle/>
           <a:p>
-            <a:pPr marL="0" indent="0">
-              <a:buNone/>
-            </a:pPr>
-            <a:endParaRPr lang="en-US" altLang="ja-JP" sz="3200" dirty="0" smtClean="0"/>
-          </a:p>
-          <a:p>
-            <a:pPr marL="0" indent="0">
-              <a:buNone/>
-            </a:pPr>
-            <a:r>
-              <a:rPr lang="en-US" altLang="ja-JP" sz="3200" dirty="0" smtClean="0"/>
-              <a:t>	</a:t>
-            </a:r>
-            <a:r>
-              <a:rPr lang="en-US" altLang="ja-JP" sz="3200" dirty="0" err="1" smtClean="0"/>
-              <a:t>DBFlute</a:t>
-            </a:r>
-            <a:r>
-              <a:rPr lang="ja-JP" altLang="en-US" sz="3200" dirty="0" smtClean="0"/>
-              <a:t>は、</a:t>
-            </a:r>
-            <a:endParaRPr lang="en-US" altLang="ja-JP" sz="3200" dirty="0" smtClean="0"/>
-          </a:p>
-          <a:p>
-            <a:pPr marL="0" indent="0">
-              <a:buNone/>
-            </a:pPr>
-            <a:r>
-              <a:rPr lang="en-US" altLang="ja-JP" sz="3200" dirty="0"/>
-              <a:t>		</a:t>
-            </a:r>
+            <a:endParaRPr kumimoji="1" lang="en-US" altLang="ja-JP" dirty="0" smtClean="0"/>
+          </a:p>
+          <a:p>
             <a:r>
               <a:rPr lang="en-US" altLang="ja-JP" sz="3200" dirty="0" smtClean="0"/>
               <a:t>SQL</a:t>
             </a:r>
             <a:r>
               <a:rPr lang="ja-JP" altLang="en-US" sz="3200" dirty="0" smtClean="0"/>
-              <a:t>を管理するための</a:t>
+              <a:t>に、実行クラス名が入る</a:t>
+            </a:r>
+            <a:r>
+              <a:rPr lang="en-US" altLang="ja-JP" dirty="0" smtClean="0">
+                <a:solidFill>
+                  <a:srgbClr val="008000"/>
+                </a:solidFill>
+              </a:rPr>
+              <a:t>(</a:t>
+            </a:r>
+            <a:r>
+              <a:rPr lang="en-US" altLang="ja-JP" dirty="0" err="1" smtClean="0">
+                <a:solidFill>
+                  <a:srgbClr val="008000"/>
+                </a:solidFill>
+              </a:rPr>
+              <a:t>DBFlute</a:t>
+            </a:r>
+            <a:r>
+              <a:rPr lang="en-US" altLang="ja-JP" dirty="0" smtClean="0">
+                <a:solidFill>
+                  <a:srgbClr val="008000"/>
+                </a:solidFill>
+              </a:rPr>
+              <a:t>)</a:t>
+            </a:r>
+          </a:p>
+          <a:p>
+            <a:r>
+              <a:rPr lang="en-US" altLang="ja-JP" sz="3200" dirty="0" err="1" smtClean="0"/>
+              <a:t>Fluentd</a:t>
+            </a:r>
+            <a:r>
+              <a:rPr lang="ja-JP" altLang="en-US" sz="3200" dirty="0" smtClean="0"/>
+              <a:t>で抽出</a:t>
+            </a:r>
+            <a:r>
+              <a:rPr lang="en-US" altLang="ja-JP" sz="3200" dirty="0" smtClean="0"/>
+              <a:t> to </a:t>
+            </a:r>
+            <a:r>
+              <a:rPr lang="en-US" altLang="ja-JP" sz="3200" dirty="0" err="1" smtClean="0"/>
+              <a:t>ElasticSearch</a:t>
             </a:r>
             <a:endParaRPr lang="en-US" altLang="ja-JP" sz="3200" dirty="0" smtClean="0"/>
           </a:p>
           <a:p>
-            <a:pPr marL="0" indent="0">
-              <a:buNone/>
-            </a:pPr>
-            <a:r>
-              <a:rPr lang="en-US" altLang="ja-JP" sz="3200" dirty="0"/>
-              <a:t>	</a:t>
+            <a:r>
+              <a:rPr lang="en-US" altLang="ja-JP" sz="3200" dirty="0" err="1" smtClean="0"/>
+              <a:t>Kibana</a:t>
+            </a:r>
+            <a:r>
+              <a:rPr lang="ja-JP" altLang="en-US" sz="3200" dirty="0" smtClean="0"/>
+              <a:t>グラフ化</a:t>
             </a:r>
             <a:r>
               <a:rPr lang="en-US" altLang="ja-JP" sz="3200" dirty="0" smtClean="0"/>
-              <a:t>	</a:t>
-            </a:r>
-            <a:r>
-              <a:rPr lang="ja-JP" altLang="en-US" sz="3200" dirty="0" smtClean="0"/>
-              <a:t>拡張ポイントを用意している</a:t>
-            </a:r>
-            <a:endParaRPr lang="en-US" altLang="ja-JP" sz="3200" dirty="0" smtClean="0"/>
+              <a:t> </a:t>
+            </a:r>
+            <a:r>
+              <a:rPr lang="en-US" altLang="ja-JP" dirty="0" smtClean="0">
+                <a:solidFill>
+                  <a:srgbClr val="008000"/>
+                </a:solidFill>
+              </a:rPr>
+              <a:t>=&gt; </a:t>
+            </a:r>
+            <a:r>
+              <a:rPr lang="ja-JP" altLang="en-US" dirty="0" smtClean="0">
+                <a:solidFill>
+                  <a:srgbClr val="008000"/>
+                </a:solidFill>
+              </a:rPr>
+              <a:t>メソッドのトップ</a:t>
+            </a:r>
+            <a:r>
+              <a:rPr lang="en-US" altLang="ja-JP" dirty="0" smtClean="0">
+                <a:solidFill>
+                  <a:srgbClr val="008000"/>
+                </a:solidFill>
+              </a:rPr>
+              <a:t>10</a:t>
+            </a:r>
           </a:p>
           <a:p>
             <a:pPr marL="457200" lvl="1" indent="0">
@@ -18288,20 +18798,80 @@
               <a:buNone/>
             </a:pPr>
             <a:r>
-              <a:rPr lang="ja-JP" altLang="ja-JP" dirty="0" smtClean="0">
+              <a:rPr lang="ja-JP" altLang="en-US" dirty="0" smtClean="0">
+                <a:solidFill>
+                  <a:srgbClr val="000000"/>
+                </a:solidFill>
+              </a:rPr>
+              <a:t>「</a:t>
+            </a:r>
+            <a:r>
+              <a:rPr lang="en-US" altLang="ja-JP" b="1" dirty="0">
+                <a:solidFill>
+                  <a:srgbClr val="000000"/>
+                </a:solidFill>
+              </a:rPr>
+              <a:t>SQL</a:t>
+            </a:r>
+            <a:r>
+              <a:rPr lang="ja-JP" altLang="en-US" b="1" dirty="0">
+                <a:solidFill>
+                  <a:srgbClr val="000000"/>
+                </a:solidFill>
+              </a:rPr>
+              <a:t>に呼び出し</a:t>
+            </a:r>
+            <a:r>
+              <a:rPr lang="en-US" altLang="ja-JP" b="1" dirty="0">
+                <a:solidFill>
+                  <a:srgbClr val="000000"/>
+                </a:solidFill>
+              </a:rPr>
+              <a:t>Action</a:t>
+            </a:r>
+            <a:r>
+              <a:rPr lang="ja-JP" altLang="en-US" b="1" dirty="0">
+                <a:solidFill>
+                  <a:srgbClr val="000000"/>
+                </a:solidFill>
+              </a:rPr>
+              <a:t>を埋め込み</a:t>
+            </a:r>
+            <a:r>
+              <a:rPr lang="ja-JP" altLang="en-US" dirty="0" smtClean="0">
+                <a:solidFill>
+                  <a:srgbClr val="000000"/>
+                </a:solidFill>
+              </a:rPr>
+              <a:t>」</a:t>
+            </a:r>
+            <a:endParaRPr lang="en-US" altLang="ja-JP" dirty="0" smtClean="0">
+              <a:solidFill>
+                <a:srgbClr val="000000"/>
+              </a:solidFill>
+            </a:endParaRPr>
+          </a:p>
+          <a:p>
+            <a:pPr marL="457200" lvl="1" indent="0">
+              <a:buNone/>
+            </a:pPr>
+            <a:r>
+              <a:rPr lang="en-US" altLang="ja-JP" dirty="0">
                 <a:solidFill>
                   <a:srgbClr val="008000"/>
                 </a:solidFill>
-              </a:rPr>
-              <a:t>　</a:t>
-            </a:r>
-            <a:r>
-              <a:rPr lang="ja-JP" altLang="en-US" dirty="0" smtClean="0">
+                <a:hlinkClick r:id="rId2"/>
+              </a:rPr>
+              <a:t>http://dbflute.seasar.org/ja/manual/function/helper/saflute/friendlylogging.html#</a:t>
+            </a:r>
+            <a:r>
+              <a:rPr lang="en-US" altLang="ja-JP" dirty="0" smtClean="0">
                 <a:solidFill>
                   <a:srgbClr val="008000"/>
                 </a:solidFill>
-              </a:rPr>
-              <a:t>　　　</a:t>
+                <a:hlinkClick r:id="rId2"/>
+              </a:rPr>
+              <a:t>calllersqllog</a:t>
             </a:r>
             <a:endParaRPr lang="en-US" altLang="ja-JP" dirty="0" smtClean="0">
               <a:solidFill>
@@ -18309,18 +18879,35 @@
               </a:solidFill>
             </a:endParaRPr>
           </a:p>
+          <a:p>
+            <a:pPr marL="457200" lvl="1" indent="0">
+              <a:buNone/>
+            </a:pPr>
+            <a:endParaRPr lang="en-US" altLang="ja-JP" dirty="0" smtClean="0">
+              <a:solidFill>
+                <a:srgbClr val="008000"/>
+              </a:solidFill>
+            </a:endParaRPr>
+          </a:p>
         </p:txBody>
       </p:sp>
     </p:spTree>
     <p:extLst>
       <p:ext uri="{BB962C8B-B14F-4D97-AF65-F5344CB8AC3E}">
-        <p14:creationId xmlns:p14="http://schemas.microsoft.com/office/powerpoint/2010/main" val="1692947586"/>
+        <p14:creationId xmlns:p14="http://schemas.microsoft.com/office/powerpoint/2010/main" val="657548793"/>
       </p:ext>
     </p:extLst>
   </p:cSld>
   <p:clrMapOvr>
     <a:masterClrMapping/>
   </p:clrMapOvr>
+  <p:timing>
+    <p:tnLst>
+      <p:par>
+        <p:cTn xmlns:p14="http://schemas.microsoft.com/office/powerpoint/2010/main" id="1" dur="indefinite" restart="never" nodeType="tmRoot"/>
+      </p:par>
+    </p:tnLst>
+  </p:timing>
 </p:sld>
 </file>
 
@@ -18357,8 +18944,12 @@
           <a:lstStyle/>
           <a:p>
             <a:r>
+              <a:rPr kumimoji="1" lang="en-US" altLang="ja-JP" dirty="0" smtClean="0"/>
+              <a:t>SQL</a:t>
+            </a:r>
+            <a:r>
               <a:rPr kumimoji="1" lang="ja-JP" altLang="en-US" dirty="0" smtClean="0"/>
-              <a:t>さてさて</a:t>
+              <a:t>発行回数管理</a:t>
             </a:r>
             <a:endParaRPr kumimoji="1" lang="ja-JP" altLang="en-US" dirty="0"/>
           </a:p>
@@ -18377,39 +18968,175 @@
         <p:spPr>
           <a:xfrm>
             <a:off x="627914" y="1735138"/>
-            <a:ext cx="7706219" cy="4056062"/>
+            <a:ext cx="8077260" cy="4056062"/>
           </a:xfrm>
         </p:spPr>
         <p:txBody>
           <a:bodyPr>
-            <a:normAutofit/>
+            <a:normAutofit lnSpcReduction="10000"/>
           </a:bodyPr>
           <a:lstStyle/>
           <a:p>
-            <a:pPr marL="0" indent="0" algn="ctr">
-              <a:buNone/>
-            </a:pPr>
-            <a:endParaRPr lang="en-US" altLang="ja-JP" sz="6000" dirty="0">
+            <a:pPr marL="0" indent="0">
+              <a:buNone/>
+            </a:pPr>
+            <a:endParaRPr lang="en-US" altLang="ja-JP" sz="3200" dirty="0" smtClean="0"/>
+          </a:p>
+          <a:p>
+            <a:r>
+              <a:rPr lang="en-US" altLang="ja-JP" sz="3200" dirty="0" smtClean="0"/>
+              <a:t>SQL</a:t>
+            </a:r>
+            <a:r>
+              <a:rPr lang="ja-JP" altLang="en-US" sz="3200" dirty="0" smtClean="0"/>
+              <a:t>の発行回数を数える</a:t>
+            </a:r>
+            <a:r>
+              <a:rPr lang="en-US" altLang="ja-JP" dirty="0">
+                <a:solidFill>
+                  <a:srgbClr val="008000"/>
+                </a:solidFill>
+              </a:rPr>
+              <a:t>(</a:t>
+            </a:r>
+            <a:r>
+              <a:rPr lang="en-US" altLang="ja-JP" dirty="0" err="1">
+                <a:solidFill>
+                  <a:srgbClr val="008000"/>
+                </a:solidFill>
+              </a:rPr>
+              <a:t>DBFlute</a:t>
+            </a:r>
+            <a:r>
+              <a:rPr lang="en-US" altLang="ja-JP" dirty="0">
+                <a:solidFill>
+                  <a:srgbClr val="008000"/>
+                </a:solidFill>
+              </a:rPr>
+              <a:t>)</a:t>
+            </a:r>
+            <a:endParaRPr lang="en-US" altLang="ja-JP" dirty="0" smtClean="0"/>
+          </a:p>
+          <a:p>
+            <a:r>
+              <a:rPr lang="en-US" altLang="ja-JP" sz="3200" dirty="0" smtClean="0"/>
+              <a:t>1</a:t>
+            </a:r>
+            <a:r>
+              <a:rPr lang="ja-JP" altLang="en-US" sz="3200" dirty="0" smtClean="0"/>
+              <a:t>リクエスト</a:t>
+            </a:r>
+            <a:r>
+              <a:rPr lang="en-US" altLang="ja-JP" sz="3200" dirty="0" smtClean="0"/>
+              <a:t>30</a:t>
+            </a:r>
+            <a:r>
+              <a:rPr lang="ja-JP" altLang="en-US" sz="3200" dirty="0" smtClean="0"/>
+              <a:t>回以上で警告ログ</a:t>
+            </a:r>
+            <a:endParaRPr lang="en-US" altLang="ja-JP" dirty="0" smtClean="0"/>
+          </a:p>
+          <a:p>
+            <a:r>
+              <a:rPr lang="ja-JP" altLang="en-US" sz="3200" dirty="0"/>
+              <a:t>まだ、</a:t>
+            </a:r>
+            <a:r>
+              <a:rPr lang="en-US" altLang="ja-JP" sz="3200" dirty="0" err="1"/>
+              <a:t>Kibana</a:t>
+            </a:r>
+            <a:r>
+              <a:rPr lang="ja-JP" altLang="en-US" sz="3200" dirty="0"/>
+              <a:t>に載ってないが</a:t>
+            </a:r>
+            <a:r>
+              <a:rPr lang="en-US" altLang="ja-JP" sz="3200" dirty="0" smtClean="0"/>
+              <a:t>…</a:t>
+            </a:r>
+            <a:r>
+              <a:rPr lang="ja-JP" altLang="en-US" sz="3200" dirty="0" smtClean="0"/>
+              <a:t>いつか</a:t>
+            </a:r>
+            <a:endParaRPr lang="en-US" altLang="ja-JP" sz="3200" dirty="0" smtClean="0"/>
+          </a:p>
+          <a:p>
+            <a:pPr marL="457200" lvl="1" indent="0">
+              <a:buNone/>
+            </a:pPr>
+            <a:endParaRPr lang="en-US" altLang="ja-JP" dirty="0" smtClean="0">
               <a:solidFill>
-                <a:srgbClr val="800000"/>
+                <a:srgbClr val="008000"/>
               </a:solidFill>
             </a:endParaRPr>
           </a:p>
           <a:p>
-            <a:pPr marL="457200" lvl="1" indent="0" algn="ctr">
-              <a:buNone/>
-            </a:pPr>
-            <a:r>
-              <a:rPr lang="ja-JP" altLang="en-US" sz="6000" dirty="0" smtClean="0">
-                <a:solidFill>
-                  <a:srgbClr val="800000"/>
-                </a:solidFill>
-              </a:rPr>
-              <a:t>お知らせ</a:t>
-            </a:r>
-            <a:endParaRPr lang="en-US" altLang="ja-JP" sz="6000" dirty="0" smtClean="0">
+            <a:pPr marL="457200" lvl="1" indent="0">
+              <a:buNone/>
+            </a:pPr>
+            <a:r>
+              <a:rPr lang="ja-JP" altLang="en-US" dirty="0" smtClean="0"/>
+              <a:t>「</a:t>
+            </a:r>
+            <a:r>
+              <a:rPr lang="en-US" altLang="ja-JP" b="1" dirty="0"/>
+              <a:t>Request</a:t>
+            </a:r>
+            <a:r>
+              <a:rPr lang="ja-JP" altLang="en-US" b="1" dirty="0"/>
+              <a:t>ごとの</a:t>
+            </a:r>
+            <a:r>
+              <a:rPr lang="en-US" altLang="ja-JP" b="1" dirty="0"/>
+              <a:t>SQL</a:t>
+            </a:r>
+            <a:r>
+              <a:rPr lang="ja-JP" altLang="en-US" b="1" dirty="0"/>
+              <a:t>の発行回数</a:t>
+            </a:r>
+            <a:r>
+              <a:rPr lang="ja-JP" altLang="en-US" dirty="0" smtClean="0"/>
+              <a:t>」</a:t>
+            </a:r>
+            <a:r>
+              <a:rPr lang="en-US" altLang="ja-JP" dirty="0" smtClean="0">
+                <a:solidFill>
+                  <a:srgbClr val="008000"/>
+                </a:solidFill>
+                <a:hlinkClick r:id="rId2"/>
+              </a:rPr>
+              <a:t>http</a:t>
+            </a:r>
+            <a:r>
+              <a:rPr lang="en-US" altLang="ja-JP" dirty="0">
+                <a:solidFill>
+                  <a:srgbClr val="008000"/>
+                </a:solidFill>
+                <a:hlinkClick r:id="rId2"/>
+              </a:rPr>
+              <a:t>://dbflute.seasar.org/ja/manual/function/helper/saflute/friendlylogging.html#</a:t>
+            </a:r>
+            <a:r>
+              <a:rPr lang="en-US" altLang="ja-JP" dirty="0" smtClean="0">
+                <a:solidFill>
+                  <a:srgbClr val="008000"/>
+                </a:solidFill>
+                <a:hlinkClick r:id="rId2"/>
+              </a:rPr>
+              <a:t>sqlcountlog</a:t>
+            </a:r>
+            <a:endParaRPr lang="en-US" altLang="ja-JP" dirty="0" smtClean="0">
               <a:solidFill>
-                <a:srgbClr val="800000"/>
+                <a:srgbClr val="008000"/>
+              </a:solidFill>
+            </a:endParaRPr>
+          </a:p>
+          <a:p>
+            <a:pPr marL="457200" lvl="1" indent="0">
+              <a:buNone/>
+            </a:pPr>
+            <a:endParaRPr lang="en-US" altLang="ja-JP" dirty="0" smtClean="0">
+              <a:solidFill>
+                <a:srgbClr val="008000"/>
               </a:solidFill>
             </a:endParaRPr>
           </a:p>
@@ -18418,13 +19145,20 @@
     </p:spTree>
     <p:extLst>
       <p:ext uri="{BB962C8B-B14F-4D97-AF65-F5344CB8AC3E}">
-        <p14:creationId xmlns:p14="http://schemas.microsoft.com/office/powerpoint/2010/main" val="3323375468"/>
+        <p14:creationId xmlns:p14="http://schemas.microsoft.com/office/powerpoint/2010/main" val="3574763070"/>
       </p:ext>
     </p:extLst>
   </p:cSld>
   <p:clrMapOvr>
     <a:masterClrMapping/>
   </p:clrMapOvr>
+  <p:timing>
+    <p:tnLst>
+      <p:par>
+        <p:cTn xmlns:p14="http://schemas.microsoft.com/office/powerpoint/2010/main" id="1" dur="indefinite" restart="never" nodeType="tmRoot"/>
+      </p:par>
+    </p:tnLst>
+  </p:timing>
 </p:sld>
 </file>
 
@@ -18461,8 +19195,12 @@
           <a:lstStyle/>
           <a:p>
             <a:r>
-              <a:rPr lang="ja-JP" altLang="en-US" sz="4400" dirty="0"/>
-              <a:t>ビズリーチでは</a:t>
+              <a:rPr kumimoji="1" lang="en-US" altLang="ja-JP" dirty="0" err="1" smtClean="0"/>
+              <a:t>DBFlute</a:t>
+            </a:r>
+            <a:r>
+              <a:rPr kumimoji="1" lang="ja-JP" altLang="en-US" dirty="0" smtClean="0"/>
+              <a:t>がやっていること</a:t>
             </a:r>
             <a:endParaRPr kumimoji="1" lang="ja-JP" altLang="en-US" dirty="0"/>
           </a:p>
@@ -18480,80 +19218,108 @@
         </p:nvSpPr>
         <p:spPr>
           <a:xfrm>
-            <a:off x="556560" y="1735138"/>
-            <a:ext cx="8005906" cy="4056062"/>
+            <a:off x="627914" y="1735138"/>
+            <a:ext cx="8077260" cy="4056062"/>
           </a:xfrm>
         </p:spPr>
         <p:txBody>
           <a:bodyPr>
-            <a:noAutofit/>
+            <a:normAutofit/>
           </a:bodyPr>
           <a:lstStyle/>
           <a:p>
             <a:pPr marL="0" indent="0">
               <a:buNone/>
             </a:pPr>
-            <a:endParaRPr lang="en-US" altLang="ja-JP" sz="4000" dirty="0" smtClean="0"/>
+            <a:endParaRPr lang="en-US" altLang="ja-JP" sz="3200" dirty="0" smtClean="0"/>
           </a:p>
           <a:p>
             <a:pPr marL="0" indent="0">
               <a:buNone/>
             </a:pPr>
             <a:r>
-              <a:rPr lang="ja-JP" altLang="ja-JP" sz="4000" dirty="0"/>
+              <a:rPr lang="en-US" altLang="ja-JP" sz="3200" dirty="0" smtClean="0"/>
+              <a:t>	</a:t>
+            </a:r>
+            <a:r>
+              <a:rPr lang="en-US" altLang="ja-JP" sz="3200" dirty="0" err="1" smtClean="0"/>
+              <a:t>DBFlute</a:t>
+            </a:r>
+            <a:r>
+              <a:rPr lang="ja-JP" altLang="en-US" sz="3200" dirty="0" smtClean="0"/>
+              <a:t>は、</a:t>
+            </a:r>
+            <a:endParaRPr lang="en-US" altLang="ja-JP" sz="3200" dirty="0" smtClean="0"/>
+          </a:p>
+          <a:p>
+            <a:pPr marL="0" indent="0">
+              <a:buNone/>
+            </a:pPr>
+            <a:r>
+              <a:rPr lang="en-US" altLang="ja-JP" sz="3200" dirty="0"/>
+              <a:t>		</a:t>
+            </a:r>
+            <a:r>
+              <a:rPr lang="en-US" altLang="ja-JP" sz="3200" dirty="0" smtClean="0"/>
+              <a:t>SQL</a:t>
+            </a:r>
+            <a:r>
+              <a:rPr lang="ja-JP" altLang="en-US" sz="3200" dirty="0" smtClean="0"/>
+              <a:t>を管理するための</a:t>
+            </a:r>
+            <a:endParaRPr lang="en-US" altLang="ja-JP" sz="3200" dirty="0" smtClean="0"/>
+          </a:p>
+          <a:p>
+            <a:pPr marL="0" indent="0">
+              <a:buNone/>
+            </a:pPr>
+            <a:r>
+              <a:rPr lang="en-US" altLang="ja-JP" sz="3200" dirty="0"/>
+              <a:t>	</a:t>
+            </a:r>
+            <a:r>
+              <a:rPr lang="en-US" altLang="ja-JP" sz="3200" dirty="0" smtClean="0"/>
+              <a:t>	</a:t>
+            </a:r>
+            <a:r>
+              <a:rPr lang="ja-JP" altLang="en-US" sz="3200" dirty="0" smtClean="0"/>
+              <a:t>拡張ポイントを用意している</a:t>
+            </a:r>
+            <a:endParaRPr lang="en-US" altLang="ja-JP" sz="3200" dirty="0" smtClean="0"/>
+          </a:p>
+          <a:p>
+            <a:pPr marL="457200" lvl="1" indent="0">
+              <a:buNone/>
+            </a:pPr>
+            <a:endParaRPr lang="en-US" altLang="ja-JP" dirty="0" smtClean="0">
+              <a:solidFill>
+                <a:srgbClr val="008000"/>
+              </a:solidFill>
+            </a:endParaRPr>
+          </a:p>
+          <a:p>
+            <a:pPr marL="457200" lvl="1" indent="0">
+              <a:buNone/>
+            </a:pPr>
+            <a:r>
+              <a:rPr lang="ja-JP" altLang="ja-JP" dirty="0" smtClean="0">
+                <a:solidFill>
+                  <a:srgbClr val="008000"/>
+                </a:solidFill>
+              </a:rPr>
               <a:t>　</a:t>
             </a:r>
             <a:r>
-              <a:rPr lang="ja-JP" altLang="en-US" sz="4000" dirty="0" smtClean="0"/>
-              <a:t>　</a:t>
-            </a:r>
-            <a:r>
-              <a:rPr lang="en-US" altLang="ja-JP" sz="4000" b="1" dirty="0" err="1" smtClean="0"/>
-              <a:t>Scala</a:t>
-            </a:r>
-            <a:r>
-              <a:rPr lang="ja-JP" altLang="en-US" sz="4000" dirty="0" smtClean="0"/>
-              <a:t>でサービス開発</a:t>
-            </a:r>
-            <a:endParaRPr lang="en-US" altLang="ja-JP" sz="4000" dirty="0" smtClean="0"/>
-          </a:p>
-          <a:p>
-            <a:pPr marL="0" indent="0">
-              <a:buNone/>
-            </a:pPr>
-            <a:r>
-              <a:rPr lang="ja-JP" altLang="ja-JP" sz="4000" dirty="0"/>
-              <a:t>　</a:t>
-            </a:r>
-            <a:r>
-              <a:rPr lang="ja-JP" altLang="en-US" sz="4000" dirty="0" smtClean="0"/>
-              <a:t>　　　　　　してみたい方、</a:t>
-            </a:r>
-            <a:endParaRPr lang="en-US" altLang="ja-JP" sz="4000" dirty="0" smtClean="0"/>
-          </a:p>
-          <a:p>
-            <a:pPr marL="0" indent="0">
-              <a:buNone/>
-            </a:pPr>
-            <a:r>
-              <a:rPr lang="ja-JP" altLang="ja-JP" sz="4000" dirty="0"/>
-              <a:t>　</a:t>
-            </a:r>
-            <a:r>
-              <a:rPr lang="ja-JP" altLang="en-US" sz="4000" dirty="0" smtClean="0"/>
-              <a:t>　　　　</a:t>
-            </a:r>
-            <a:r>
-              <a:rPr lang="ja-JP" altLang="en-US" sz="4800" dirty="0" smtClean="0">
-                <a:solidFill>
-                  <a:srgbClr val="800000"/>
-                </a:solidFill>
-              </a:rPr>
-              <a:t>大募集！</a:t>
-            </a:r>
-            <a:endParaRPr lang="en-US" altLang="ja-JP" sz="4800" dirty="0" smtClean="0">
+              <a:rPr lang="ja-JP" altLang="en-US" dirty="0" smtClean="0">
+                <a:solidFill>
+                  <a:srgbClr val="008000"/>
+                </a:solidFill>
+              </a:rPr>
+              <a:t>　　　</a:t>
+            </a:r>
+            <a:endParaRPr lang="en-US" altLang="ja-JP" dirty="0" smtClean="0">
               <a:solidFill>
-                <a:srgbClr val="800000"/>
+                <a:srgbClr val="008000"/>
               </a:solidFill>
             </a:endParaRPr>
           </a:p>
@@ -18562,13 +19328,20 @@
     </p:spTree>
     <p:extLst>
       <p:ext uri="{BB962C8B-B14F-4D97-AF65-F5344CB8AC3E}">
-        <p14:creationId xmlns:p14="http://schemas.microsoft.com/office/powerpoint/2010/main" val="2275872124"/>
+        <p14:creationId xmlns:p14="http://schemas.microsoft.com/office/powerpoint/2010/main" val="1692947586"/>
       </p:ext>
     </p:extLst>
   </p:cSld>
   <p:clrMapOvr>
     <a:masterClrMapping/>
   </p:clrMapOvr>
+  <p:timing>
+    <p:tnLst>
+      <p:par>
+        <p:cTn xmlns:p14="http://schemas.microsoft.com/office/powerpoint/2010/main" id="1" dur="indefinite" restart="never" nodeType="tmRoot"/>
+      </p:par>
+    </p:tnLst>
+  </p:timing>
 </p:sld>
 </file>
 
@@ -18605,12 +19378,8 @@
           <a:lstStyle/>
           <a:p>
             <a:r>
-              <a:rPr lang="en-US" altLang="ja-JP" sz="4400" dirty="0" err="1" smtClean="0"/>
-              <a:t>Scala</a:t>
-            </a:r>
-            <a:r>
-              <a:rPr lang="ja-JP" altLang="en-US" sz="4400" dirty="0" smtClean="0"/>
-              <a:t>の勉強会も活発</a:t>
+              <a:rPr kumimoji="1" lang="ja-JP" altLang="en-US" dirty="0" smtClean="0"/>
+              <a:t>さてさて</a:t>
             </a:r>
             <a:endParaRPr kumimoji="1" lang="ja-JP" altLang="en-US" dirty="0"/>
           </a:p>
@@ -18628,166 +19397,40 @@
         </p:nvSpPr>
         <p:spPr>
           <a:xfrm>
-            <a:off x="556560" y="1735138"/>
-            <a:ext cx="8005906" cy="4056062"/>
+            <a:off x="627914" y="1735138"/>
+            <a:ext cx="7706219" cy="4056062"/>
           </a:xfrm>
         </p:spPr>
         <p:txBody>
           <a:bodyPr>
-            <a:noAutofit/>
+            <a:normAutofit/>
           </a:bodyPr>
           <a:lstStyle/>
           <a:p>
-            <a:pPr marL="0" indent="0">
-              <a:buNone/>
-            </a:pPr>
-            <a:endParaRPr lang="en-US" altLang="ja-JP" sz="4000" dirty="0" smtClean="0"/>
-          </a:p>
-          <a:p>
-            <a:pPr marL="0" indent="0">
-              <a:buNone/>
-            </a:pPr>
-            <a:r>
-              <a:rPr lang="ja-JP" altLang="en-US" sz="4000" dirty="0" smtClean="0"/>
-              <a:t>「</a:t>
-            </a:r>
-            <a:r>
-              <a:rPr lang="en-US" altLang="ja-JP" sz="4000" dirty="0" smtClean="0"/>
-              <a:t>Daily </a:t>
-            </a:r>
-            <a:r>
-              <a:rPr lang="en-US" altLang="ja-JP" sz="4000" dirty="0" err="1"/>
-              <a:t>Scala</a:t>
-            </a:r>
-            <a:r>
-              <a:rPr lang="ja-JP" altLang="en-US" sz="4000" dirty="0" smtClean="0"/>
-              <a:t>始まりました</a:t>
-            </a:r>
-            <a:r>
-              <a:rPr lang="ja-JP" altLang="en-US" sz="4000" dirty="0" smtClean="0"/>
-              <a:t>」</a:t>
-            </a:r>
-            <a:endParaRPr lang="en-US" altLang="ja-JP" sz="4000" dirty="0" smtClean="0"/>
-          </a:p>
-          <a:p>
-            <a:pPr marL="0" indent="0">
-              <a:buNone/>
-            </a:pPr>
-            <a:r>
-              <a:rPr lang="ja-JP" altLang="en-US" dirty="0" smtClean="0"/>
-              <a:t>　　</a:t>
-            </a:r>
-            <a:r>
-              <a:rPr lang="en-US" altLang="ja-JP" dirty="0" smtClean="0">
-                <a:hlinkClick r:id="rId2"/>
-              </a:rPr>
-              <a:t>https</a:t>
-            </a:r>
-            <a:r>
-              <a:rPr lang="en-US" altLang="ja-JP" dirty="0">
-                <a:hlinkClick r:id="rId2"/>
-              </a:rPr>
-              <a:t>://codebreak.com/blog/shimamoto/page/c58202</a:t>
-            </a:r>
-            <a:r>
-              <a:rPr lang="en-US" altLang="ja-JP" dirty="0" smtClean="0">
-                <a:hlinkClick r:id="rId2"/>
-              </a:rPr>
-              <a:t>/</a:t>
-            </a:r>
-            <a:endParaRPr lang="en-US" altLang="ja-JP" dirty="0" smtClean="0"/>
-          </a:p>
-          <a:p>
-            <a:pPr marL="0" indent="0">
-              <a:buNone/>
-            </a:pPr>
-            <a:endParaRPr lang="en-US" altLang="ja-JP" dirty="0">
+            <a:pPr marL="0" indent="0" algn="ctr">
+              <a:buNone/>
+            </a:pPr>
+            <a:endParaRPr lang="en-US" altLang="ja-JP" sz="6000" dirty="0">
               <a:solidFill>
                 <a:srgbClr val="800000"/>
               </a:solidFill>
             </a:endParaRPr>
           </a:p>
           <a:p>
-            <a:pPr marL="0" indent="0">
-              <a:buNone/>
-            </a:pPr>
-            <a:r>
-              <a:rPr lang="ja-JP" altLang="en-US" dirty="0" smtClean="0">
+            <a:pPr marL="457200" lvl="1" indent="0" algn="ctr">
+              <a:buNone/>
+            </a:pPr>
+            <a:r>
+              <a:rPr lang="ja-JP" altLang="en-US" sz="6000" dirty="0" smtClean="0">
                 <a:solidFill>
                   <a:srgbClr val="800000"/>
                 </a:solidFill>
               </a:rPr>
-              <a:t>　　</a:t>
-            </a:r>
-            <a:r>
-              <a:rPr lang="en-US" altLang="ja-JP" dirty="0" smtClean="0">
-                <a:solidFill>
-                  <a:srgbClr val="008000"/>
-                </a:solidFill>
-              </a:rPr>
-              <a:t>※</a:t>
-            </a:r>
-            <a:r>
-              <a:rPr lang="en-US" altLang="ja-JP" dirty="0" err="1" smtClean="0">
-                <a:solidFill>
-                  <a:srgbClr val="008000"/>
-                </a:solidFill>
-              </a:rPr>
-              <a:t>Scala</a:t>
-            </a:r>
-            <a:r>
-              <a:rPr lang="ja-JP" altLang="en-US" dirty="0" smtClean="0">
-                <a:solidFill>
-                  <a:srgbClr val="008000"/>
-                </a:solidFill>
-              </a:rPr>
-              <a:t>未経験でもだいじょうぶ、</a:t>
-            </a:r>
-            <a:endParaRPr lang="en-US" altLang="ja-JP" dirty="0" smtClean="0">
+              <a:t>お知らせ</a:t>
+            </a:r>
+            <a:endParaRPr lang="en-US" altLang="ja-JP" sz="6000" dirty="0" smtClean="0">
               <a:solidFill>
-                <a:srgbClr val="008000"/>
-              </a:solidFill>
-            </a:endParaRPr>
-          </a:p>
-          <a:p>
-            <a:pPr marL="0" indent="0">
-              <a:buNone/>
-            </a:pPr>
-            <a:r>
-              <a:rPr lang="ja-JP" altLang="ja-JP" dirty="0">
-                <a:solidFill>
-                  <a:srgbClr val="008000"/>
-                </a:solidFill>
-              </a:rPr>
-              <a:t>　</a:t>
-            </a:r>
-            <a:r>
-              <a:rPr lang="ja-JP" altLang="en-US" dirty="0" smtClean="0">
-                <a:solidFill>
-                  <a:srgbClr val="008000"/>
-                </a:solidFill>
-              </a:rPr>
-              <a:t>　　　</a:t>
-            </a:r>
-            <a:r>
-              <a:rPr lang="en-US" altLang="ja-JP" dirty="0" err="1" smtClean="0">
-                <a:solidFill>
-                  <a:srgbClr val="008000"/>
-                </a:solidFill>
-              </a:rPr>
-              <a:t>Scala</a:t>
-            </a:r>
-            <a:r>
-              <a:rPr lang="ja-JP" altLang="en-US" dirty="0" smtClean="0">
-                <a:solidFill>
-                  <a:srgbClr val="008000"/>
-                </a:solidFill>
-              </a:rPr>
-              <a:t>プロフェッショナルがすぐそばにいます！</a:t>
-            </a:r>
-            <a:endParaRPr lang="en-US" altLang="ja-JP" dirty="0" smtClean="0">
-              <a:solidFill>
-                <a:srgbClr val="008000"/>
+                <a:srgbClr val="800000"/>
               </a:solidFill>
             </a:endParaRPr>
           </a:p>
@@ -18796,13 +19439,20 @@
     </p:spTree>
     <p:extLst>
       <p:ext uri="{BB962C8B-B14F-4D97-AF65-F5344CB8AC3E}">
-        <p14:creationId xmlns:p14="http://schemas.microsoft.com/office/powerpoint/2010/main" val="2172900680"/>
+        <p14:creationId xmlns:p14="http://schemas.microsoft.com/office/powerpoint/2010/main" val="3323375468"/>
       </p:ext>
     </p:extLst>
   </p:cSld>
   <p:clrMapOvr>
     <a:masterClrMapping/>
   </p:clrMapOvr>
+  <p:timing>
+    <p:tnLst>
+      <p:par>
+        <p:cTn xmlns:p14="http://schemas.microsoft.com/office/powerpoint/2010/main" id="1" dur="indefinite" restart="never" nodeType="tmRoot"/>
+      </p:par>
+    </p:tnLst>
+  </p:timing>
 </p:sld>
 </file>
 
@@ -18839,12 +19489,8 @@
           <a:lstStyle/>
           <a:p>
             <a:r>
-              <a:rPr lang="en-US" altLang="ja-JP" sz="4400" dirty="0" err="1" smtClean="0"/>
-              <a:t>jflute</a:t>
-            </a:r>
-            <a:r>
-              <a:rPr lang="ja-JP" altLang="en-US" sz="4400" dirty="0" smtClean="0"/>
-              <a:t>も勉強中</a:t>
+              <a:rPr lang="ja-JP" altLang="en-US" sz="4400" dirty="0"/>
+              <a:t>ビズリーチでは</a:t>
             </a:r>
             <a:endParaRPr kumimoji="1" lang="ja-JP" altLang="en-US" dirty="0"/>
           </a:p>
@@ -18882,169 +19528,82 @@
               <a:buNone/>
             </a:pPr>
             <a:r>
-              <a:rPr lang="ja-JP" altLang="en-US" sz="3600" dirty="0" smtClean="0"/>
-              <a:t>「</a:t>
-            </a:r>
-            <a:r>
-              <a:rPr lang="en-US" altLang="ja-JP" sz="3600" dirty="0" err="1"/>
-              <a:t>DBFlute</a:t>
-            </a:r>
-            <a:r>
-              <a:rPr lang="en-US" altLang="ja-JP" sz="3600" dirty="0"/>
-              <a:t> on </a:t>
-            </a:r>
-            <a:r>
-              <a:rPr lang="en-US" altLang="ja-JP" sz="3600" dirty="0" err="1"/>
+              <a:rPr lang="ja-JP" altLang="ja-JP" sz="4000" dirty="0"/>
+              <a:t>　</a:t>
+            </a:r>
+            <a:r>
+              <a:rPr lang="ja-JP" altLang="en-US" sz="4000" dirty="0" smtClean="0"/>
+              <a:t>　</a:t>
+            </a:r>
+            <a:r>
+              <a:rPr lang="en-US" altLang="ja-JP" sz="4000" b="1" dirty="0" err="1" smtClean="0"/>
               <a:t>Scala</a:t>
             </a:r>
             <a:r>
-              <a:rPr lang="en-US" altLang="ja-JP" sz="3600" dirty="0"/>
-              <a:t> </a:t>
-            </a:r>
-            <a:r>
-              <a:rPr lang="ja-JP" altLang="en-US" sz="3600" dirty="0"/>
-              <a:t>パイロット版</a:t>
-            </a:r>
-            <a:r>
-              <a:rPr lang="ja-JP" altLang="en-US" sz="3600" dirty="0" smtClean="0"/>
-              <a:t>」</a:t>
-            </a:r>
-            <a:endParaRPr lang="en-US" altLang="ja-JP" sz="3600" dirty="0" smtClean="0"/>
+              <a:rPr lang="ja-JP" altLang="en-US" sz="4000" dirty="0" smtClean="0"/>
+              <a:t>でサービス開発</a:t>
+            </a:r>
+            <a:endParaRPr lang="en-US" altLang="ja-JP" sz="4000" dirty="0" smtClean="0"/>
           </a:p>
           <a:p>
             <a:pPr marL="0" indent="0">
               <a:buNone/>
             </a:pPr>
             <a:r>
-              <a:rPr lang="ja-JP" altLang="en-US" dirty="0" smtClean="0"/>
-              <a:t>　　</a:t>
-            </a:r>
-            <a:r>
-              <a:rPr lang="en-US" altLang="ja-JP" dirty="0">
-                <a:hlinkClick r:id="rId3"/>
-              </a:rPr>
-              <a:t>http://d.hatena.ne.jp/jflute/20140904/</a:t>
-            </a:r>
-            <a:r>
-              <a:rPr lang="en-US" altLang="ja-JP" dirty="0" smtClean="0">
-                <a:hlinkClick r:id="rId3"/>
-              </a:rPr>
-              <a:t>onscala</a:t>
-            </a:r>
-            <a:endParaRPr lang="en-US" altLang="ja-JP" dirty="0" smtClean="0"/>
+              <a:rPr lang="ja-JP" altLang="ja-JP" sz="4000" dirty="0"/>
+              <a:t>　</a:t>
+            </a:r>
+            <a:r>
+              <a:rPr lang="ja-JP" altLang="en-US" sz="4000" dirty="0" smtClean="0"/>
+              <a:t>　　　　　　してみたい方、</a:t>
+            </a:r>
+            <a:endParaRPr lang="en-US" altLang="ja-JP" sz="4000" dirty="0" smtClean="0"/>
           </a:p>
           <a:p>
             <a:pPr marL="0" indent="0">
               <a:buNone/>
             </a:pPr>
-            <a:endParaRPr lang="en-US" altLang="ja-JP" dirty="0">
+            <a:r>
+              <a:rPr lang="ja-JP" altLang="ja-JP" sz="4000" dirty="0"/>
+              <a:t>　</a:t>
+            </a:r>
+            <a:r>
+              <a:rPr lang="ja-JP" altLang="en-US" sz="4000" dirty="0" smtClean="0"/>
+              <a:t>　　　　</a:t>
+            </a:r>
+            <a:r>
+              <a:rPr lang="ja-JP" altLang="en-US" sz="4800" dirty="0" smtClean="0">
+                <a:solidFill>
+                  <a:srgbClr val="800000"/>
+                </a:solidFill>
+              </a:rPr>
+              <a:t>大募集！</a:t>
+            </a:r>
+            <a:endParaRPr lang="en-US" altLang="ja-JP" sz="4800" dirty="0" smtClean="0">
               <a:solidFill>
                 <a:srgbClr val="800000"/>
               </a:solidFill>
             </a:endParaRPr>
           </a:p>
-          <a:p>
-            <a:pPr marL="0" indent="0">
-              <a:buNone/>
-            </a:pPr>
-            <a:r>
-              <a:rPr lang="ja-JP" altLang="en-US" dirty="0" smtClean="0">
-                <a:solidFill>
-                  <a:srgbClr val="800000"/>
-                </a:solidFill>
-              </a:rPr>
-              <a:t>　　</a:t>
-            </a:r>
-            <a:r>
-              <a:rPr lang="en-US" altLang="ja-JP" sz="2000" dirty="0" smtClean="0">
-                <a:solidFill>
-                  <a:srgbClr val="008000"/>
-                </a:solidFill>
-              </a:rPr>
-              <a:t>※ </a:t>
-            </a:r>
-            <a:r>
-              <a:rPr lang="en-US" altLang="ja-JP" sz="2000" dirty="0" smtClean="0">
-                <a:solidFill>
-                  <a:srgbClr val="008000"/>
-                </a:solidFill>
-              </a:rPr>
-              <a:t>(</a:t>
-            </a:r>
-            <a:r>
-              <a:rPr lang="ja-JP" altLang="en-US" sz="2000" dirty="0">
-                <a:solidFill>
-                  <a:srgbClr val="008000"/>
-                </a:solidFill>
-              </a:rPr>
-              <a:t>サイン入り</a:t>
-            </a:r>
-            <a:r>
-              <a:rPr lang="en-US" altLang="ja-JP" sz="2000" dirty="0" smtClean="0">
-                <a:solidFill>
-                  <a:srgbClr val="008000"/>
-                </a:solidFill>
-              </a:rPr>
-              <a:t>)</a:t>
-            </a:r>
-            <a:r>
-              <a:rPr lang="ja-JP" altLang="en-US" sz="2000" dirty="0" smtClean="0">
-                <a:solidFill>
-                  <a:srgbClr val="008000"/>
-                </a:solidFill>
-              </a:rPr>
-              <a:t>「</a:t>
-            </a:r>
-            <a:r>
-              <a:rPr lang="en-US" altLang="ja-JP" sz="2000" dirty="0" err="1" smtClean="0">
-                <a:solidFill>
-                  <a:srgbClr val="008000"/>
-                </a:solidFill>
-              </a:rPr>
-              <a:t>Scala</a:t>
-            </a:r>
-            <a:r>
-              <a:rPr lang="ja-JP" altLang="en-US" sz="2000" dirty="0">
-                <a:solidFill>
-                  <a:srgbClr val="008000"/>
-                </a:solidFill>
-              </a:rPr>
-              <a:t>逆引き</a:t>
-            </a:r>
-            <a:r>
-              <a:rPr lang="ja-JP" altLang="en-US" sz="2000" dirty="0" smtClean="0">
-                <a:solidFill>
-                  <a:srgbClr val="008000"/>
-                </a:solidFill>
-              </a:rPr>
-              <a:t>レシピ</a:t>
-            </a:r>
-            <a:r>
-              <a:rPr lang="ja-JP" altLang="en-US" sz="2000" dirty="0" smtClean="0">
-                <a:solidFill>
-                  <a:srgbClr val="008000"/>
-                </a:solidFill>
-              </a:rPr>
-              <a:t>」が手放せない（＾＾</a:t>
-            </a:r>
-            <a:endParaRPr lang="en-US" altLang="ja-JP" sz="2000" dirty="0" smtClean="0">
-              <a:solidFill>
-                <a:srgbClr val="008000"/>
-              </a:solidFill>
-            </a:endParaRPr>
-          </a:p>
         </p:txBody>
       </p:sp>
     </p:spTree>
     <p:extLst>
       <p:ext uri="{BB962C8B-B14F-4D97-AF65-F5344CB8AC3E}">
-        <p14:creationId xmlns:p14="http://schemas.microsoft.com/office/powerpoint/2010/main" val="2713020151"/>
+        <p14:creationId xmlns:p14="http://schemas.microsoft.com/office/powerpoint/2010/main" val="2275872124"/>
       </p:ext>
     </p:extLst>
   </p:cSld>
   <p:clrMapOvr>
     <a:masterClrMapping/>
   </p:clrMapOvr>
+  <p:timing>
+    <p:tnLst>
+      <p:par>
+        <p:cTn xmlns:p14="http://schemas.microsoft.com/office/powerpoint/2010/main" id="1" dur="indefinite" restart="never" nodeType="tmRoot"/>
+      </p:par>
+    </p:tnLst>
+  </p:timing>
 </p:sld>
 </file>
 
@@ -19081,8 +19640,12 @@
           <a:lstStyle/>
           <a:p>
             <a:r>
+              <a:rPr lang="en-US" altLang="ja-JP" sz="4400" dirty="0" err="1" smtClean="0"/>
+              <a:t>Scala</a:t>
+            </a:r>
+            <a:r>
               <a:rPr lang="ja-JP" altLang="en-US" sz="4400" dirty="0" smtClean="0"/>
-              <a:t>もちろん</a:t>
+              <a:t>の勉強会も活発</a:t>
             </a:r>
             <a:endParaRPr kumimoji="1" lang="ja-JP" altLang="en-US" dirty="0"/>
           </a:p>
@@ -19120,20 +19683,20 @@
               <a:buNone/>
             </a:pPr>
             <a:r>
-              <a:rPr lang="ja-JP" altLang="ja-JP" sz="4000" dirty="0"/>
-              <a:t>　</a:t>
-            </a:r>
-            <a:r>
               <a:rPr lang="ja-JP" altLang="en-US" sz="4000" dirty="0" smtClean="0"/>
-              <a:t>　</a:t>
-            </a:r>
-            <a:r>
-              <a:rPr lang="en-US" altLang="ja-JP" sz="4000" b="1" dirty="0" smtClean="0"/>
-              <a:t>Java</a:t>
+              <a:t>「</a:t>
+            </a:r>
+            <a:r>
+              <a:rPr lang="en-US" altLang="ja-JP" sz="4000" dirty="0" smtClean="0"/>
+              <a:t>Daily </a:t>
+            </a:r>
+            <a:r>
+              <a:rPr lang="en-US" altLang="ja-JP" sz="4000" dirty="0" err="1"/>
+              <a:t>Scala</a:t>
             </a:r>
             <a:r>
               <a:rPr lang="ja-JP" altLang="en-US" sz="4000" dirty="0" smtClean="0"/>
-              <a:t>でサービス開発</a:t>
+              <a:t>始まりました」</a:t>
             </a:r>
             <a:endParaRPr lang="en-US" altLang="ja-JP" sz="4000" dirty="0" smtClean="0"/>
           </a:p>
@@ -19142,53 +19705,142 @@
               <a:buNone/>
             </a:pPr>
             <a:r>
-              <a:rPr lang="ja-JP" altLang="ja-JP" sz="4000" dirty="0"/>
-              <a:t>　</a:t>
-            </a:r>
-            <a:r>
-              <a:rPr lang="ja-JP" altLang="en-US" sz="4000" dirty="0" smtClean="0"/>
-              <a:t>　　　　　　してみたい方も、</a:t>
-            </a:r>
-            <a:endParaRPr lang="en-US" altLang="ja-JP" sz="4000" dirty="0" smtClean="0"/>
+              <a:rPr lang="ja-JP" altLang="en-US" dirty="0" smtClean="0"/>
+              <a:t>　　</a:t>
+            </a:r>
+            <a:r>
+              <a:rPr lang="en-US" altLang="ja-JP" dirty="0" smtClean="0">
+                <a:hlinkClick r:id="rId2"/>
+              </a:rPr>
+              <a:t>https</a:t>
+            </a:r>
+            <a:r>
+              <a:rPr lang="en-US" altLang="ja-JP" dirty="0">
+                <a:hlinkClick r:id="rId2"/>
+              </a:rPr>
+              <a:t>://codebreak.com/blog/shimamoto/page/c58202</a:t>
+            </a:r>
+            <a:r>
+              <a:rPr lang="en-US" altLang="ja-JP" dirty="0" smtClean="0">
+                <a:hlinkClick r:id="rId2"/>
+              </a:rPr>
+              <a:t>/</a:t>
+            </a:r>
+            <a:endParaRPr lang="en-US" altLang="ja-JP" dirty="0" smtClean="0"/>
           </a:p>
           <a:p>
             <a:pPr marL="0" indent="0">
               <a:buNone/>
             </a:pPr>
-            <a:r>
-              <a:rPr lang="ja-JP" altLang="ja-JP" sz="4000" dirty="0"/>
-              <a:t>　</a:t>
-            </a:r>
-            <a:r>
-              <a:rPr lang="ja-JP" altLang="en-US" sz="4000" dirty="0" smtClean="0"/>
-              <a:t>　　　　</a:t>
-            </a:r>
-            <a:r>
-              <a:rPr lang="ja-JP" altLang="en-US" sz="4800" dirty="0" smtClean="0">
-                <a:solidFill>
-                  <a:srgbClr val="800000"/>
-                </a:solidFill>
-              </a:rPr>
-              <a:t>大募集！</a:t>
-            </a:r>
-            <a:endParaRPr lang="en-US" altLang="ja-JP" sz="4800" dirty="0" smtClean="0">
+            <a:endParaRPr lang="en-US" altLang="ja-JP" dirty="0">
               <a:solidFill>
                 <a:srgbClr val="800000"/>
               </a:solidFill>
             </a:endParaRPr>
           </a:p>
+          <a:p>
+            <a:pPr marL="0" indent="0">
+              <a:buNone/>
+            </a:pPr>
+            <a:r>
+              <a:rPr lang="ja-JP" altLang="en-US" dirty="0" smtClean="0">
+                <a:solidFill>
+                  <a:srgbClr val="800000"/>
+                </a:solidFill>
+              </a:rPr>
+              <a:t>　　</a:t>
+            </a:r>
+            <a:r>
+              <a:rPr lang="en-US" altLang="ja-JP" dirty="0" smtClean="0">
+                <a:solidFill>
+                  <a:srgbClr val="008000"/>
+                </a:solidFill>
+              </a:rPr>
+              <a:t>※</a:t>
+            </a:r>
+            <a:r>
+              <a:rPr lang="en-US" altLang="ja-JP" dirty="0" err="1" smtClean="0">
+                <a:solidFill>
+                  <a:srgbClr val="008000"/>
+                </a:solidFill>
+              </a:rPr>
+              <a:t>Scala</a:t>
+            </a:r>
+            <a:r>
+              <a:rPr lang="ja-JP" altLang="en-US" dirty="0" smtClean="0">
+                <a:solidFill>
+                  <a:srgbClr val="008000"/>
+                </a:solidFill>
+              </a:rPr>
+              <a:t>未経験でもだいじょうぶ、</a:t>
+            </a:r>
+            <a:endParaRPr lang="en-US" altLang="ja-JP" dirty="0" smtClean="0">
+              <a:solidFill>
+                <a:srgbClr val="008000"/>
+              </a:solidFill>
+            </a:endParaRPr>
+          </a:p>
+          <a:p>
+            <a:pPr marL="0" indent="0">
+              <a:buNone/>
+            </a:pPr>
+            <a:r>
+              <a:rPr lang="ja-JP" altLang="ja-JP" dirty="0">
+                <a:solidFill>
+                  <a:srgbClr val="008000"/>
+                </a:solidFill>
+              </a:rPr>
+              <a:t>　</a:t>
+            </a:r>
+            <a:r>
+              <a:rPr lang="ja-JP" altLang="en-US" dirty="0" smtClean="0">
+                <a:solidFill>
+                  <a:srgbClr val="008000"/>
+                </a:solidFill>
+              </a:rPr>
+              <a:t>　　　</a:t>
+            </a:r>
+            <a:r>
+              <a:rPr lang="en-US" altLang="ja-JP" dirty="0" err="1" smtClean="0">
+                <a:solidFill>
+                  <a:srgbClr val="008000"/>
+                </a:solidFill>
+              </a:rPr>
+              <a:t>Scala</a:t>
+            </a:r>
+            <a:r>
+              <a:rPr lang="ja-JP" altLang="en-US" dirty="0" smtClean="0">
+                <a:solidFill>
+                  <a:srgbClr val="008000"/>
+                </a:solidFill>
+              </a:rPr>
+              <a:t>プロフェッショナルがすぐそばにいます！</a:t>
+            </a:r>
+            <a:endParaRPr lang="en-US" altLang="ja-JP" dirty="0" smtClean="0">
+              <a:solidFill>
+                <a:srgbClr val="008000"/>
+              </a:solidFill>
+            </a:endParaRPr>
+          </a:p>
         </p:txBody>
       </p:sp>
     </p:spTree>
     <p:extLst>
       <p:ext uri="{BB962C8B-B14F-4D97-AF65-F5344CB8AC3E}">
-        <p14:creationId xmlns:p14="http://schemas.microsoft.com/office/powerpoint/2010/main" val="1313867623"/>
+        <p14:creationId xmlns:p14="http://schemas.microsoft.com/office/powerpoint/2010/main" val="2172900680"/>
       </p:ext>
     </p:extLst>
   </p:cSld>
   <p:clrMapOvr>
     <a:masterClrMapping/>
   </p:clrMapOvr>
+  <p:timing>
+    <p:tnLst>
+      <p:par>
+        <p:cTn xmlns:p14="http://schemas.microsoft.com/office/powerpoint/2010/main" id="1" dur="indefinite" restart="never" nodeType="tmRoot"/>
+      </p:par>
+    </p:tnLst>
+  </p:timing>
 </p:sld>
 </file>
 
@@ -19225,8 +19877,12 @@
           <a:lstStyle/>
           <a:p>
             <a:r>
-              <a:rPr kumimoji="1" lang="ja-JP" altLang="en-US" dirty="0" smtClean="0"/>
-              <a:t>疑問</a:t>
+              <a:rPr lang="en-US" altLang="ja-JP" sz="4400" dirty="0" err="1" smtClean="0"/>
+              <a:t>jflute</a:t>
+            </a:r>
+            <a:r>
+              <a:rPr lang="ja-JP" altLang="en-US" sz="4400" dirty="0" smtClean="0"/>
+              <a:t>も勉強中</a:t>
             </a:r>
             <a:endParaRPr kumimoji="1" lang="ja-JP" altLang="en-US" dirty="0"/>
           </a:p>
@@ -19244,8 +19900,8 @@
         </p:nvSpPr>
         <p:spPr>
           <a:xfrm>
-            <a:off x="556559" y="1735138"/>
-            <a:ext cx="8177155" cy="4056062"/>
+            <a:off x="556560" y="1735138"/>
+            <a:ext cx="8005906" cy="4056062"/>
           </a:xfrm>
         </p:spPr>
         <p:txBody>
@@ -19268,61 +19924,156 @@
               <a:t>「</a:t>
             </a:r>
             <a:r>
-              <a:rPr lang="en-US" altLang="ja-JP" sz="3600" dirty="0" err="1" smtClean="0"/>
+              <a:rPr lang="en-US" altLang="ja-JP" sz="3600" dirty="0" err="1"/>
               <a:t>DBFlute</a:t>
             </a:r>
             <a:r>
-              <a:rPr lang="ja-JP" altLang="en-US" sz="3600" dirty="0" smtClean="0"/>
-              <a:t>なんてまっ</a:t>
-            </a:r>
-            <a:r>
-              <a:rPr lang="ja-JP" altLang="en-US" sz="3600" dirty="0" smtClean="0"/>
-              <a:t>っ</a:t>
+              <a:rPr lang="en-US" altLang="ja-JP" sz="3600" dirty="0"/>
+              <a:t> on </a:t>
+            </a:r>
+            <a:r>
+              <a:rPr lang="en-US" altLang="ja-JP" sz="3600" dirty="0" err="1"/>
+              <a:t>Scala</a:t>
+            </a:r>
+            <a:r>
+              <a:rPr lang="en-US" altLang="ja-JP" sz="3600" dirty="0"/>
+              <a:t> </a:t>
             </a:r>
             <a:r>
               <a:rPr lang="ja-JP" altLang="en-US" sz="3600" dirty="0"/>
-              <a:t>っ</a:t>
-            </a:r>
-            <a:r>
-              <a:rPr lang="ja-JP" altLang="en-US" sz="3600" dirty="0" smtClean="0"/>
-              <a:t>たく、</a:t>
-            </a:r>
-            <a:endParaRPr lang="en-US" altLang="ja-JP" sz="3600" dirty="0" smtClean="0"/>
-          </a:p>
-          <a:p>
-            <a:pPr marL="0" indent="0">
-              <a:buNone/>
-            </a:pPr>
-            <a:r>
-              <a:rPr lang="ja-JP" altLang="ja-JP" sz="3600" dirty="0"/>
-              <a:t>　</a:t>
-            </a:r>
-            <a:r>
-              <a:rPr lang="ja-JP" altLang="en-US" sz="3600" dirty="0" smtClean="0"/>
-              <a:t>　　　　知らないんですけど</a:t>
-            </a:r>
-            <a:r>
-              <a:rPr lang="en-US" altLang="ja-JP" sz="3600" dirty="0" smtClean="0"/>
-              <a:t>…</a:t>
+              <a:t>パイロット版</a:t>
             </a:r>
             <a:r>
               <a:rPr lang="ja-JP" altLang="en-US" sz="3600" dirty="0" smtClean="0"/>
               <a:t>」</a:t>
             </a:r>
             <a:endParaRPr lang="en-US" altLang="ja-JP" sz="3600" dirty="0" smtClean="0"/>
+          </a:p>
+          <a:p>
+            <a:pPr marL="0" indent="0">
+              <a:buNone/>
+            </a:pPr>
+            <a:r>
+              <a:rPr lang="ja-JP" altLang="en-US" dirty="0" smtClean="0"/>
+              <a:t>　　</a:t>
+            </a:r>
+            <a:r>
+              <a:rPr lang="en-US" altLang="ja-JP" dirty="0">
+                <a:hlinkClick r:id="rId3"/>
+              </a:rPr>
+              <a:t>http://d.hatena.ne.jp/jflute/20140904/</a:t>
+            </a:r>
+            <a:r>
+              <a:rPr lang="en-US" altLang="ja-JP" dirty="0" smtClean="0">
+                <a:hlinkClick r:id="rId3"/>
+              </a:rPr>
+              <a:t>onscala</a:t>
+            </a:r>
+            <a:endParaRPr lang="en-US" altLang="ja-JP" dirty="0" smtClean="0"/>
+          </a:p>
+          <a:p>
+            <a:pPr marL="0" indent="0">
+              <a:buNone/>
+            </a:pPr>
+            <a:endParaRPr lang="en-US" altLang="ja-JP" dirty="0">
+              <a:solidFill>
+                <a:srgbClr val="800000"/>
+              </a:solidFill>
+            </a:endParaRPr>
+          </a:p>
+          <a:p>
+            <a:pPr marL="0" indent="0">
+              <a:buNone/>
+            </a:pPr>
+            <a:r>
+              <a:rPr lang="ja-JP" altLang="en-US" dirty="0" smtClean="0">
+                <a:solidFill>
+                  <a:srgbClr val="800000"/>
+                </a:solidFill>
+              </a:rPr>
+              <a:t>　　</a:t>
+            </a:r>
+            <a:r>
+              <a:rPr lang="en-US" altLang="ja-JP" sz="2000" dirty="0" smtClean="0">
+                <a:solidFill>
+                  <a:srgbClr val="008000"/>
+                </a:solidFill>
+              </a:rPr>
+              <a:t>※ (</a:t>
+            </a:r>
+            <a:r>
+              <a:rPr lang="ja-JP" altLang="en-US" sz="2000" dirty="0">
+                <a:solidFill>
+                  <a:srgbClr val="008000"/>
+                </a:solidFill>
+              </a:rPr>
+              <a:t>サイン入り</a:t>
+            </a:r>
+            <a:r>
+              <a:rPr lang="en-US" altLang="ja-JP" sz="2000" dirty="0" smtClean="0">
+                <a:solidFill>
+                  <a:srgbClr val="008000"/>
+                </a:solidFill>
+              </a:rPr>
+              <a:t>)</a:t>
+            </a:r>
+            <a:r>
+              <a:rPr lang="ja-JP" altLang="en-US" sz="2000" dirty="0" smtClean="0">
+                <a:solidFill>
+                  <a:srgbClr val="008000"/>
+                </a:solidFill>
+              </a:rPr>
+              <a:t>「</a:t>
+            </a:r>
+            <a:r>
+              <a:rPr lang="en-US" altLang="ja-JP" sz="2000" dirty="0" err="1" smtClean="0">
+                <a:solidFill>
+                  <a:srgbClr val="008000"/>
+                </a:solidFill>
+              </a:rPr>
+              <a:t>Scala</a:t>
+            </a:r>
+            <a:r>
+              <a:rPr lang="ja-JP" altLang="en-US" sz="2000" dirty="0">
+                <a:solidFill>
+                  <a:srgbClr val="008000"/>
+                </a:solidFill>
+              </a:rPr>
+              <a:t>逆引き</a:t>
+            </a:r>
+            <a:r>
+              <a:rPr lang="ja-JP" altLang="en-US" sz="2000" dirty="0" smtClean="0">
+                <a:solidFill>
+                  <a:srgbClr val="008000"/>
+                </a:solidFill>
+              </a:rPr>
+              <a:t>レシピ」が手放せない（＾＾</a:t>
+            </a:r>
+            <a:endParaRPr lang="en-US" altLang="ja-JP" sz="2000" dirty="0" smtClean="0">
+              <a:solidFill>
+                <a:srgbClr val="008000"/>
+              </a:solidFill>
+            </a:endParaRPr>
           </a:p>
         </p:txBody>
       </p:sp>
     </p:spTree>
     <p:extLst>
       <p:ext uri="{BB962C8B-B14F-4D97-AF65-F5344CB8AC3E}">
-        <p14:creationId xmlns:p14="http://schemas.microsoft.com/office/powerpoint/2010/main" val="536564164"/>
+        <p14:creationId xmlns:p14="http://schemas.microsoft.com/office/powerpoint/2010/main" val="2713020151"/>
       </p:ext>
     </p:extLst>
   </p:cSld>
   <p:clrMapOvr>
     <a:masterClrMapping/>
   </p:clrMapOvr>
+  <p:timing>
+    <p:tnLst>
+      <p:par>
+        <p:cTn xmlns:p14="http://schemas.microsoft.com/office/powerpoint/2010/main" id="1" dur="indefinite" restart="never" nodeType="tmRoot"/>
+      </p:par>
+    </p:tnLst>
+  </p:timing>
 </p:sld>
 </file>
 
@@ -19359,8 +20110,8 @@
           <a:lstStyle/>
           <a:p>
             <a:r>
-              <a:rPr lang="ja-JP" altLang="en-US" dirty="0" smtClean="0"/>
-              <a:t>回答</a:t>
+              <a:rPr lang="ja-JP" altLang="en-US" sz="4400" dirty="0" smtClean="0"/>
+              <a:t>もちろん</a:t>
             </a:r>
             <a:endParaRPr kumimoji="1" lang="ja-JP" altLang="en-US" dirty="0"/>
           </a:p>
@@ -19378,8 +20129,8 @@
         </p:nvSpPr>
         <p:spPr>
           <a:xfrm>
-            <a:off x="556559" y="1735138"/>
-            <a:ext cx="8177155" cy="4056062"/>
+            <a:off x="556560" y="1735138"/>
+            <a:ext cx="8005906" cy="4056062"/>
           </a:xfrm>
         </p:spPr>
         <p:txBody>
@@ -19398,41 +20149,82 @@
               <a:buNone/>
             </a:pPr>
             <a:r>
-              <a:rPr lang="ja-JP" altLang="en-US" sz="3600" dirty="0" smtClean="0"/>
-              <a:t>　</a:t>
-            </a:r>
-            <a:r>
-              <a:rPr lang="ja-JP" altLang="en-US" sz="4000" dirty="0" smtClean="0"/>
-              <a:t>「知ってたら、</a:t>
-            </a:r>
-            <a:endParaRPr lang="en-US" altLang="ja-JP" sz="4000" dirty="0" smtClean="0"/>
-          </a:p>
-          <a:p>
-            <a:pPr marL="0" indent="0">
-              <a:buNone/>
-            </a:pPr>
-            <a:r>
               <a:rPr lang="ja-JP" altLang="ja-JP" sz="4000" dirty="0"/>
               <a:t>　</a:t>
             </a:r>
             <a:r>
               <a:rPr lang="ja-JP" altLang="en-US" sz="4000" dirty="0" smtClean="0"/>
-              <a:t>　　　　ビックリしますよぅ」</a:t>
+              <a:t>　</a:t>
+            </a:r>
+            <a:r>
+              <a:rPr lang="en-US" altLang="ja-JP" sz="4000" b="1" dirty="0" smtClean="0"/>
+              <a:t>Java</a:t>
+            </a:r>
+            <a:r>
+              <a:rPr lang="ja-JP" altLang="en-US" sz="4000" dirty="0" smtClean="0"/>
+              <a:t>でサービス開発</a:t>
             </a:r>
             <a:endParaRPr lang="en-US" altLang="ja-JP" sz="4000" dirty="0" smtClean="0"/>
+          </a:p>
+          <a:p>
+            <a:pPr marL="0" indent="0">
+              <a:buNone/>
+            </a:pPr>
+            <a:r>
+              <a:rPr lang="ja-JP" altLang="ja-JP" sz="4000" dirty="0"/>
+              <a:t>　</a:t>
+            </a:r>
+            <a:r>
+              <a:rPr lang="ja-JP" altLang="en-US" sz="4000" dirty="0" smtClean="0"/>
+              <a:t>　　　　　　してみたい方も、</a:t>
+            </a:r>
+            <a:endParaRPr lang="en-US" altLang="ja-JP" sz="4000" dirty="0" smtClean="0"/>
+          </a:p>
+          <a:p>
+            <a:pPr marL="0" indent="0">
+              <a:buNone/>
+            </a:pPr>
+            <a:r>
+              <a:rPr lang="ja-JP" altLang="ja-JP" sz="4000" dirty="0"/>
+              <a:t>　</a:t>
+            </a:r>
+            <a:r>
+              <a:rPr lang="ja-JP" altLang="en-US" sz="4000" dirty="0" smtClean="0"/>
+              <a:t>　　　　</a:t>
+            </a:r>
+            <a:r>
+              <a:rPr lang="ja-JP" altLang="en-US" sz="4800" dirty="0" smtClean="0">
+                <a:solidFill>
+                  <a:srgbClr val="800000"/>
+                </a:solidFill>
+              </a:rPr>
+              <a:t>大募集！</a:t>
+            </a:r>
+            <a:endParaRPr lang="en-US" altLang="ja-JP" sz="4800" dirty="0" smtClean="0">
+              <a:solidFill>
+                <a:srgbClr val="800000"/>
+              </a:solidFill>
+            </a:endParaRPr>
           </a:p>
         </p:txBody>
       </p:sp>
     </p:spTree>
     <p:extLst>
       <p:ext uri="{BB962C8B-B14F-4D97-AF65-F5344CB8AC3E}">
-        <p14:creationId xmlns:p14="http://schemas.microsoft.com/office/powerpoint/2010/main" val="336713431"/>
+        <p14:creationId xmlns:p14="http://schemas.microsoft.com/office/powerpoint/2010/main" val="1313867623"/>
       </p:ext>
     </p:extLst>
   </p:cSld>
   <p:clrMapOvr>
     <a:masterClrMapping/>
   </p:clrMapOvr>
+  <p:timing>
+    <p:tnLst>
+      <p:par>
+        <p:cTn xmlns:p14="http://schemas.microsoft.com/office/powerpoint/2010/main" id="1" dur="indefinite" restart="never" nodeType="tmRoot"/>
+      </p:par>
+    </p:tnLst>
+  </p:timing>
 </p:sld>
 </file>
 
@@ -19469,12 +20261,8 @@
           <a:lstStyle/>
           <a:p>
             <a:r>
-              <a:rPr lang="en-US" altLang="ja-JP" sz="4400" dirty="0" err="1" smtClean="0"/>
-              <a:t>DBFlute</a:t>
-            </a:r>
-            <a:r>
-              <a:rPr lang="ja-JP" altLang="en-US" sz="4400" dirty="0" smtClean="0"/>
-              <a:t>ハンズオン！</a:t>
+              <a:rPr kumimoji="1" lang="ja-JP" altLang="en-US" dirty="0" smtClean="0"/>
+              <a:t>疑問</a:t>
             </a:r>
             <a:endParaRPr kumimoji="1" lang="ja-JP" altLang="en-US" dirty="0"/>
           </a:p>
@@ -19493,7 +20281,7 @@
         <p:spPr>
           <a:xfrm>
             <a:off x="556559" y="1735138"/>
-            <a:ext cx="8134343" cy="4056062"/>
+            <a:ext cx="8177155" cy="4056062"/>
           </a:xfrm>
         </p:spPr>
         <p:txBody>
@@ -19505,7 +20293,7 @@
             <a:pPr marL="0" indent="0">
               <a:buNone/>
             </a:pPr>
-            <a:endParaRPr lang="en-US" altLang="ja-JP" dirty="0" smtClean="0"/>
+            <a:endParaRPr lang="en-US" altLang="ja-JP" sz="4000" dirty="0" smtClean="0"/>
           </a:p>
           <a:p>
             <a:pPr marL="0" indent="0">
@@ -19513,7 +20301,23 @@
             </a:pPr>
             <a:r>
               <a:rPr lang="ja-JP" altLang="en-US" sz="3600" dirty="0" smtClean="0"/>
-              <a:t>　新卒だけでなく、</a:t>
+              <a:t>「</a:t>
+            </a:r>
+            <a:r>
+              <a:rPr lang="en-US" altLang="ja-JP" sz="3600" dirty="0" err="1" smtClean="0"/>
+              <a:t>DBFlute</a:t>
+            </a:r>
+            <a:r>
+              <a:rPr lang="ja-JP" altLang="en-US" sz="3600" dirty="0" smtClean="0"/>
+              <a:t>なんてまっっ</a:t>
+            </a:r>
+            <a:r>
+              <a:rPr lang="ja-JP" altLang="en-US" sz="3600" dirty="0"/>
+              <a:t>っ</a:t>
+            </a:r>
+            <a:r>
+              <a:rPr lang="ja-JP" altLang="en-US" sz="3600" dirty="0" smtClean="0"/>
+              <a:t>たく、</a:t>
             </a:r>
             <a:endParaRPr lang="en-US" altLang="ja-JP" sz="3600" dirty="0" smtClean="0"/>
           </a:p>
@@ -19522,191 +20326,42 @@
               <a:buNone/>
             </a:pPr>
             <a:r>
-              <a:rPr lang="ja-JP" altLang="ja-JP" sz="3600" dirty="0" smtClean="0"/>
+              <a:rPr lang="ja-JP" altLang="ja-JP" sz="3600" dirty="0"/>
               <a:t>　</a:t>
             </a:r>
             <a:r>
               <a:rPr lang="ja-JP" altLang="en-US" sz="3600" dirty="0" smtClean="0"/>
-              <a:t>　中途の方もしっかり研修制度あり</a:t>
+              <a:t>　　　　知らないんですけど</a:t>
+            </a:r>
+            <a:r>
+              <a:rPr lang="en-US" altLang="ja-JP" sz="3600" dirty="0" smtClean="0"/>
+              <a:t>…</a:t>
+            </a:r>
+            <a:r>
+              <a:rPr lang="ja-JP" altLang="en-US" sz="3600" dirty="0" smtClean="0"/>
+              <a:t>」</a:t>
             </a:r>
             <a:endParaRPr lang="en-US" altLang="ja-JP" sz="3600" dirty="0" smtClean="0"/>
-          </a:p>
-          <a:p>
-            <a:pPr marL="0" indent="0">
-              <a:buNone/>
-            </a:pPr>
-            <a:r>
-              <a:rPr lang="ja-JP" altLang="en-US" dirty="0" smtClean="0">
-                <a:solidFill>
-                  <a:srgbClr val="800000"/>
-                </a:solidFill>
-              </a:rPr>
-              <a:t>　　</a:t>
-            </a:r>
-            <a:r>
-              <a:rPr lang="is-IS" altLang="ja-JP" dirty="0">
-                <a:solidFill>
-                  <a:srgbClr val="800000"/>
-                </a:solidFill>
-                <a:hlinkClick r:id="rId2"/>
-              </a:rPr>
-              <a:t>http://d.hatena.ne.jp/jflute/20130602/</a:t>
-            </a:r>
-            <a:r>
-              <a:rPr lang="is-IS" altLang="ja-JP" dirty="0" smtClean="0">
-                <a:solidFill>
-                  <a:srgbClr val="800000"/>
-                </a:solidFill>
-                <a:hlinkClick r:id="rId2"/>
-              </a:rPr>
-              <a:t>1370192962</a:t>
-            </a:r>
-            <a:endParaRPr lang="en-US" altLang="ja-JP" dirty="0" smtClean="0">
-              <a:solidFill>
-                <a:srgbClr val="800000"/>
-              </a:solidFill>
-            </a:endParaRPr>
-          </a:p>
-          <a:p>
-            <a:pPr marL="0" indent="0">
-              <a:buNone/>
-            </a:pPr>
-            <a:r>
-              <a:rPr lang="ja-JP" altLang="en-US" dirty="0" smtClean="0">
-                <a:solidFill>
-                  <a:srgbClr val="008000"/>
-                </a:solidFill>
-              </a:rPr>
-              <a:t>　　</a:t>
-            </a:r>
-            <a:r>
-              <a:rPr lang="en-US" altLang="ja-JP" dirty="0" smtClean="0">
-                <a:solidFill>
-                  <a:srgbClr val="008000"/>
-                </a:solidFill>
-              </a:rPr>
-              <a:t>※</a:t>
-            </a:r>
-            <a:r>
-              <a:rPr lang="ja-JP" altLang="en-US" dirty="0">
-                <a:solidFill>
-                  <a:srgbClr val="008000"/>
-                </a:solidFill>
-              </a:rPr>
-              <a:t>現社員</a:t>
-            </a:r>
-            <a:r>
-              <a:rPr lang="ja-JP" altLang="en-US" dirty="0" smtClean="0">
-                <a:solidFill>
-                  <a:srgbClr val="008000"/>
-                </a:solidFill>
-              </a:rPr>
-              <a:t>、</a:t>
-            </a:r>
-            <a:r>
-              <a:rPr lang="ja-JP" altLang="en-US" dirty="0" smtClean="0">
-                <a:solidFill>
-                  <a:srgbClr val="008000"/>
-                </a:solidFill>
-              </a:rPr>
-              <a:t>ほぼ</a:t>
-            </a:r>
-            <a:r>
-              <a:rPr lang="ja-JP" altLang="en-US" dirty="0" smtClean="0">
-                <a:solidFill>
-                  <a:srgbClr val="008000"/>
-                </a:solidFill>
-              </a:rPr>
-              <a:t>みんな</a:t>
-            </a:r>
-            <a:r>
-              <a:rPr lang="en-US" altLang="ja-JP" dirty="0" err="1" smtClean="0">
-                <a:solidFill>
-                  <a:srgbClr val="008000"/>
-                </a:solidFill>
-              </a:rPr>
-              <a:t>DBFlute</a:t>
-            </a:r>
-            <a:r>
-              <a:rPr lang="ja-JP" altLang="en-US" dirty="0" smtClean="0">
-                <a:solidFill>
-                  <a:srgbClr val="008000"/>
-                </a:solidFill>
-              </a:rPr>
-              <a:t>初めて</a:t>
-            </a:r>
-            <a:r>
-              <a:rPr lang="ja-JP" altLang="en-US" dirty="0" smtClean="0">
-                <a:solidFill>
-                  <a:srgbClr val="008000"/>
-                </a:solidFill>
-              </a:rPr>
-              <a:t>の状態</a:t>
-            </a:r>
-            <a:r>
-              <a:rPr lang="ja-JP" altLang="en-US" dirty="0" smtClean="0">
-                <a:solidFill>
-                  <a:srgbClr val="008000"/>
-                </a:solidFill>
-              </a:rPr>
-              <a:t>から</a:t>
-            </a:r>
-            <a:r>
-              <a:rPr lang="en-US" altLang="ja-JP" dirty="0" smtClean="0">
-                <a:solidFill>
-                  <a:srgbClr val="008000"/>
-                </a:solidFill>
-              </a:rPr>
-              <a:t>				</a:t>
-            </a:r>
-            <a:r>
-              <a:rPr lang="ja-JP" altLang="en-US" dirty="0" smtClean="0">
-                <a:solidFill>
-                  <a:srgbClr val="008000"/>
-                </a:solidFill>
-              </a:rPr>
-              <a:t>プロフェッショナル</a:t>
-            </a:r>
-            <a:r>
-              <a:rPr lang="ja-JP" altLang="en-US" dirty="0">
-                <a:solidFill>
-                  <a:srgbClr val="008000"/>
-                </a:solidFill>
-              </a:rPr>
-              <a:t>に</a:t>
-            </a:r>
-            <a:r>
-              <a:rPr lang="ja-JP" altLang="en-US" dirty="0"/>
-              <a:t>　　</a:t>
-            </a:r>
-            <a:endParaRPr lang="en-US" altLang="ja-JP" dirty="0">
-              <a:solidFill>
-                <a:srgbClr val="800000"/>
-              </a:solidFill>
-            </a:endParaRPr>
-          </a:p>
-          <a:p>
-            <a:pPr marL="0" indent="0">
-              <a:buNone/>
-            </a:pPr>
-            <a:endParaRPr lang="en-US" altLang="ja-JP" dirty="0" smtClean="0">
-              <a:solidFill>
-                <a:srgbClr val="008000"/>
-              </a:solidFill>
-            </a:endParaRPr>
           </a:p>
         </p:txBody>
       </p:sp>
     </p:spTree>
     <p:extLst>
       <p:ext uri="{BB962C8B-B14F-4D97-AF65-F5344CB8AC3E}">
-        <p14:creationId xmlns:p14="http://schemas.microsoft.com/office/powerpoint/2010/main" val="4225921158"/>
+        <p14:creationId xmlns:p14="http://schemas.microsoft.com/office/powerpoint/2010/main" val="536564164"/>
       </p:ext>
     </p:extLst>
   </p:cSld>
   <p:clrMapOvr>
     <a:masterClrMapping/>
   </p:clrMapOvr>
+  <p:timing>
+    <p:tnLst>
+      <p:par>
+        <p:cTn xmlns:p14="http://schemas.microsoft.com/office/powerpoint/2010/main" id="1" dur="indefinite" restart="never" nodeType="tmRoot"/>
+      </p:par>
+    </p:tnLst>
+  </p:timing>
 </p:sld>
 </file>
 
@@ -19797,15 +20452,7 @@
                   <a:srgbClr val="008000"/>
                 </a:solidFill>
               </a:rPr>
-              <a:t>巨人</a:t>
-            </a:r>
-            <a:r>
-              <a:rPr lang="ja-JP" altLang="en-US" dirty="0" smtClean="0">
-                <a:solidFill>
-                  <a:srgbClr val="008000"/>
-                </a:solidFill>
-              </a:rPr>
-              <a:t>プロジェクト</a:t>
+              <a:t>巨人プロジェクト</a:t>
             </a:r>
             <a:endParaRPr lang="en-US" altLang="ja-JP" dirty="0" smtClean="0">
               <a:solidFill>
@@ -19887,6 +20534,13 @@
   <p:clrMapOvr>
     <a:masterClrMapping/>
   </p:clrMapOvr>
+  <p:timing>
+    <p:tnLst>
+      <p:par>
+        <p:cTn xmlns:p14="http://schemas.microsoft.com/office/powerpoint/2010/main" id="1" dur="indefinite" restart="never" nodeType="tmRoot"/>
+      </p:par>
+    </p:tnLst>
+  </p:timing>
 </p:sld>
 </file>
 
@@ -19923,8 +20577,8 @@
           <a:lstStyle/>
           <a:p>
             <a:r>
-              <a:rPr kumimoji="1" lang="ja-JP" altLang="en-US" dirty="0" smtClean="0"/>
-              <a:t>お知らせ</a:t>
+              <a:rPr lang="ja-JP" altLang="en-US" dirty="0" smtClean="0"/>
+              <a:t>回答</a:t>
             </a:r>
             <a:endParaRPr kumimoji="1" lang="ja-JP" altLang="en-US" dirty="0"/>
           </a:p>
@@ -19943,7 +20597,7 @@
         <p:spPr>
           <a:xfrm>
             <a:off x="556559" y="1735138"/>
-            <a:ext cx="8134343" cy="4056062"/>
+            <a:ext cx="8177155" cy="4056062"/>
           </a:xfrm>
         </p:spPr>
         <p:txBody>
@@ -19955,7 +20609,7 @@
             <a:pPr marL="0" indent="0">
               <a:buNone/>
             </a:pPr>
-            <a:endParaRPr lang="en-US" altLang="ja-JP" dirty="0" smtClean="0"/>
+            <a:endParaRPr lang="en-US" altLang="ja-JP" sz="4000" dirty="0" smtClean="0"/>
           </a:p>
           <a:p>
             <a:pPr marL="0" indent="0">
@@ -19963,134 +20617,47 @@
             </a:pPr>
             <a:r>
               <a:rPr lang="ja-JP" altLang="en-US" sz="3600" dirty="0" smtClean="0"/>
-              <a:t>　１１月２２日（土）</a:t>
-            </a:r>
-            <a:endParaRPr lang="en-US" altLang="ja-JP" sz="3600" dirty="0" smtClean="0"/>
+              <a:t>　</a:t>
+            </a:r>
+            <a:r>
+              <a:rPr lang="ja-JP" altLang="en-US" sz="4000" dirty="0" smtClean="0"/>
+              <a:t>「知ってたら、</a:t>
+            </a:r>
+            <a:endParaRPr lang="en-US" altLang="ja-JP" sz="4000" dirty="0" smtClean="0"/>
           </a:p>
           <a:p>
             <a:pPr marL="0" indent="0">
               <a:buNone/>
             </a:pPr>
             <a:r>
-              <a:rPr lang="ja-JP" altLang="ja-JP" sz="3600" dirty="0" smtClean="0"/>
+              <a:rPr lang="ja-JP" altLang="ja-JP" sz="4000" dirty="0"/>
               <a:t>　</a:t>
             </a:r>
             <a:r>
-              <a:rPr lang="ja-JP" altLang="en-US" sz="3600" dirty="0" smtClean="0"/>
-              <a:t>　ビズリーチガーデンにて、</a:t>
-            </a:r>
-            <a:endParaRPr lang="en-US" altLang="ja-JP" sz="3600" dirty="0" smtClean="0"/>
-          </a:p>
-          <a:p>
-            <a:pPr marL="0" indent="0">
-              <a:buNone/>
-            </a:pPr>
-            <a:r>
-              <a:rPr lang="ja-JP" altLang="ja-JP" sz="3600" dirty="0"/>
-              <a:t>　</a:t>
-            </a:r>
-            <a:r>
-              <a:rPr lang="ja-JP" altLang="en-US" sz="3600" dirty="0" smtClean="0"/>
-              <a:t>　　</a:t>
-            </a:r>
-            <a:r>
-              <a:rPr lang="en-US" altLang="ja-JP" sz="4800" b="1" dirty="0" err="1" smtClean="0">
-                <a:solidFill>
-                  <a:srgbClr val="800000"/>
-                </a:solidFill>
-              </a:rPr>
-              <a:t>DBFlute</a:t>
-            </a:r>
-            <a:r>
-              <a:rPr lang="ja-JP" altLang="en-US" sz="4800" b="1" dirty="0" smtClean="0">
-                <a:solidFill>
-                  <a:srgbClr val="800000"/>
-                </a:solidFill>
-              </a:rPr>
-              <a:t>フェス</a:t>
-            </a:r>
-            <a:r>
-              <a:rPr lang="ja-JP" altLang="en-US" sz="3600" dirty="0" smtClean="0"/>
-              <a:t>やります！</a:t>
-            </a:r>
-            <a:endParaRPr lang="en-US" altLang="ja-JP" sz="3600" dirty="0" smtClean="0"/>
-          </a:p>
-          <a:p>
-            <a:pPr marL="0" indent="0">
-              <a:buNone/>
-            </a:pPr>
-            <a:r>
-              <a:rPr lang="ja-JP" altLang="en-US" dirty="0" smtClean="0">
-                <a:solidFill>
-                  <a:srgbClr val="800000"/>
-                </a:solidFill>
-              </a:rPr>
-              <a:t>　　</a:t>
-            </a:r>
-            <a:r>
-              <a:rPr lang="en-US" altLang="ja-JP" dirty="0">
-                <a:solidFill>
-                  <a:srgbClr val="800000"/>
-                </a:solidFill>
-                <a:hlinkClick r:id="rId3"/>
-              </a:rPr>
-              <a:t>http://</a:t>
-            </a:r>
-            <a:r>
-              <a:rPr lang="en-US" altLang="ja-JP" dirty="0" err="1">
-                <a:solidFill>
-                  <a:srgbClr val="800000"/>
-                </a:solidFill>
-                <a:hlinkClick r:id="rId3"/>
-              </a:rPr>
-              <a:t>connpass.com</a:t>
-            </a:r>
-            <a:r>
-              <a:rPr lang="en-US" altLang="ja-JP" dirty="0">
-                <a:solidFill>
-                  <a:srgbClr val="800000"/>
-                </a:solidFill>
-                <a:hlinkClick r:id="rId3"/>
-              </a:rPr>
-              <a:t>/event/9544</a:t>
-            </a:r>
-            <a:r>
-              <a:rPr lang="en-US" altLang="ja-JP" dirty="0" smtClean="0">
-                <a:solidFill>
-                  <a:srgbClr val="800000"/>
-                </a:solidFill>
-                <a:hlinkClick r:id="rId3"/>
-              </a:rPr>
-              <a:t>/</a:t>
-            </a:r>
-            <a:endParaRPr lang="en-US" altLang="ja-JP" dirty="0" smtClean="0">
-              <a:solidFill>
-                <a:srgbClr val="800000"/>
-              </a:solidFill>
-            </a:endParaRPr>
-          </a:p>
-          <a:p>
-            <a:pPr marL="0" indent="0">
-              <a:buNone/>
-            </a:pPr>
-            <a:endParaRPr lang="en-US" altLang="ja-JP" dirty="0" smtClean="0">
-              <a:solidFill>
-                <a:srgbClr val="800000"/>
-              </a:solidFill>
-            </a:endParaRPr>
+              <a:rPr lang="ja-JP" altLang="en-US" sz="4000" dirty="0" smtClean="0"/>
+              <a:t>　　　　ビックリしますよぅ」</a:t>
+            </a:r>
+            <a:endParaRPr lang="en-US" altLang="ja-JP" sz="4000" dirty="0" smtClean="0"/>
           </a:p>
         </p:txBody>
       </p:sp>
     </p:spTree>
     <p:extLst>
       <p:ext uri="{BB962C8B-B14F-4D97-AF65-F5344CB8AC3E}">
-        <p14:creationId xmlns:p14="http://schemas.microsoft.com/office/powerpoint/2010/main" val="3985910753"/>
+        <p14:creationId xmlns:p14="http://schemas.microsoft.com/office/powerpoint/2010/main" val="336713431"/>
       </p:ext>
     </p:extLst>
   </p:cSld>
   <p:clrMapOvr>
     <a:masterClrMapping/>
   </p:clrMapOvr>
+  <p:timing>
+    <p:tnLst>
+      <p:par>
+        <p:cTn xmlns:p14="http://schemas.microsoft.com/office/powerpoint/2010/main" id="1" dur="indefinite" restart="never" nodeType="tmRoot"/>
+      </p:par>
+    </p:tnLst>
+  </p:timing>
 </p:sld>
 </file>
 
@@ -20127,8 +20694,12 @@
           <a:lstStyle/>
           <a:p>
             <a:r>
-              <a:rPr kumimoji="1" lang="ja-JP" altLang="en-US" dirty="0" smtClean="0"/>
-              <a:t>まとめ</a:t>
+              <a:rPr lang="en-US" altLang="ja-JP" sz="4400" dirty="0" err="1" smtClean="0"/>
+              <a:t>DBFlute</a:t>
+            </a:r>
+            <a:r>
+              <a:rPr lang="ja-JP" altLang="en-US" sz="4400" dirty="0" smtClean="0"/>
+              <a:t>ハンズオン！</a:t>
             </a:r>
             <a:endParaRPr kumimoji="1" lang="ja-JP" altLang="en-US" dirty="0"/>
           </a:p>
@@ -20167,15 +20738,21 @@
             </a:pPr>
             <a:r>
               <a:rPr lang="ja-JP" altLang="en-US" sz="3600" dirty="0" smtClean="0"/>
+              <a:t>　新卒だけでなく、</a:t>
+            </a:r>
+            <a:endParaRPr lang="en-US" altLang="ja-JP" sz="3600" dirty="0" smtClean="0"/>
+          </a:p>
+          <a:p>
+            <a:pPr marL="0" indent="0">
+              <a:buNone/>
+            </a:pPr>
+            <a:r>
+              <a:rPr lang="ja-JP" altLang="ja-JP" sz="3600" dirty="0" smtClean="0"/>
               <a:t>　</a:t>
             </a:r>
             <a:r>
-              <a:rPr lang="en-US" altLang="ja-JP" sz="3600" dirty="0" smtClean="0"/>
-              <a:t>DB</a:t>
-            </a:r>
-            <a:r>
               <a:rPr lang="ja-JP" altLang="en-US" sz="3600" dirty="0" smtClean="0"/>
-              <a:t>変更から逃げずに、</a:t>
+              <a:t>　中途の方もしっかり研修制度あり</a:t>
             </a:r>
             <a:endParaRPr lang="en-US" altLang="ja-JP" sz="3600" dirty="0" smtClean="0"/>
           </a:p>
@@ -20184,41 +20761,152 @@
               <a:buNone/>
             </a:pPr>
             <a:r>
-              <a:rPr lang="ja-JP" altLang="ja-JP" sz="3600" dirty="0"/>
-              <a:t>　</a:t>
-            </a:r>
-            <a:r>
-              <a:rPr lang="ja-JP" altLang="en-US" sz="3600" dirty="0" smtClean="0"/>
-              <a:t>　ビジネスと向き合うための、</a:t>
-            </a:r>
-            <a:endParaRPr lang="en-US" altLang="ja-JP" sz="3600" dirty="0" smtClean="0"/>
+              <a:rPr lang="ja-JP" altLang="en-US" dirty="0" smtClean="0">
+                <a:solidFill>
+                  <a:srgbClr val="800000"/>
+                </a:solidFill>
+              </a:rPr>
+              <a:t>　　</a:t>
+            </a:r>
+            <a:r>
+              <a:rPr lang="is-IS" altLang="ja-JP" dirty="0">
+                <a:solidFill>
+                  <a:srgbClr val="800000"/>
+                </a:solidFill>
+                <a:hlinkClick r:id="rId2"/>
+              </a:rPr>
+              <a:t>http://d.hatena.ne.jp/jflute/20130602/</a:t>
+            </a:r>
+            <a:r>
+              <a:rPr lang="is-IS" altLang="ja-JP" dirty="0" smtClean="0">
+                <a:solidFill>
+                  <a:srgbClr val="800000"/>
+                </a:solidFill>
+                <a:hlinkClick r:id="rId2"/>
+              </a:rPr>
+              <a:t>1370192962</a:t>
+            </a:r>
+            <a:endParaRPr lang="en-US" altLang="ja-JP" dirty="0" smtClean="0">
+              <a:solidFill>
+                <a:srgbClr val="800000"/>
+              </a:solidFill>
+            </a:endParaRPr>
           </a:p>
           <a:p>
             <a:pPr marL="0" indent="0">
               <a:buNone/>
             </a:pPr>
             <a:r>
-              <a:rPr lang="ja-JP" altLang="ja-JP" sz="3600" dirty="0"/>
-              <a:t>　</a:t>
-            </a:r>
-            <a:r>
-              <a:rPr lang="ja-JP" altLang="en-US" sz="3600" dirty="0" smtClean="0"/>
-              <a:t>　　　　　　　道具を使う。</a:t>
-            </a:r>
-            <a:endParaRPr lang="en-US" altLang="ja-JP" dirty="0" smtClean="0"/>
+              <a:rPr lang="ja-JP" altLang="en-US" dirty="0" smtClean="0">
+                <a:solidFill>
+                  <a:srgbClr val="008000"/>
+                </a:solidFill>
+              </a:rPr>
+              <a:t>　　</a:t>
+            </a:r>
+            <a:r>
+              <a:rPr lang="en-US" altLang="ja-JP" dirty="0" smtClean="0">
+                <a:solidFill>
+                  <a:srgbClr val="008000"/>
+                </a:solidFill>
+              </a:rPr>
+              <a:t>※</a:t>
+            </a:r>
+            <a:r>
+              <a:rPr lang="ja-JP" altLang="en-US" dirty="0">
+                <a:solidFill>
+                  <a:srgbClr val="008000"/>
+                </a:solidFill>
+              </a:rPr>
+              <a:t>現社員</a:t>
+            </a:r>
+            <a:r>
+              <a:rPr lang="ja-JP" altLang="en-US" dirty="0" smtClean="0">
+                <a:solidFill>
+                  <a:srgbClr val="008000"/>
+                </a:solidFill>
+              </a:rPr>
+              <a:t>、ほぼみんな</a:t>
+            </a:r>
+            <a:r>
+              <a:rPr lang="en-US" altLang="ja-JP" dirty="0" err="1" smtClean="0">
+                <a:solidFill>
+                  <a:srgbClr val="008000"/>
+                </a:solidFill>
+              </a:rPr>
+              <a:t>DBFlute</a:t>
+            </a:r>
+            <a:r>
+              <a:rPr lang="ja-JP" altLang="en-US" dirty="0" smtClean="0">
+                <a:solidFill>
+                  <a:srgbClr val="008000"/>
+                </a:solidFill>
+              </a:rPr>
+              <a:t>初めての状態から</a:t>
+            </a:r>
+            <a:r>
+              <a:rPr lang="en-US" altLang="ja-JP" dirty="0" smtClean="0">
+                <a:solidFill>
+                  <a:srgbClr val="008000"/>
+                </a:solidFill>
+              </a:rPr>
+              <a:t>				</a:t>
+            </a:r>
+            <a:r>
+              <a:rPr lang="ja-JP" altLang="en-US" dirty="0" smtClean="0">
+                <a:solidFill>
+                  <a:srgbClr val="008000"/>
+                </a:solidFill>
+              </a:rPr>
+              <a:t>プロフェッショナル</a:t>
+            </a:r>
+            <a:r>
+              <a:rPr lang="ja-JP" altLang="en-US" dirty="0">
+                <a:solidFill>
+                  <a:srgbClr val="008000"/>
+                </a:solidFill>
+              </a:rPr>
+              <a:t>に</a:t>
+            </a:r>
+            <a:r>
+              <a:rPr lang="ja-JP" altLang="en-US" dirty="0"/>
+              <a:t>　　</a:t>
+            </a:r>
+            <a:endParaRPr lang="en-US" altLang="ja-JP" dirty="0">
+              <a:solidFill>
+                <a:srgbClr val="800000"/>
+              </a:solidFill>
+            </a:endParaRPr>
+          </a:p>
+          <a:p>
+            <a:pPr marL="0" indent="0">
+              <a:buNone/>
+            </a:pPr>
+            <a:endParaRPr lang="en-US" altLang="ja-JP" dirty="0" smtClean="0">
+              <a:solidFill>
+                <a:srgbClr val="008000"/>
+              </a:solidFill>
+            </a:endParaRPr>
           </a:p>
         </p:txBody>
       </p:sp>
     </p:spTree>
     <p:extLst>
       <p:ext uri="{BB962C8B-B14F-4D97-AF65-F5344CB8AC3E}">
-        <p14:creationId xmlns:p14="http://schemas.microsoft.com/office/powerpoint/2010/main" val="965977054"/>
+        <p14:creationId xmlns:p14="http://schemas.microsoft.com/office/powerpoint/2010/main" val="4225921158"/>
       </p:ext>
     </p:extLst>
   </p:cSld>
   <p:clrMapOvr>
     <a:masterClrMapping/>
   </p:clrMapOvr>
+  <p:timing>
+    <p:tnLst>
+      <p:par>
+        <p:cTn xmlns:p14="http://schemas.microsoft.com/office/powerpoint/2010/main" id="1" dur="indefinite" restart="never" nodeType="tmRoot"/>
+      </p:par>
+    </p:tnLst>
+  </p:timing>
 </p:sld>
 </file>
 
@@ -20256,6 +20944,1201 @@
           <a:p>
             <a:r>
               <a:rPr kumimoji="1" lang="ja-JP" altLang="en-US" dirty="0" smtClean="0"/>
+              <a:t>ビズリーチの社内勉強会</a:t>
+            </a:r>
+            <a:endParaRPr kumimoji="1" lang="ja-JP" altLang="en-US" dirty="0"/>
+          </a:p>
+        </p:txBody>
+      </p:sp>
+      <p:sp>
+        <p:nvSpPr>
+          <p:cNvPr id="3" name="コンテンツ プレースホルダー 2"/>
+          <p:cNvSpPr>
+            <a:spLocks noGrp="1"/>
+          </p:cNvSpPr>
+          <p:nvPr>
+            <p:ph idx="1"/>
+          </p:nvPr>
+        </p:nvSpPr>
+        <p:spPr>
+          <a:xfrm>
+            <a:off x="556559" y="1569580"/>
+            <a:ext cx="8134343" cy="4221619"/>
+          </a:xfrm>
+        </p:spPr>
+        <p:txBody>
+          <a:bodyPr>
+            <a:noAutofit/>
+          </a:bodyPr>
+          <a:lstStyle/>
+          <a:p>
+            <a:pPr marL="0" indent="0">
+              <a:buNone/>
+            </a:pPr>
+            <a:r>
+              <a:rPr lang="ja-JP" altLang="en-US" dirty="0" smtClean="0"/>
+              <a:t>　</a:t>
+            </a:r>
+            <a:r>
+              <a:rPr lang="en-US" altLang="ja-JP" dirty="0" smtClean="0">
+                <a:solidFill>
+                  <a:schemeClr val="bg2">
+                    <a:lumMod val="25000"/>
+                  </a:schemeClr>
+                </a:solidFill>
+              </a:rPr>
+              <a:t>【</a:t>
+            </a:r>
+            <a:r>
+              <a:rPr lang="ja-JP" altLang="en-US" dirty="0" smtClean="0">
+                <a:solidFill>
+                  <a:schemeClr val="bg2">
+                    <a:lumMod val="25000"/>
+                  </a:schemeClr>
+                </a:solidFill>
+              </a:rPr>
+              <a:t>業務時間“内”の</a:t>
+            </a:r>
+            <a:r>
+              <a:rPr lang="en-US" altLang="ja-JP" dirty="0" smtClean="0">
+                <a:solidFill>
+                  <a:schemeClr val="bg2">
+                    <a:lumMod val="25000"/>
+                  </a:schemeClr>
+                </a:solidFill>
+              </a:rPr>
+              <a:t>Official</a:t>
+            </a:r>
+            <a:r>
+              <a:rPr lang="ja-JP" altLang="en-US" dirty="0" smtClean="0">
+                <a:solidFill>
+                  <a:schemeClr val="bg2">
+                    <a:lumMod val="25000"/>
+                  </a:schemeClr>
+                </a:solidFill>
+              </a:rPr>
+              <a:t>勉強会・トレーニング</a:t>
+            </a:r>
+            <a:r>
+              <a:rPr lang="en-US" altLang="ja-JP" dirty="0" smtClean="0">
+                <a:solidFill>
+                  <a:schemeClr val="bg2">
+                    <a:lumMod val="25000"/>
+                  </a:schemeClr>
+                </a:solidFill>
+              </a:rPr>
+              <a:t>】</a:t>
+            </a:r>
+          </a:p>
+          <a:p>
+            <a:pPr marL="0" indent="0">
+              <a:buNone/>
+            </a:pPr>
+            <a:r>
+              <a:rPr lang="ja-JP" altLang="ja-JP" sz="3600" dirty="0"/>
+              <a:t>　</a:t>
+            </a:r>
+            <a:r>
+              <a:rPr lang="ja-JP" altLang="en-US" sz="3600" dirty="0" smtClean="0"/>
+              <a:t>　</a:t>
+            </a:r>
+            <a:r>
+              <a:rPr lang="en-US" altLang="ja-JP" sz="3600" dirty="0" smtClean="0"/>
+              <a:t>CTO</a:t>
+            </a:r>
+            <a:r>
+              <a:rPr lang="ja-JP" altLang="en-US" sz="3600" dirty="0" smtClean="0"/>
+              <a:t>室共有会</a:t>
+            </a:r>
+            <a:r>
+              <a:rPr lang="en-US" altLang="ja-JP" sz="3600" dirty="0" smtClean="0"/>
+              <a:t> </a:t>
+            </a:r>
+            <a:r>
+              <a:rPr lang="en-US" altLang="ja-JP" dirty="0" smtClean="0">
+                <a:solidFill>
+                  <a:srgbClr val="008000"/>
+                </a:solidFill>
+              </a:rPr>
+              <a:t>(</a:t>
+            </a:r>
+            <a:r>
+              <a:rPr lang="ja-JP" altLang="en-US" dirty="0" smtClean="0">
+                <a:solidFill>
+                  <a:srgbClr val="008000"/>
+                </a:solidFill>
+              </a:rPr>
+              <a:t>最先端の技術話</a:t>
+            </a:r>
+            <a:r>
+              <a:rPr lang="en-US" altLang="ja-JP" dirty="0" smtClean="0">
+                <a:solidFill>
+                  <a:srgbClr val="008000"/>
+                </a:solidFill>
+              </a:rPr>
+              <a:t>)</a:t>
+            </a:r>
+          </a:p>
+          <a:p>
+            <a:pPr marL="0" indent="0">
+              <a:buNone/>
+            </a:pPr>
+            <a:r>
+              <a:rPr lang="ja-JP" altLang="ja-JP" sz="3600" dirty="0"/>
+              <a:t>　</a:t>
+            </a:r>
+            <a:r>
+              <a:rPr lang="ja-JP" altLang="en-US" sz="3600" dirty="0" smtClean="0"/>
+              <a:t>　</a:t>
+            </a:r>
+            <a:r>
+              <a:rPr lang="en-US" altLang="ja-JP" sz="3600" dirty="0" err="1" smtClean="0"/>
+              <a:t>DBFlute</a:t>
+            </a:r>
+            <a:r>
+              <a:rPr lang="ja-JP" altLang="en-US" sz="3600" dirty="0" smtClean="0"/>
+              <a:t>ハンズオン</a:t>
+            </a:r>
+            <a:r>
+              <a:rPr lang="en-US" altLang="ja-JP" sz="3600" dirty="0" smtClean="0"/>
+              <a:t> </a:t>
+            </a:r>
+            <a:r>
+              <a:rPr lang="en-US" altLang="ja-JP" dirty="0" smtClean="0">
+                <a:solidFill>
+                  <a:srgbClr val="008000"/>
+                </a:solidFill>
+              </a:rPr>
+              <a:t>(1on1</a:t>
+            </a:r>
+            <a:r>
+              <a:rPr lang="ja-JP" altLang="en-US" dirty="0" smtClean="0">
+                <a:solidFill>
+                  <a:srgbClr val="008000"/>
+                </a:solidFill>
+              </a:rPr>
+              <a:t>フォロー</a:t>
+            </a:r>
+            <a:r>
+              <a:rPr lang="en-US" altLang="ja-JP" dirty="0" smtClean="0">
+                <a:solidFill>
+                  <a:srgbClr val="008000"/>
+                </a:solidFill>
+              </a:rPr>
+              <a:t>)</a:t>
+            </a:r>
+          </a:p>
+          <a:p>
+            <a:pPr marL="0" indent="0">
+              <a:buNone/>
+            </a:pPr>
+            <a:r>
+              <a:rPr lang="ja-JP" altLang="ja-JP" dirty="0"/>
+              <a:t>　</a:t>
+            </a:r>
+            <a:r>
+              <a:rPr lang="en-US" altLang="ja-JP" dirty="0" smtClean="0">
+                <a:solidFill>
+                  <a:srgbClr val="564A17"/>
+                </a:solidFill>
+              </a:rPr>
+              <a:t>【</a:t>
+            </a:r>
+            <a:r>
+              <a:rPr lang="ja-JP" altLang="en-US" dirty="0" smtClean="0">
+                <a:solidFill>
+                  <a:srgbClr val="564A17"/>
+                </a:solidFill>
+              </a:rPr>
+              <a:t>業務時間“外”のサークル活動</a:t>
+            </a:r>
+            <a:r>
+              <a:rPr lang="en-US" altLang="ja-JP" dirty="0" smtClean="0">
+                <a:solidFill>
+                  <a:srgbClr val="564A17"/>
+                </a:solidFill>
+              </a:rPr>
+              <a:t>】</a:t>
+            </a:r>
+          </a:p>
+          <a:p>
+            <a:pPr marL="0" indent="0">
+              <a:buNone/>
+            </a:pPr>
+            <a:r>
+              <a:rPr lang="ja-JP" altLang="ja-JP" sz="3600" dirty="0"/>
+              <a:t>　</a:t>
+            </a:r>
+            <a:r>
+              <a:rPr lang="ja-JP" altLang="en-US" sz="3600" dirty="0" smtClean="0"/>
+              <a:t>　地味な勉強会</a:t>
+            </a:r>
+            <a:r>
+              <a:rPr lang="en-US" altLang="ja-JP" sz="3600" dirty="0" smtClean="0"/>
+              <a:t> </a:t>
+            </a:r>
+            <a:r>
+              <a:rPr lang="en-US" altLang="ja-JP" dirty="0" smtClean="0">
+                <a:solidFill>
+                  <a:srgbClr val="008000"/>
+                </a:solidFill>
+              </a:rPr>
+              <a:t>(</a:t>
+            </a:r>
+            <a:r>
+              <a:rPr lang="ja-JP" altLang="en-US" dirty="0" smtClean="0">
+                <a:solidFill>
+                  <a:srgbClr val="008000"/>
+                </a:solidFill>
+              </a:rPr>
+              <a:t>実務レベルの技術話</a:t>
+            </a:r>
+            <a:r>
+              <a:rPr lang="en-US" altLang="ja-JP" dirty="0" smtClean="0">
+                <a:solidFill>
+                  <a:srgbClr val="008000"/>
+                </a:solidFill>
+              </a:rPr>
+              <a:t>)</a:t>
+            </a:r>
+          </a:p>
+          <a:p>
+            <a:pPr marL="0" indent="0">
+              <a:buNone/>
+            </a:pPr>
+            <a:r>
+              <a:rPr lang="ja-JP" altLang="ja-JP" sz="3600" dirty="0"/>
+              <a:t>　</a:t>
+            </a:r>
+            <a:r>
+              <a:rPr lang="ja-JP" altLang="en-US" sz="3600" dirty="0" smtClean="0"/>
+              <a:t>　コードリーディング会</a:t>
+            </a:r>
+            <a:r>
+              <a:rPr lang="en-US" altLang="ja-JP" sz="3600" dirty="0" smtClean="0"/>
+              <a:t> </a:t>
+            </a:r>
+            <a:r>
+              <a:rPr lang="en-US" altLang="ja-JP" dirty="0" smtClean="0">
+                <a:solidFill>
+                  <a:srgbClr val="008000"/>
+                </a:solidFill>
+              </a:rPr>
+              <a:t>(</a:t>
+            </a:r>
+            <a:r>
+              <a:rPr lang="ja-JP" altLang="en-US" dirty="0" smtClean="0">
+                <a:solidFill>
+                  <a:srgbClr val="008000"/>
+                </a:solidFill>
+              </a:rPr>
+              <a:t>正面突破</a:t>
+            </a:r>
+            <a:r>
+              <a:rPr lang="en-US" altLang="ja-JP" dirty="0" smtClean="0">
+                <a:solidFill>
+                  <a:srgbClr val="008000"/>
+                </a:solidFill>
+              </a:rPr>
+              <a:t>)</a:t>
+            </a:r>
+          </a:p>
+        </p:txBody>
+      </p:sp>
+      <p:sp>
+        <p:nvSpPr>
+          <p:cNvPr id="4" name="テキスト ボックス 3"/>
+          <p:cNvSpPr txBox="1"/>
+          <p:nvPr/>
+        </p:nvSpPr>
+        <p:spPr>
+          <a:xfrm>
+            <a:off x="6062998" y="3734191"/>
+            <a:ext cx="2512595" cy="646331"/>
+          </a:xfrm>
+          <a:prstGeom prst="rect">
+            <a:avLst/>
+          </a:prstGeom>
+          <a:noFill/>
+          <a:ln>
+            <a:solidFill>
+              <a:schemeClr val="accent5">
+                <a:alpha val="48000"/>
+              </a:schemeClr>
+            </a:solidFill>
+          </a:ln>
+          <a:effectLst>
+            <a:outerShdw blurRad="50800" dist="38100" dir="2700000" algn="tl" rotWithShape="0">
+              <a:srgbClr val="000000">
+                <a:alpha val="43000"/>
+              </a:srgbClr>
+            </a:outerShdw>
+          </a:effectLst>
+        </p:spPr>
+        <p:txBody>
+          <a:bodyPr wrap="square" rtlCol="0">
+            <a:spAutoFit/>
+          </a:bodyPr>
+          <a:lstStyle/>
+          <a:p>
+            <a:r>
+              <a:rPr kumimoji="1" lang="ja-JP" altLang="en-US" dirty="0" smtClean="0">
+                <a:solidFill>
+                  <a:srgbClr val="008000"/>
+                </a:solidFill>
+              </a:rPr>
+              <a:t>最近、</a:t>
+            </a:r>
+            <a:r>
+              <a:rPr kumimoji="1" lang="en-US" altLang="ja-JP" dirty="0" smtClean="0">
+                <a:solidFill>
+                  <a:srgbClr val="008000"/>
+                </a:solidFill>
+              </a:rPr>
+              <a:t>Spring</a:t>
+            </a:r>
+            <a:r>
+              <a:rPr kumimoji="1" lang="ja-JP" altLang="en-US" dirty="0" smtClean="0">
+                <a:solidFill>
+                  <a:srgbClr val="008000"/>
+                </a:solidFill>
+              </a:rPr>
+              <a:t>勉強会も始まりました！</a:t>
+            </a:r>
+            <a:endParaRPr kumimoji="1" lang="ja-JP" altLang="en-US" dirty="0">
+              <a:solidFill>
+                <a:srgbClr val="008000"/>
+              </a:solidFill>
+            </a:endParaRPr>
+          </a:p>
+        </p:txBody>
+      </p:sp>
+    </p:spTree>
+    <p:extLst>
+      <p:ext uri="{BB962C8B-B14F-4D97-AF65-F5344CB8AC3E}">
+        <p14:creationId xmlns:p14="http://schemas.microsoft.com/office/powerpoint/2010/main" val="343592106"/>
+      </p:ext>
+    </p:extLst>
+  </p:cSld>
+  <p:clrMapOvr>
+    <a:masterClrMapping/>
+  </p:clrMapOvr>
+  <p:timing>
+    <p:tnLst>
+      <p:par>
+        <p:cTn xmlns:p14="http://schemas.microsoft.com/office/powerpoint/2010/main" id="1" dur="indefinite" restart="never" nodeType="tmRoot"/>
+      </p:par>
+    </p:tnLst>
+  </p:timing>
+</p:sld>
+</file>
+
+<file path=ppt/slides/slide73.xml><?xml version="1.0" encoding="utf-8"?>
+<p:sld xmlns:a="http://schemas.openxmlformats.org/drawingml/2006/main" xmlns:r="http://schemas.openxmlformats.org/officeDocument/2006/relationships" xmlns:p="http://schemas.openxmlformats.org/presentationml/2006/main">
+  <p:cSld>
+    <p:spTree>
+      <p:nvGrpSpPr>
+        <p:cNvPr id="1" name=""/>
+        <p:cNvGrpSpPr/>
+        <p:nvPr/>
+      </p:nvGrpSpPr>
+      <p:grpSpPr>
+        <a:xfrm>
+          <a:off x="0" y="0"/>
+          <a:ext cx="0" cy="0"/>
+          <a:chOff x="0" y="0"/>
+          <a:chExt cx="0" cy="0"/>
+        </a:xfrm>
+      </p:grpSpPr>
+      <p:sp>
+        <p:nvSpPr>
+          <p:cNvPr id="2" name="タイトル 1"/>
+          <p:cNvSpPr>
+            <a:spLocks noGrp="1"/>
+          </p:cNvSpPr>
+          <p:nvPr>
+            <p:ph type="title"/>
+          </p:nvPr>
+        </p:nvSpPr>
+        <p:spPr/>
+        <p:txBody>
+          <a:bodyPr/>
+          <a:lstStyle/>
+          <a:p>
+            <a:r>
+              <a:rPr lang="en-US" altLang="ja-JP" dirty="0" smtClean="0"/>
+              <a:t>…</a:t>
+            </a:r>
+            <a:endParaRPr kumimoji="1" lang="ja-JP" altLang="en-US" dirty="0"/>
+          </a:p>
+        </p:txBody>
+      </p:sp>
+      <p:sp>
+        <p:nvSpPr>
+          <p:cNvPr id="3" name="コンテンツ プレースホルダー 2"/>
+          <p:cNvSpPr>
+            <a:spLocks noGrp="1"/>
+          </p:cNvSpPr>
+          <p:nvPr>
+            <p:ph idx="1"/>
+          </p:nvPr>
+        </p:nvSpPr>
+        <p:spPr>
+          <a:xfrm>
+            <a:off x="556559" y="1735138"/>
+            <a:ext cx="8134343" cy="4056062"/>
+          </a:xfrm>
+        </p:spPr>
+        <p:txBody>
+          <a:bodyPr>
+            <a:noAutofit/>
+          </a:bodyPr>
+          <a:lstStyle/>
+          <a:p>
+            <a:pPr marL="0" indent="0" algn="ctr">
+              <a:buNone/>
+            </a:pPr>
+            <a:endParaRPr lang="en-US" altLang="ja-JP" sz="6000" dirty="0" smtClean="0"/>
+          </a:p>
+          <a:p>
+            <a:pPr marL="0" indent="0" algn="ctr">
+              <a:buNone/>
+            </a:pPr>
+            <a:r>
+              <a:rPr lang="ja-JP" altLang="en-US" sz="6000" dirty="0" smtClean="0"/>
+              <a:t>そして</a:t>
+            </a:r>
+            <a:r>
+              <a:rPr lang="en-US" altLang="ja-JP" sz="6000" dirty="0" smtClean="0"/>
+              <a:t>…</a:t>
+            </a:r>
+          </a:p>
+        </p:txBody>
+      </p:sp>
+    </p:spTree>
+    <p:extLst>
+      <p:ext uri="{BB962C8B-B14F-4D97-AF65-F5344CB8AC3E}">
+        <p14:creationId xmlns:p14="http://schemas.microsoft.com/office/powerpoint/2010/main" val="892482261"/>
+      </p:ext>
+    </p:extLst>
+  </p:cSld>
+  <p:clrMapOvr>
+    <a:masterClrMapping/>
+  </p:clrMapOvr>
+  <p:timing>
+    <p:tnLst>
+      <p:par>
+        <p:cTn xmlns:p14="http://schemas.microsoft.com/office/powerpoint/2010/main" id="1" dur="indefinite" restart="never" nodeType="tmRoot"/>
+      </p:par>
+    </p:tnLst>
+  </p:timing>
+</p:sld>
+</file>
+
+<file path=ppt/slides/slide74.xml><?xml version="1.0" encoding="utf-8"?>
+<p:sld xmlns:a="http://schemas.openxmlformats.org/drawingml/2006/main" xmlns:r="http://schemas.openxmlformats.org/officeDocument/2006/relationships" xmlns:p="http://schemas.openxmlformats.org/presentationml/2006/main">
+  <p:cSld>
+    <p:spTree>
+      <p:nvGrpSpPr>
+        <p:cNvPr id="1" name=""/>
+        <p:cNvGrpSpPr/>
+        <p:nvPr/>
+      </p:nvGrpSpPr>
+      <p:grpSpPr>
+        <a:xfrm>
+          <a:off x="0" y="0"/>
+          <a:ext cx="0" cy="0"/>
+          <a:chOff x="0" y="0"/>
+          <a:chExt cx="0" cy="0"/>
+        </a:xfrm>
+      </p:grpSpPr>
+      <p:sp>
+        <p:nvSpPr>
+          <p:cNvPr id="2" name="タイトル 1"/>
+          <p:cNvSpPr>
+            <a:spLocks noGrp="1"/>
+          </p:cNvSpPr>
+          <p:nvPr>
+            <p:ph type="title"/>
+          </p:nvPr>
+        </p:nvSpPr>
+        <p:spPr/>
+        <p:txBody>
+          <a:bodyPr/>
+          <a:lstStyle/>
+          <a:p>
+            <a:r>
+              <a:rPr kumimoji="1" lang="ja-JP" altLang="en-US" dirty="0" smtClean="0"/>
+              <a:t>お知らせ</a:t>
+            </a:r>
+            <a:endParaRPr kumimoji="1" lang="ja-JP" altLang="en-US" dirty="0"/>
+          </a:p>
+        </p:txBody>
+      </p:sp>
+      <p:sp>
+        <p:nvSpPr>
+          <p:cNvPr id="3" name="コンテンツ プレースホルダー 2"/>
+          <p:cNvSpPr>
+            <a:spLocks noGrp="1"/>
+          </p:cNvSpPr>
+          <p:nvPr>
+            <p:ph idx="1"/>
+          </p:nvPr>
+        </p:nvSpPr>
+        <p:spPr>
+          <a:xfrm>
+            <a:off x="556559" y="1735138"/>
+            <a:ext cx="8134343" cy="4056062"/>
+          </a:xfrm>
+        </p:spPr>
+        <p:txBody>
+          <a:bodyPr>
+            <a:noAutofit/>
+          </a:bodyPr>
+          <a:lstStyle/>
+          <a:p>
+            <a:pPr marL="0" indent="0">
+              <a:buNone/>
+            </a:pPr>
+            <a:endParaRPr lang="en-US" altLang="ja-JP" dirty="0" smtClean="0"/>
+          </a:p>
+          <a:p>
+            <a:pPr marL="0" indent="0">
+              <a:buNone/>
+            </a:pPr>
+            <a:r>
+              <a:rPr lang="ja-JP" altLang="en-US" sz="3600" dirty="0" smtClean="0"/>
+              <a:t>　１１月２２日（土）</a:t>
+            </a:r>
+            <a:endParaRPr lang="en-US" altLang="ja-JP" sz="3600" dirty="0" smtClean="0"/>
+          </a:p>
+          <a:p>
+            <a:pPr marL="0" indent="0">
+              <a:buNone/>
+            </a:pPr>
+            <a:r>
+              <a:rPr lang="ja-JP" altLang="ja-JP" sz="3600" dirty="0" smtClean="0"/>
+              <a:t>　</a:t>
+            </a:r>
+            <a:r>
+              <a:rPr lang="ja-JP" altLang="en-US" sz="3600" dirty="0" smtClean="0"/>
+              <a:t>　ビズリーチガーデンにて、</a:t>
+            </a:r>
+            <a:endParaRPr lang="en-US" altLang="ja-JP" sz="3600" dirty="0" smtClean="0"/>
+          </a:p>
+          <a:p>
+            <a:pPr marL="0" indent="0">
+              <a:buNone/>
+            </a:pPr>
+            <a:r>
+              <a:rPr lang="ja-JP" altLang="ja-JP" sz="3600" dirty="0"/>
+              <a:t>　</a:t>
+            </a:r>
+            <a:r>
+              <a:rPr lang="ja-JP" altLang="en-US" sz="3600" dirty="0" smtClean="0"/>
+              <a:t>　　</a:t>
+            </a:r>
+            <a:r>
+              <a:rPr lang="en-US" altLang="ja-JP" sz="4800" b="1" dirty="0" err="1" smtClean="0">
+                <a:solidFill>
+                  <a:srgbClr val="800000"/>
+                </a:solidFill>
+              </a:rPr>
+              <a:t>DBFlute</a:t>
+            </a:r>
+            <a:r>
+              <a:rPr lang="ja-JP" altLang="en-US" sz="4800" b="1" dirty="0" smtClean="0">
+                <a:solidFill>
+                  <a:srgbClr val="800000"/>
+                </a:solidFill>
+              </a:rPr>
+              <a:t>フェス</a:t>
+            </a:r>
+            <a:r>
+              <a:rPr lang="ja-JP" altLang="en-US" sz="3600" dirty="0" smtClean="0"/>
+              <a:t>やります！</a:t>
+            </a:r>
+            <a:endParaRPr lang="en-US" altLang="ja-JP" sz="3600" dirty="0" smtClean="0"/>
+          </a:p>
+          <a:p>
+            <a:pPr marL="0" indent="0">
+              <a:buNone/>
+            </a:pPr>
+            <a:r>
+              <a:rPr lang="ja-JP" altLang="en-US" dirty="0" smtClean="0">
+                <a:solidFill>
+                  <a:srgbClr val="800000"/>
+                </a:solidFill>
+              </a:rPr>
+              <a:t>　　</a:t>
+            </a:r>
+            <a:r>
+              <a:rPr lang="en-US" altLang="ja-JP" dirty="0">
+                <a:solidFill>
+                  <a:srgbClr val="800000"/>
+                </a:solidFill>
+                <a:hlinkClick r:id="rId3"/>
+              </a:rPr>
+              <a:t>http://</a:t>
+            </a:r>
+            <a:r>
+              <a:rPr lang="en-US" altLang="ja-JP" dirty="0" err="1">
+                <a:solidFill>
+                  <a:srgbClr val="800000"/>
+                </a:solidFill>
+                <a:hlinkClick r:id="rId3"/>
+              </a:rPr>
+              <a:t>connpass.com</a:t>
+            </a:r>
+            <a:r>
+              <a:rPr lang="en-US" altLang="ja-JP" dirty="0">
+                <a:solidFill>
+                  <a:srgbClr val="800000"/>
+                </a:solidFill>
+                <a:hlinkClick r:id="rId3"/>
+              </a:rPr>
+              <a:t>/event/9544</a:t>
+            </a:r>
+            <a:r>
+              <a:rPr lang="en-US" altLang="ja-JP" dirty="0" smtClean="0">
+                <a:solidFill>
+                  <a:srgbClr val="800000"/>
+                </a:solidFill>
+                <a:hlinkClick r:id="rId3"/>
+              </a:rPr>
+              <a:t>/</a:t>
+            </a:r>
+            <a:endParaRPr lang="en-US" altLang="ja-JP" dirty="0" smtClean="0">
+              <a:solidFill>
+                <a:srgbClr val="800000"/>
+              </a:solidFill>
+            </a:endParaRPr>
+          </a:p>
+          <a:p>
+            <a:pPr marL="0" indent="0">
+              <a:buNone/>
+            </a:pPr>
+            <a:endParaRPr lang="en-US" altLang="ja-JP" dirty="0" smtClean="0">
+              <a:solidFill>
+                <a:srgbClr val="800000"/>
+              </a:solidFill>
+            </a:endParaRPr>
+          </a:p>
+        </p:txBody>
+      </p:sp>
+    </p:spTree>
+    <p:extLst>
+      <p:ext uri="{BB962C8B-B14F-4D97-AF65-F5344CB8AC3E}">
+        <p14:creationId xmlns:p14="http://schemas.microsoft.com/office/powerpoint/2010/main" val="3985910753"/>
+      </p:ext>
+    </p:extLst>
+  </p:cSld>
+  <p:clrMapOvr>
+    <a:masterClrMapping/>
+  </p:clrMapOvr>
+  <p:timing>
+    <p:tnLst>
+      <p:par>
+        <p:cTn xmlns:p14="http://schemas.microsoft.com/office/powerpoint/2010/main" id="1" dur="indefinite" restart="never" nodeType="tmRoot"/>
+      </p:par>
+    </p:tnLst>
+  </p:timing>
+</p:sld>
+</file>
+
+<file path=ppt/slides/slide75.xml><?xml version="1.0" encoding="utf-8"?>
+<p:sld xmlns:a="http://schemas.openxmlformats.org/drawingml/2006/main" xmlns:r="http://schemas.openxmlformats.org/officeDocument/2006/relationships" xmlns:p="http://schemas.openxmlformats.org/presentationml/2006/main">
+  <p:cSld>
+    <p:spTree>
+      <p:nvGrpSpPr>
+        <p:cNvPr id="1" name=""/>
+        <p:cNvGrpSpPr/>
+        <p:nvPr/>
+      </p:nvGrpSpPr>
+      <p:grpSpPr>
+        <a:xfrm>
+          <a:off x="0" y="0"/>
+          <a:ext cx="0" cy="0"/>
+          <a:chOff x="0" y="0"/>
+          <a:chExt cx="0" cy="0"/>
+        </a:xfrm>
+      </p:grpSpPr>
+      <p:sp>
+        <p:nvSpPr>
+          <p:cNvPr id="2" name="タイトル 1"/>
+          <p:cNvSpPr>
+            <a:spLocks noGrp="1"/>
+          </p:cNvSpPr>
+          <p:nvPr>
+            <p:ph type="title"/>
+          </p:nvPr>
+        </p:nvSpPr>
+        <p:spPr/>
+        <p:txBody>
+          <a:bodyPr/>
+          <a:lstStyle/>
+          <a:p>
+            <a:r>
+              <a:rPr kumimoji="1" lang="ja-JP" altLang="en-US" dirty="0" smtClean="0"/>
+              <a:t>まとめ</a:t>
+            </a:r>
+            <a:endParaRPr kumimoji="1" lang="ja-JP" altLang="en-US" dirty="0"/>
+          </a:p>
+        </p:txBody>
+      </p:sp>
+      <p:sp>
+        <p:nvSpPr>
+          <p:cNvPr id="3" name="コンテンツ プレースホルダー 2"/>
+          <p:cNvSpPr>
+            <a:spLocks noGrp="1"/>
+          </p:cNvSpPr>
+          <p:nvPr>
+            <p:ph idx="1"/>
+          </p:nvPr>
+        </p:nvSpPr>
+        <p:spPr>
+          <a:xfrm>
+            <a:off x="556559" y="1735138"/>
+            <a:ext cx="8134343" cy="4056062"/>
+          </a:xfrm>
+        </p:spPr>
+        <p:txBody>
+          <a:bodyPr>
+            <a:noAutofit/>
+          </a:bodyPr>
+          <a:lstStyle/>
+          <a:p>
+            <a:pPr marL="0" indent="0">
+              <a:buNone/>
+            </a:pPr>
+            <a:endParaRPr lang="en-US" altLang="ja-JP" dirty="0" smtClean="0"/>
+          </a:p>
+          <a:p>
+            <a:pPr marL="0" indent="0">
+              <a:buNone/>
+            </a:pPr>
+            <a:r>
+              <a:rPr lang="ja-JP" altLang="en-US" sz="3600" dirty="0" smtClean="0"/>
+              <a:t>　</a:t>
+            </a:r>
+            <a:r>
+              <a:rPr lang="en-US" altLang="ja-JP" sz="3600" dirty="0" smtClean="0"/>
+              <a:t>DB</a:t>
+            </a:r>
+            <a:r>
+              <a:rPr lang="ja-JP" altLang="en-US" sz="3600" dirty="0" smtClean="0"/>
+              <a:t>変更から逃げずに、</a:t>
+            </a:r>
+            <a:endParaRPr lang="en-US" altLang="ja-JP" sz="3600" dirty="0" smtClean="0"/>
+          </a:p>
+          <a:p>
+            <a:pPr marL="0" indent="0">
+              <a:buNone/>
+            </a:pPr>
+            <a:r>
+              <a:rPr lang="ja-JP" altLang="ja-JP" sz="3600" dirty="0"/>
+              <a:t>　</a:t>
+            </a:r>
+            <a:r>
+              <a:rPr lang="ja-JP" altLang="en-US" sz="3600" dirty="0" smtClean="0"/>
+              <a:t>　ビジネスと向き合うための、</a:t>
+            </a:r>
+            <a:endParaRPr lang="en-US" altLang="ja-JP" sz="3600" dirty="0" smtClean="0"/>
+          </a:p>
+          <a:p>
+            <a:pPr marL="0" indent="0">
+              <a:buNone/>
+            </a:pPr>
+            <a:r>
+              <a:rPr lang="ja-JP" altLang="ja-JP" sz="3600" dirty="0"/>
+              <a:t>　</a:t>
+            </a:r>
+            <a:r>
+              <a:rPr lang="ja-JP" altLang="en-US" sz="3600" dirty="0" smtClean="0"/>
+              <a:t>　　　　　　　道具を使う。</a:t>
+            </a:r>
+            <a:endParaRPr lang="en-US" altLang="ja-JP" dirty="0" smtClean="0"/>
+          </a:p>
+        </p:txBody>
+      </p:sp>
+    </p:spTree>
+    <p:extLst>
+      <p:ext uri="{BB962C8B-B14F-4D97-AF65-F5344CB8AC3E}">
+        <p14:creationId xmlns:p14="http://schemas.microsoft.com/office/powerpoint/2010/main" val="965977054"/>
+      </p:ext>
+    </p:extLst>
+  </p:cSld>
+  <p:clrMapOvr>
+    <a:masterClrMapping/>
+  </p:clrMapOvr>
+  <p:timing>
+    <p:tnLst>
+      <p:par>
+        <p:cTn xmlns:p14="http://schemas.microsoft.com/office/powerpoint/2010/main" id="1" dur="indefinite" restart="never" nodeType="tmRoot"/>
+      </p:par>
+    </p:tnLst>
+  </p:timing>
+</p:sld>
+</file>
+
+<file path=ppt/slides/slide76.xml><?xml version="1.0" encoding="utf-8"?>
+<p:sld xmlns:a="http://schemas.openxmlformats.org/drawingml/2006/main" xmlns:r="http://schemas.openxmlformats.org/officeDocument/2006/relationships" xmlns:p="http://schemas.openxmlformats.org/presentationml/2006/main">
+  <p:cSld>
+    <p:spTree>
+      <p:nvGrpSpPr>
+        <p:cNvPr id="1" name=""/>
+        <p:cNvGrpSpPr/>
+        <p:nvPr/>
+      </p:nvGrpSpPr>
+      <p:grpSpPr>
+        <a:xfrm>
+          <a:off x="0" y="0"/>
+          <a:ext cx="0" cy="0"/>
+          <a:chOff x="0" y="0"/>
+          <a:chExt cx="0" cy="0"/>
+        </a:xfrm>
+      </p:grpSpPr>
+      <p:sp>
+        <p:nvSpPr>
+          <p:cNvPr id="2" name="タイトル 1"/>
+          <p:cNvSpPr>
+            <a:spLocks noGrp="1"/>
+          </p:cNvSpPr>
+          <p:nvPr>
+            <p:ph type="title"/>
+          </p:nvPr>
+        </p:nvSpPr>
+        <p:spPr/>
+        <p:txBody>
+          <a:bodyPr/>
+          <a:lstStyle/>
+          <a:p>
+            <a:r>
+              <a:rPr kumimoji="1" lang="ja-JP" altLang="en-US" dirty="0" smtClean="0"/>
+              <a:t>じつは</a:t>
+            </a:r>
+            <a:endParaRPr kumimoji="1" lang="ja-JP" altLang="en-US" dirty="0"/>
+          </a:p>
+        </p:txBody>
+      </p:sp>
+      <p:sp>
+        <p:nvSpPr>
+          <p:cNvPr id="3" name="コンテンツ プレースホルダー 2"/>
+          <p:cNvSpPr>
+            <a:spLocks noGrp="1"/>
+          </p:cNvSpPr>
+          <p:nvPr>
+            <p:ph idx="1"/>
+          </p:nvPr>
+        </p:nvSpPr>
+        <p:spPr>
+          <a:xfrm>
+            <a:off x="556559" y="1735138"/>
+            <a:ext cx="8134343" cy="4056062"/>
+          </a:xfrm>
+        </p:spPr>
+        <p:txBody>
+          <a:bodyPr>
+            <a:noAutofit/>
+          </a:bodyPr>
+          <a:lstStyle/>
+          <a:p>
+            <a:pPr marL="0" indent="0">
+              <a:buNone/>
+            </a:pPr>
+            <a:endParaRPr lang="en-US" altLang="ja-JP" dirty="0" smtClean="0"/>
+          </a:p>
+          <a:p>
+            <a:pPr marL="0" indent="0">
+              <a:buNone/>
+            </a:pPr>
+            <a:r>
+              <a:rPr lang="ja-JP" altLang="en-US" sz="3600" dirty="0" smtClean="0"/>
+              <a:t>　</a:t>
+            </a:r>
+            <a:r>
+              <a:rPr lang="ja-JP" altLang="en-US" sz="3600" dirty="0" smtClean="0"/>
+              <a:t>後半</a:t>
+            </a:r>
+            <a:r>
+              <a:rPr lang="en-US" altLang="ja-JP" sz="3600" dirty="0" smtClean="0"/>
+              <a:t>Java</a:t>
+            </a:r>
+            <a:r>
+              <a:rPr lang="ja-JP" altLang="en-US" sz="3600" dirty="0" smtClean="0"/>
+              <a:t>じゃなくても</a:t>
+            </a:r>
+            <a:r>
+              <a:rPr lang="en-US" altLang="ja-JP" sz="3600" dirty="0" smtClean="0"/>
+              <a:t>…</a:t>
+            </a:r>
+            <a:endParaRPr lang="en-US" altLang="ja-JP" sz="3600" dirty="0" smtClean="0"/>
+          </a:p>
+          <a:p>
+            <a:pPr marL="0" indent="0">
+              <a:buNone/>
+            </a:pPr>
+            <a:endParaRPr lang="en-US" altLang="ja-JP" dirty="0"/>
+          </a:p>
+          <a:p>
+            <a:pPr marL="0" indent="0">
+              <a:buNone/>
+            </a:pPr>
+            <a:r>
+              <a:rPr lang="ja-JP" altLang="ja-JP" sz="3600" dirty="0">
+                <a:solidFill>
+                  <a:srgbClr val="008000"/>
+                </a:solidFill>
+              </a:rPr>
+              <a:t>　</a:t>
+            </a:r>
+            <a:r>
+              <a:rPr lang="ja-JP" altLang="en-US" sz="3600" dirty="0" smtClean="0">
+                <a:solidFill>
+                  <a:srgbClr val="008000"/>
+                </a:solidFill>
+              </a:rPr>
+              <a:t>　</a:t>
+            </a:r>
+            <a:r>
+              <a:rPr lang="ja-JP" altLang="en-US" dirty="0" smtClean="0">
+                <a:solidFill>
+                  <a:srgbClr val="008000"/>
+                </a:solidFill>
+              </a:rPr>
+              <a:t>コード生成なしの</a:t>
+            </a:r>
+            <a:r>
+              <a:rPr lang="en-US" altLang="ja-JP" dirty="0" smtClean="0">
+                <a:solidFill>
+                  <a:srgbClr val="008000"/>
+                </a:solidFill>
+              </a:rPr>
+              <a:t> ”</a:t>
+            </a:r>
+            <a:r>
+              <a:rPr lang="en-US" altLang="ja-JP" dirty="0" smtClean="0">
+                <a:solidFill>
+                  <a:srgbClr val="008000"/>
+                </a:solidFill>
+              </a:rPr>
+              <a:t>Alto </a:t>
+            </a:r>
+            <a:r>
+              <a:rPr lang="en-US" altLang="ja-JP" dirty="0" err="1" smtClean="0">
+                <a:solidFill>
+                  <a:srgbClr val="008000"/>
+                </a:solidFill>
+              </a:rPr>
+              <a:t>DBFlute</a:t>
+            </a:r>
+            <a:r>
+              <a:rPr lang="ja-JP" altLang="en-US" dirty="0" smtClean="0">
+                <a:solidFill>
+                  <a:srgbClr val="008000"/>
+                </a:solidFill>
+              </a:rPr>
+              <a:t>スタイル</a:t>
+            </a:r>
+            <a:r>
+              <a:rPr lang="en-US" altLang="ja-JP" dirty="0" smtClean="0">
+                <a:solidFill>
+                  <a:srgbClr val="008000"/>
+                </a:solidFill>
+              </a:rPr>
+              <a:t>” </a:t>
+            </a:r>
+            <a:r>
+              <a:rPr lang="ja-JP" altLang="en-US" dirty="0" smtClean="0">
+                <a:solidFill>
+                  <a:srgbClr val="008000"/>
+                </a:solidFill>
+              </a:rPr>
+              <a:t>で</a:t>
+            </a:r>
+            <a:endParaRPr lang="en-US" altLang="ja-JP" dirty="0" smtClean="0">
+              <a:solidFill>
+                <a:srgbClr val="008000"/>
+              </a:solidFill>
+            </a:endParaRPr>
+          </a:p>
+          <a:p>
+            <a:pPr marL="0" indent="0">
+              <a:buNone/>
+            </a:pPr>
+            <a:r>
+              <a:rPr lang="ja-JP" altLang="ja-JP" dirty="0">
+                <a:solidFill>
+                  <a:srgbClr val="008000"/>
+                </a:solidFill>
+              </a:rPr>
+              <a:t>　</a:t>
+            </a:r>
+            <a:r>
+              <a:rPr lang="ja-JP" altLang="en-US" dirty="0" smtClean="0">
+                <a:solidFill>
+                  <a:srgbClr val="008000"/>
+                </a:solidFill>
+              </a:rPr>
+              <a:t>　　</a:t>
+            </a:r>
+            <a:r>
+              <a:rPr lang="en-US" altLang="ja-JP" dirty="0" smtClean="0">
+                <a:solidFill>
+                  <a:srgbClr val="008000"/>
+                </a:solidFill>
+              </a:rPr>
+              <a:t>PHP</a:t>
+            </a:r>
+            <a:r>
+              <a:rPr lang="ja-JP" altLang="en-US" dirty="0" smtClean="0">
+                <a:solidFill>
+                  <a:srgbClr val="008000"/>
+                </a:solidFill>
+              </a:rPr>
+              <a:t>や</a:t>
+            </a:r>
+            <a:r>
+              <a:rPr lang="en-US" altLang="ja-JP" dirty="0" smtClean="0">
+                <a:solidFill>
+                  <a:srgbClr val="008000"/>
+                </a:solidFill>
+              </a:rPr>
+              <a:t>Ruby</a:t>
+            </a:r>
+            <a:r>
+              <a:rPr lang="ja-JP" altLang="en-US" dirty="0" smtClean="0">
+                <a:solidFill>
+                  <a:srgbClr val="008000"/>
+                </a:solidFill>
+              </a:rPr>
+              <a:t>の現場でも使われることも。</a:t>
+            </a:r>
+            <a:endParaRPr lang="en-US" altLang="ja-JP" dirty="0" smtClean="0">
+              <a:solidFill>
+                <a:srgbClr val="008000"/>
+              </a:solidFill>
+            </a:endParaRPr>
+          </a:p>
+          <a:p>
+            <a:pPr marL="0" indent="0">
+              <a:buNone/>
+            </a:pPr>
+            <a:r>
+              <a:rPr lang="ja-JP" altLang="ja-JP" dirty="0">
+                <a:solidFill>
+                  <a:srgbClr val="008000"/>
+                </a:solidFill>
+              </a:rPr>
+              <a:t>　</a:t>
+            </a:r>
+            <a:r>
+              <a:rPr lang="ja-JP" altLang="en-US" dirty="0" smtClean="0">
+                <a:solidFill>
+                  <a:srgbClr val="008000"/>
+                </a:solidFill>
+              </a:rPr>
+              <a:t>　</a:t>
+            </a:r>
+            <a:r>
+              <a:rPr lang="en-US" altLang="ja-JP" dirty="0" smtClean="0">
+                <a:solidFill>
+                  <a:srgbClr val="008000"/>
+                </a:solidFill>
+                <a:hlinkClick r:id="rId3"/>
+              </a:rPr>
+              <a:t>http</a:t>
+            </a:r>
+            <a:r>
+              <a:rPr lang="en-US" altLang="ja-JP" dirty="0">
+                <a:solidFill>
+                  <a:srgbClr val="008000"/>
+                </a:solidFill>
+                <a:hlinkClick r:id="rId3"/>
+              </a:rPr>
+              <a:t>://dbflute.seasar.org/ja/introduction/</a:t>
+            </a:r>
+            <a:r>
+              <a:rPr lang="en-US" altLang="ja-JP" dirty="0" smtClean="0">
+                <a:solidFill>
+                  <a:srgbClr val="008000"/>
+                </a:solidFill>
+                <a:hlinkClick r:id="rId3"/>
+              </a:rPr>
+              <a:t>altodbflute.html</a:t>
+            </a:r>
+            <a:endParaRPr lang="en-US" altLang="ja-JP" dirty="0" smtClean="0">
+              <a:solidFill>
+                <a:srgbClr val="008000"/>
+              </a:solidFill>
+            </a:endParaRPr>
+          </a:p>
+          <a:p>
+            <a:pPr marL="0" indent="0">
+              <a:buNone/>
+            </a:pPr>
+            <a:endParaRPr lang="en-US" altLang="ja-JP" dirty="0" smtClean="0">
+              <a:solidFill>
+                <a:srgbClr val="008000"/>
+              </a:solidFill>
+            </a:endParaRPr>
+          </a:p>
+        </p:txBody>
+      </p:sp>
+    </p:spTree>
+    <p:extLst>
+      <p:ext uri="{BB962C8B-B14F-4D97-AF65-F5344CB8AC3E}">
+        <p14:creationId xmlns:p14="http://schemas.microsoft.com/office/powerpoint/2010/main" val="1781880192"/>
+      </p:ext>
+    </p:extLst>
+  </p:cSld>
+  <p:clrMapOvr>
+    <a:masterClrMapping/>
+  </p:clrMapOvr>
+  <p:timing>
+    <p:tnLst>
+      <p:par>
+        <p:cTn xmlns:p14="http://schemas.microsoft.com/office/powerpoint/2010/main" id="1" dur="indefinite" restart="never" nodeType="tmRoot"/>
+      </p:par>
+    </p:tnLst>
+  </p:timing>
+</p:sld>
+</file>
+
+<file path=ppt/slides/slide77.xml><?xml version="1.0" encoding="utf-8"?>
+<p:sld xmlns:a="http://schemas.openxmlformats.org/drawingml/2006/main" xmlns:r="http://schemas.openxmlformats.org/officeDocument/2006/relationships" xmlns:p="http://schemas.openxmlformats.org/presentationml/2006/main">
+  <p:cSld>
+    <p:spTree>
+      <p:nvGrpSpPr>
+        <p:cNvPr id="1" name=""/>
+        <p:cNvGrpSpPr/>
+        <p:nvPr/>
+      </p:nvGrpSpPr>
+      <p:grpSpPr>
+        <a:xfrm>
+          <a:off x="0" y="0"/>
+          <a:ext cx="0" cy="0"/>
+          <a:chOff x="0" y="0"/>
+          <a:chExt cx="0" cy="0"/>
+        </a:xfrm>
+      </p:grpSpPr>
+      <p:sp>
+        <p:nvSpPr>
+          <p:cNvPr id="2" name="タイトル 1"/>
+          <p:cNvSpPr>
+            <a:spLocks noGrp="1"/>
+          </p:cNvSpPr>
+          <p:nvPr>
+            <p:ph type="title"/>
+          </p:nvPr>
+        </p:nvSpPr>
+        <p:spPr/>
+        <p:txBody>
+          <a:bodyPr/>
+          <a:lstStyle/>
+          <a:p>
+            <a:r>
+              <a:rPr kumimoji="1" lang="ja-JP" altLang="en-US" dirty="0" smtClean="0"/>
               <a:t>おしまい！</a:t>
             </a:r>
             <a:endParaRPr kumimoji="1" lang="ja-JP" altLang="en-US" dirty="0"/>
@@ -20321,6 +22204,13 @@
   <p:clrMapOvr>
     <a:masterClrMapping/>
   </p:clrMapOvr>
+  <p:timing>
+    <p:tnLst>
+      <p:par>
+        <p:cTn xmlns:p14="http://schemas.microsoft.com/office/powerpoint/2010/main" id="1" dur="indefinite" restart="never" nodeType="tmRoot"/>
+      </p:par>
+    </p:tnLst>
+  </p:timing>
 </p:sld>
 </file>
 
@@ -20432,6 +22322,13 @@
   <p:clrMapOvr>
     <a:masterClrMapping/>
   </p:clrMapOvr>
+  <p:timing>
+    <p:tnLst>
+      <p:par>
+        <p:cTn xmlns:p14="http://schemas.microsoft.com/office/powerpoint/2010/main" id="1" dur="indefinite" restart="never" nodeType="tmRoot"/>
+      </p:par>
+    </p:tnLst>
+  </p:timing>
 </p:sld>
 </file>
 
